--- a/design marquette/orinoco_webdesign_model.pptx
+++ b/design marquette/orinoco_webdesign_model.pptx
@@ -286,7 +286,7 @@
           <a:p>
             <a:fld id="{6D2C2410-16A5-4F12-823D-D10192541280}" type="datetimeFigureOut">
               <a:rPr lang="fr-FR" smtClean="0"/>
-              <a:t>24/07/2021</a:t>
+              <a:t>26/07/2021</a:t>
             </a:fld>
             <a:endParaRPr lang="fr-FR"/>
           </a:p>
@@ -484,7 +484,7 @@
           <a:p>
             <a:fld id="{6D2C2410-16A5-4F12-823D-D10192541280}" type="datetimeFigureOut">
               <a:rPr lang="fr-FR" smtClean="0"/>
-              <a:t>24/07/2021</a:t>
+              <a:t>26/07/2021</a:t>
             </a:fld>
             <a:endParaRPr lang="fr-FR"/>
           </a:p>
@@ -692,7 +692,7 @@
           <a:p>
             <a:fld id="{6D2C2410-16A5-4F12-823D-D10192541280}" type="datetimeFigureOut">
               <a:rPr lang="fr-FR" smtClean="0"/>
-              <a:t>24/07/2021</a:t>
+              <a:t>26/07/2021</a:t>
             </a:fld>
             <a:endParaRPr lang="fr-FR"/>
           </a:p>
@@ -890,7 +890,7 @@
           <a:p>
             <a:fld id="{6D2C2410-16A5-4F12-823D-D10192541280}" type="datetimeFigureOut">
               <a:rPr lang="fr-FR" smtClean="0"/>
-              <a:t>24/07/2021</a:t>
+              <a:t>26/07/2021</a:t>
             </a:fld>
             <a:endParaRPr lang="fr-FR"/>
           </a:p>
@@ -1165,7 +1165,7 @@
           <a:p>
             <a:fld id="{6D2C2410-16A5-4F12-823D-D10192541280}" type="datetimeFigureOut">
               <a:rPr lang="fr-FR" smtClean="0"/>
-              <a:t>24/07/2021</a:t>
+              <a:t>26/07/2021</a:t>
             </a:fld>
             <a:endParaRPr lang="fr-FR"/>
           </a:p>
@@ -1430,7 +1430,7 @@
           <a:p>
             <a:fld id="{6D2C2410-16A5-4F12-823D-D10192541280}" type="datetimeFigureOut">
               <a:rPr lang="fr-FR" smtClean="0"/>
-              <a:t>24/07/2021</a:t>
+              <a:t>26/07/2021</a:t>
             </a:fld>
             <a:endParaRPr lang="fr-FR"/>
           </a:p>
@@ -1842,7 +1842,7 @@
           <a:p>
             <a:fld id="{6D2C2410-16A5-4F12-823D-D10192541280}" type="datetimeFigureOut">
               <a:rPr lang="fr-FR" smtClean="0"/>
-              <a:t>24/07/2021</a:t>
+              <a:t>26/07/2021</a:t>
             </a:fld>
             <a:endParaRPr lang="fr-FR"/>
           </a:p>
@@ -1983,7 +1983,7 @@
           <a:p>
             <a:fld id="{6D2C2410-16A5-4F12-823D-D10192541280}" type="datetimeFigureOut">
               <a:rPr lang="fr-FR" smtClean="0"/>
-              <a:t>24/07/2021</a:t>
+              <a:t>26/07/2021</a:t>
             </a:fld>
             <a:endParaRPr lang="fr-FR"/>
           </a:p>
@@ -2096,7 +2096,7 @@
           <a:p>
             <a:fld id="{6D2C2410-16A5-4F12-823D-D10192541280}" type="datetimeFigureOut">
               <a:rPr lang="fr-FR" smtClean="0"/>
-              <a:t>24/07/2021</a:t>
+              <a:t>26/07/2021</a:t>
             </a:fld>
             <a:endParaRPr lang="fr-FR"/>
           </a:p>
@@ -2407,7 +2407,7 @@
           <a:p>
             <a:fld id="{6D2C2410-16A5-4F12-823D-D10192541280}" type="datetimeFigureOut">
               <a:rPr lang="fr-FR" smtClean="0"/>
-              <a:t>24/07/2021</a:t>
+              <a:t>26/07/2021</a:t>
             </a:fld>
             <a:endParaRPr lang="fr-FR"/>
           </a:p>
@@ -2695,7 +2695,7 @@
           <a:p>
             <a:fld id="{6D2C2410-16A5-4F12-823D-D10192541280}" type="datetimeFigureOut">
               <a:rPr lang="fr-FR" smtClean="0"/>
-              <a:t>24/07/2021</a:t>
+              <a:t>26/07/2021</a:t>
             </a:fld>
             <a:endParaRPr lang="fr-FR"/>
           </a:p>
@@ -2936,7 +2936,7 @@
           <a:p>
             <a:fld id="{6D2C2410-16A5-4F12-823D-D10192541280}" type="datetimeFigureOut">
               <a:rPr lang="fr-FR" smtClean="0"/>
-              <a:t>24/07/2021</a:t>
+              <a:t>26/07/2021</a:t>
             </a:fld>
             <a:endParaRPr lang="fr-FR"/>
           </a:p>
@@ -3685,14 +3685,7 @@
           <a:p>
             <a:pPr algn="ctr"/>
             <a:r>
-              <a:rPr lang="fr-FR" sz="2400" b="1" i="1" dirty="0">
-                <a:solidFill>
-                  <a:schemeClr val="tx1">
-                    <a:lumMod val="65000"/>
-                    <a:lumOff val="35000"/>
-                  </a:schemeClr>
-                </a:solidFill>
-              </a:rPr>
+              <a:rPr lang="fr-FR" sz="2400" b="1" i="1" dirty="0"/>
               <a:t>Tous nos ours en peluche sont faits à la main et personnalisable</a:t>
             </a:r>
           </a:p>
@@ -3728,18 +3721,10 @@
           <a:p>
             <a:pPr algn="ctr"/>
             <a:r>
-              <a:rPr lang="fr-FR" sz="1400" dirty="0" err="1">
-                <a:solidFill>
-                  <a:srgbClr val="7030A0"/>
-                </a:solidFill>
-              </a:rPr>
+              <a:rPr lang="fr-FR" sz="1400" b="1" dirty="0" err="1"/>
               <a:t>Toubisou</a:t>
             </a:r>
-            <a:endParaRPr lang="fr-FR" sz="1400" dirty="0">
-              <a:solidFill>
-                <a:srgbClr val="7030A0"/>
-              </a:solidFill>
-            </a:endParaRPr>
+            <a:endParaRPr lang="fr-FR" sz="1400" b="1" dirty="0"/>
           </a:p>
         </p:txBody>
       </p:sp>
@@ -3773,18 +3758,10 @@
           <a:p>
             <a:pPr algn="ctr"/>
             <a:r>
-              <a:rPr lang="fr-FR" sz="1400" dirty="0" err="1">
-                <a:solidFill>
-                  <a:srgbClr val="7030A0"/>
-                </a:solidFill>
-              </a:rPr>
+              <a:rPr lang="fr-FR" sz="1400" b="1" dirty="0" err="1"/>
               <a:t>Toumignon</a:t>
             </a:r>
-            <a:endParaRPr lang="fr-FR" sz="1400" dirty="0">
-              <a:solidFill>
-                <a:srgbClr val="7030A0"/>
-              </a:solidFill>
-            </a:endParaRPr>
+            <a:endParaRPr lang="fr-FR" sz="1400" b="1" dirty="0"/>
           </a:p>
         </p:txBody>
       </p:sp>
@@ -3818,18 +3795,10 @@
           <a:p>
             <a:pPr algn="ctr"/>
             <a:r>
-              <a:rPr lang="fr-FR" sz="1400" dirty="0" err="1">
-                <a:solidFill>
-                  <a:srgbClr val="7030A0"/>
-                </a:solidFill>
-              </a:rPr>
+              <a:rPr lang="fr-FR" sz="1400" b="1" dirty="0" err="1"/>
               <a:t>Toucalin</a:t>
             </a:r>
-            <a:endParaRPr lang="fr-FR" sz="1400" dirty="0">
-              <a:solidFill>
-                <a:srgbClr val="7030A0"/>
-              </a:solidFill>
-            </a:endParaRPr>
+            <a:endParaRPr lang="fr-FR" sz="1400" b="1" dirty="0"/>
           </a:p>
         </p:txBody>
       </p:sp>
@@ -3863,18 +3832,10 @@
           <a:p>
             <a:pPr algn="ctr"/>
             <a:r>
-              <a:rPr lang="fr-FR" sz="1400" dirty="0" err="1">
-                <a:solidFill>
-                  <a:srgbClr val="7030A0"/>
-                </a:solidFill>
-              </a:rPr>
+              <a:rPr lang="fr-FR" sz="1400" b="1" dirty="0" err="1"/>
               <a:t>Tougentil</a:t>
             </a:r>
-            <a:endParaRPr lang="fr-FR" sz="1400" dirty="0">
-              <a:solidFill>
-                <a:srgbClr val="7030A0"/>
-              </a:solidFill>
-            </a:endParaRPr>
+            <a:endParaRPr lang="fr-FR" sz="1400" b="1" dirty="0"/>
           </a:p>
         </p:txBody>
       </p:sp>
@@ -3908,18 +3869,10 @@
           <a:p>
             <a:pPr algn="ctr"/>
             <a:r>
-              <a:rPr lang="fr-FR" sz="1400" dirty="0" err="1">
-                <a:solidFill>
-                  <a:srgbClr val="7030A0"/>
-                </a:solidFill>
-              </a:rPr>
+              <a:rPr lang="fr-FR" sz="1400" b="1" dirty="0" err="1"/>
               <a:t>Touseul</a:t>
             </a:r>
-            <a:endParaRPr lang="fr-FR" sz="1400" dirty="0">
-              <a:solidFill>
-                <a:srgbClr val="7030A0"/>
-              </a:solidFill>
-            </a:endParaRPr>
+            <a:endParaRPr lang="fr-FR" sz="1400" b="1" dirty="0"/>
           </a:p>
         </p:txBody>
       </p:sp>
@@ -4141,25 +4094,11 @@
           <a:lstStyle/>
           <a:p>
             <a:r>
-              <a:rPr lang="fr-FR" b="1" dirty="0" err="1">
-                <a:solidFill>
-                  <a:schemeClr val="tx1">
-                    <a:lumMod val="65000"/>
-                    <a:lumOff val="35000"/>
-                  </a:schemeClr>
-                </a:solidFill>
-              </a:rPr>
+              <a:rPr lang="fr-FR" b="1" dirty="0" err="1"/>
               <a:t>Oribear</a:t>
             </a:r>
             <a:r>
-              <a:rPr lang="fr-FR" dirty="0">
-                <a:solidFill>
-                  <a:schemeClr val="tx1">
-                    <a:lumMod val="65000"/>
-                    <a:lumOff val="35000"/>
-                  </a:schemeClr>
-                </a:solidFill>
-              </a:rPr>
+              <a:rPr lang="fr-FR" dirty="0"/>
               <a:t> l’univers des ours en peluche</a:t>
             </a:r>
           </a:p>

--- a/design marquette/orinoco_webdesign_model.pptx
+++ b/design marquette/orinoco_webdesign_model.pptx
@@ -13,7 +13,8 @@
     <p:sldId id="264" r:id="rId7"/>
     <p:sldId id="265" r:id="rId8"/>
     <p:sldId id="266" r:id="rId9"/>
-    <p:sldId id="267" r:id="rId10"/>
+    <p:sldId id="268" r:id="rId10"/>
+    <p:sldId id="267" r:id="rId11"/>
   </p:sldIdLst>
   <p:sldSz cx="12192000" cy="6858000"/>
   <p:notesSz cx="6858000" cy="9144000"/>
@@ -286,7 +287,7 @@
           <a:p>
             <a:fld id="{6D2C2410-16A5-4F12-823D-D10192541280}" type="datetimeFigureOut">
               <a:rPr lang="fr-FR" smtClean="0"/>
-              <a:t>26/07/2021</a:t>
+              <a:t>28/07/2021</a:t>
             </a:fld>
             <a:endParaRPr lang="fr-FR"/>
           </a:p>
@@ -484,7 +485,7 @@
           <a:p>
             <a:fld id="{6D2C2410-16A5-4F12-823D-D10192541280}" type="datetimeFigureOut">
               <a:rPr lang="fr-FR" smtClean="0"/>
-              <a:t>26/07/2021</a:t>
+              <a:t>28/07/2021</a:t>
             </a:fld>
             <a:endParaRPr lang="fr-FR"/>
           </a:p>
@@ -692,7 +693,7 @@
           <a:p>
             <a:fld id="{6D2C2410-16A5-4F12-823D-D10192541280}" type="datetimeFigureOut">
               <a:rPr lang="fr-FR" smtClean="0"/>
-              <a:t>26/07/2021</a:t>
+              <a:t>28/07/2021</a:t>
             </a:fld>
             <a:endParaRPr lang="fr-FR"/>
           </a:p>
@@ -890,7 +891,7 @@
           <a:p>
             <a:fld id="{6D2C2410-16A5-4F12-823D-D10192541280}" type="datetimeFigureOut">
               <a:rPr lang="fr-FR" smtClean="0"/>
-              <a:t>26/07/2021</a:t>
+              <a:t>28/07/2021</a:t>
             </a:fld>
             <a:endParaRPr lang="fr-FR"/>
           </a:p>
@@ -1165,7 +1166,7 @@
           <a:p>
             <a:fld id="{6D2C2410-16A5-4F12-823D-D10192541280}" type="datetimeFigureOut">
               <a:rPr lang="fr-FR" smtClean="0"/>
-              <a:t>26/07/2021</a:t>
+              <a:t>28/07/2021</a:t>
             </a:fld>
             <a:endParaRPr lang="fr-FR"/>
           </a:p>
@@ -1430,7 +1431,7 @@
           <a:p>
             <a:fld id="{6D2C2410-16A5-4F12-823D-D10192541280}" type="datetimeFigureOut">
               <a:rPr lang="fr-FR" smtClean="0"/>
-              <a:t>26/07/2021</a:t>
+              <a:t>28/07/2021</a:t>
             </a:fld>
             <a:endParaRPr lang="fr-FR"/>
           </a:p>
@@ -1842,7 +1843,7 @@
           <a:p>
             <a:fld id="{6D2C2410-16A5-4F12-823D-D10192541280}" type="datetimeFigureOut">
               <a:rPr lang="fr-FR" smtClean="0"/>
-              <a:t>26/07/2021</a:t>
+              <a:t>28/07/2021</a:t>
             </a:fld>
             <a:endParaRPr lang="fr-FR"/>
           </a:p>
@@ -1983,7 +1984,7 @@
           <a:p>
             <a:fld id="{6D2C2410-16A5-4F12-823D-D10192541280}" type="datetimeFigureOut">
               <a:rPr lang="fr-FR" smtClean="0"/>
-              <a:t>26/07/2021</a:t>
+              <a:t>28/07/2021</a:t>
             </a:fld>
             <a:endParaRPr lang="fr-FR"/>
           </a:p>
@@ -2096,7 +2097,7 @@
           <a:p>
             <a:fld id="{6D2C2410-16A5-4F12-823D-D10192541280}" type="datetimeFigureOut">
               <a:rPr lang="fr-FR" smtClean="0"/>
-              <a:t>26/07/2021</a:t>
+              <a:t>28/07/2021</a:t>
             </a:fld>
             <a:endParaRPr lang="fr-FR"/>
           </a:p>
@@ -2407,7 +2408,7 @@
           <a:p>
             <a:fld id="{6D2C2410-16A5-4F12-823D-D10192541280}" type="datetimeFigureOut">
               <a:rPr lang="fr-FR" smtClean="0"/>
-              <a:t>26/07/2021</a:t>
+              <a:t>28/07/2021</a:t>
             </a:fld>
             <a:endParaRPr lang="fr-FR"/>
           </a:p>
@@ -2695,7 +2696,7 @@
           <a:p>
             <a:fld id="{6D2C2410-16A5-4F12-823D-D10192541280}" type="datetimeFigureOut">
               <a:rPr lang="fr-FR" smtClean="0"/>
-              <a:t>26/07/2021</a:t>
+              <a:t>28/07/2021</a:t>
             </a:fld>
             <a:endParaRPr lang="fr-FR"/>
           </a:p>
@@ -2936,7 +2937,7 @@
           <a:p>
             <a:fld id="{6D2C2410-16A5-4F12-823D-D10192541280}" type="datetimeFigureOut">
               <a:rPr lang="fr-FR" smtClean="0"/>
-              <a:t>26/07/2021</a:t>
+              <a:t>28/07/2021</a:t>
             </a:fld>
             <a:endParaRPr lang="fr-FR"/>
           </a:p>
@@ -3721,10 +3722,9 @@
           <a:p>
             <a:pPr algn="ctr"/>
             <a:r>
-              <a:rPr lang="fr-FR" sz="1400" b="1" dirty="0" err="1"/>
-              <a:t>Toubisou</a:t>
-            </a:r>
-            <a:endParaRPr lang="fr-FR" sz="1400" b="1" dirty="0"/>
+              <a:rPr lang="fr-FR" sz="1400" b="1" dirty="0"/>
+              <a:t>Norbert</a:t>
+            </a:r>
           </a:p>
         </p:txBody>
       </p:sp>
@@ -3758,10 +3758,9 @@
           <a:p>
             <a:pPr algn="ctr"/>
             <a:r>
-              <a:rPr lang="fr-FR" sz="1400" b="1" dirty="0" err="1"/>
-              <a:t>Toumignon</a:t>
-            </a:r>
-            <a:endParaRPr lang="fr-FR" sz="1400" b="1" dirty="0"/>
+              <a:rPr lang="fr-FR" sz="1400" b="1" dirty="0"/>
+              <a:t>Arnold</a:t>
+            </a:r>
           </a:p>
         </p:txBody>
       </p:sp>
@@ -3779,8 +3778,8 @@
         </p:nvSpPr>
         <p:spPr>
           <a:xfrm>
-            <a:off x="1820121" y="5517307"/>
-            <a:ext cx="899483" cy="307777"/>
+            <a:off x="1365442" y="5490867"/>
+            <a:ext cx="1439334" cy="307777"/>
           </a:xfrm>
           <a:prstGeom prst="rect">
             <a:avLst/>
@@ -3795,10 +3794,9 @@
           <a:p>
             <a:pPr algn="ctr"/>
             <a:r>
-              <a:rPr lang="fr-FR" sz="1400" b="1" dirty="0" err="1"/>
-              <a:t>Toucalin</a:t>
-            </a:r>
-            <a:endParaRPr lang="fr-FR" sz="1400" b="1" dirty="0"/>
+              <a:rPr lang="fr-FR" sz="1400" b="1" dirty="0"/>
+              <a:t>Lenny &amp; Carl</a:t>
+            </a:r>
           </a:p>
         </p:txBody>
       </p:sp>
@@ -3832,10 +3830,9 @@
           <a:p>
             <a:pPr algn="ctr"/>
             <a:r>
-              <a:rPr lang="fr-FR" sz="1400" b="1" dirty="0" err="1"/>
-              <a:t>Tougentil</a:t>
-            </a:r>
-            <a:endParaRPr lang="fr-FR" sz="1400" b="1" dirty="0"/>
+              <a:rPr lang="fr-FR" sz="1400" b="1" dirty="0"/>
+              <a:t>Gustav</a:t>
+            </a:r>
           </a:p>
         </p:txBody>
       </p:sp>
@@ -3853,8 +3850,8 @@
         </p:nvSpPr>
         <p:spPr>
           <a:xfrm>
-            <a:off x="9587874" y="5517307"/>
-            <a:ext cx="848404" cy="307777"/>
+            <a:off x="9461004" y="5517306"/>
+            <a:ext cx="975274" cy="307777"/>
           </a:xfrm>
           <a:prstGeom prst="rect">
             <a:avLst/>
@@ -3869,10 +3866,9 @@
           <a:p>
             <a:pPr algn="ctr"/>
             <a:r>
-              <a:rPr lang="fr-FR" sz="1400" b="1" dirty="0" err="1"/>
-              <a:t>Touseul</a:t>
-            </a:r>
-            <a:endParaRPr lang="fr-FR" sz="1400" b="1" dirty="0"/>
+              <a:rPr lang="fr-FR" sz="1400" b="1" dirty="0"/>
+              <a:t>Garfunkel</a:t>
+            </a:r>
           </a:p>
         </p:txBody>
       </p:sp>
@@ -4194,6 +4190,1019 @@
     <p:extLst>
       <p:ext uri="{BB962C8B-B14F-4D97-AF65-F5344CB8AC3E}">
         <p14:creationId xmlns:p14="http://schemas.microsoft.com/office/powerpoint/2010/main" val="4130239587"/>
+      </p:ext>
+    </p:extLst>
+  </p:cSld>
+  <p:clrMapOvr>
+    <a:masterClrMapping/>
+  </p:clrMapOvr>
+</p:sld>
+</file>
+
+<file path=ppt/slides/slide10.xml><?xml version="1.0" encoding="utf-8"?>
+<p:sld xmlns:a="http://schemas.openxmlformats.org/drawingml/2006/main" xmlns:r="http://schemas.openxmlformats.org/officeDocument/2006/relationships" xmlns:p="http://schemas.openxmlformats.org/presentationml/2006/main">
+  <p:cSld>
+    <p:spTree>
+      <p:nvGrpSpPr>
+        <p:cNvPr id="1" name=""/>
+        <p:cNvGrpSpPr/>
+        <p:nvPr/>
+      </p:nvGrpSpPr>
+      <p:grpSpPr>
+        <a:xfrm>
+          <a:off x="0" y="0"/>
+          <a:ext cx="0" cy="0"/>
+          <a:chOff x="0" y="0"/>
+          <a:chExt cx="0" cy="0"/>
+        </a:xfrm>
+      </p:grpSpPr>
+      <p:sp>
+        <p:nvSpPr>
+          <p:cNvPr id="2" name="Rectangle 1">
+            <a:extLst>
+              <a:ext uri="{FF2B5EF4-FFF2-40B4-BE49-F238E27FC236}">
+                <a16:creationId xmlns:a16="http://schemas.microsoft.com/office/drawing/2014/main" id="{7D6E41AE-F383-46A4-8BC2-4499A9B9FB39}"/>
+              </a:ext>
+            </a:extLst>
+          </p:cNvPr>
+          <p:cNvSpPr/>
+          <p:nvPr/>
+        </p:nvSpPr>
+        <p:spPr>
+          <a:xfrm>
+            <a:off x="3061853" y="1249078"/>
+            <a:ext cx="6086765" cy="3752910"/>
+          </a:xfrm>
+          <a:prstGeom prst="rect">
+            <a:avLst/>
+          </a:prstGeom>
+        </p:spPr>
+        <p:style>
+          <a:lnRef idx="2">
+            <a:schemeClr val="accent6"/>
+          </a:lnRef>
+          <a:fillRef idx="1">
+            <a:schemeClr val="lt1"/>
+          </a:fillRef>
+          <a:effectRef idx="0">
+            <a:schemeClr val="accent6"/>
+          </a:effectRef>
+          <a:fontRef idx="minor">
+            <a:schemeClr val="dk1"/>
+          </a:fontRef>
+        </p:style>
+        <p:txBody>
+          <a:bodyPr rtlCol="0" anchor="ctr"/>
+          <a:lstStyle/>
+          <a:p>
+            <a:pPr algn="ctr"/>
+            <a:endParaRPr lang="fr-FR" dirty="0"/>
+          </a:p>
+        </p:txBody>
+      </p:sp>
+      <p:sp>
+        <p:nvSpPr>
+          <p:cNvPr id="40" name="Rectangle 39">
+            <a:extLst>
+              <a:ext uri="{FF2B5EF4-FFF2-40B4-BE49-F238E27FC236}">
+                <a16:creationId xmlns:a16="http://schemas.microsoft.com/office/drawing/2014/main" id="{22D71B45-EFBF-45CB-9224-FF2C6D12F162}"/>
+              </a:ext>
+            </a:extLst>
+          </p:cNvPr>
+          <p:cNvSpPr/>
+          <p:nvPr/>
+        </p:nvSpPr>
+        <p:spPr>
+          <a:xfrm>
+            <a:off x="0" y="6049818"/>
+            <a:ext cx="12192000" cy="808182"/>
+          </a:xfrm>
+          <a:prstGeom prst="rect">
+            <a:avLst/>
+          </a:prstGeom>
+          <a:solidFill>
+            <a:schemeClr val="tx1">
+              <a:lumMod val="65000"/>
+              <a:lumOff val="35000"/>
+            </a:schemeClr>
+          </a:solidFill>
+        </p:spPr>
+        <p:style>
+          <a:lnRef idx="2">
+            <a:schemeClr val="accent1">
+              <a:shade val="50000"/>
+            </a:schemeClr>
+          </a:lnRef>
+          <a:fillRef idx="1">
+            <a:schemeClr val="accent1"/>
+          </a:fillRef>
+          <a:effectRef idx="0">
+            <a:schemeClr val="accent1"/>
+          </a:effectRef>
+          <a:fontRef idx="minor">
+            <a:schemeClr val="lt1"/>
+          </a:fontRef>
+        </p:style>
+        <p:txBody>
+          <a:bodyPr rtlCol="0" anchor="ctr"/>
+          <a:lstStyle/>
+          <a:p>
+            <a:pPr algn="ctr"/>
+            <a:endParaRPr lang="fr-FR">
+              <a:solidFill>
+                <a:schemeClr val="tx1"/>
+              </a:solidFill>
+            </a:endParaRPr>
+          </a:p>
+        </p:txBody>
+      </p:sp>
+      <p:sp>
+        <p:nvSpPr>
+          <p:cNvPr id="27" name="ZoneTexte 26">
+            <a:extLst>
+              <a:ext uri="{FF2B5EF4-FFF2-40B4-BE49-F238E27FC236}">
+                <a16:creationId xmlns:a16="http://schemas.microsoft.com/office/drawing/2014/main" id="{321E3CD1-81EF-4064-89CE-8B7FD518F03C}"/>
+              </a:ext>
+            </a:extLst>
+          </p:cNvPr>
+          <p:cNvSpPr txBox="1"/>
+          <p:nvPr/>
+        </p:nvSpPr>
+        <p:spPr>
+          <a:xfrm>
+            <a:off x="3071134" y="1553738"/>
+            <a:ext cx="1377094" cy="369332"/>
+          </a:xfrm>
+          <a:prstGeom prst="rect">
+            <a:avLst/>
+          </a:prstGeom>
+          <a:noFill/>
+        </p:spPr>
+        <p:txBody>
+          <a:bodyPr wrap="square" rtlCol="0">
+            <a:spAutoFit/>
+          </a:bodyPr>
+          <a:lstStyle/>
+          <a:p>
+            <a:r>
+              <a:rPr lang="fr-FR" b="1" dirty="0">
+                <a:solidFill>
+                  <a:srgbClr val="7030A0"/>
+                </a:solidFill>
+              </a:rPr>
+              <a:t>Civilité</a:t>
+            </a:r>
+          </a:p>
+        </p:txBody>
+      </p:sp>
+      <p:sp>
+        <p:nvSpPr>
+          <p:cNvPr id="30" name="ZoneTexte 29">
+            <a:extLst>
+              <a:ext uri="{FF2B5EF4-FFF2-40B4-BE49-F238E27FC236}">
+                <a16:creationId xmlns:a16="http://schemas.microsoft.com/office/drawing/2014/main" id="{07739315-19F8-4DF1-A47C-6237FE19F71B}"/>
+              </a:ext>
+            </a:extLst>
+          </p:cNvPr>
+          <p:cNvSpPr txBox="1"/>
+          <p:nvPr/>
+        </p:nvSpPr>
+        <p:spPr>
+          <a:xfrm>
+            <a:off x="3077456" y="882008"/>
+            <a:ext cx="6071162" cy="369332"/>
+          </a:xfrm>
+          <a:prstGeom prst="rect">
+            <a:avLst/>
+          </a:prstGeom>
+          <a:noFill/>
+        </p:spPr>
+        <p:txBody>
+          <a:bodyPr wrap="square">
+            <a:spAutoFit/>
+          </a:bodyPr>
+          <a:lstStyle/>
+          <a:p>
+            <a:r>
+              <a:rPr lang="fr-FR" b="1" dirty="0">
+                <a:solidFill>
+                  <a:srgbClr val="7030A0"/>
+                </a:solidFill>
+              </a:rPr>
+              <a:t>Pour nous contacter</a:t>
+            </a:r>
+          </a:p>
+        </p:txBody>
+      </p:sp>
+      <p:pic>
+        <p:nvPicPr>
+          <p:cNvPr id="41" name="Image 40">
+            <a:extLst>
+              <a:ext uri="{FF2B5EF4-FFF2-40B4-BE49-F238E27FC236}">
+                <a16:creationId xmlns:a16="http://schemas.microsoft.com/office/drawing/2014/main" id="{5735FC15-2EEE-4273-9597-4E16C7304F6B}"/>
+              </a:ext>
+            </a:extLst>
+          </p:cNvPr>
+          <p:cNvPicPr>
+            <a:picLocks noChangeAspect="1"/>
+          </p:cNvPicPr>
+          <p:nvPr/>
+        </p:nvPicPr>
+        <p:blipFill>
+          <a:blip r:embed="rId2"/>
+          <a:stretch>
+            <a:fillRect/>
+          </a:stretch>
+        </p:blipFill>
+        <p:spPr>
+          <a:xfrm>
+            <a:off x="4448227" y="6238323"/>
+            <a:ext cx="447470" cy="447470"/>
+          </a:xfrm>
+          <a:prstGeom prst="rect">
+            <a:avLst/>
+          </a:prstGeom>
+        </p:spPr>
+      </p:pic>
+      <p:pic>
+        <p:nvPicPr>
+          <p:cNvPr id="42" name="Image 41">
+            <a:extLst>
+              <a:ext uri="{FF2B5EF4-FFF2-40B4-BE49-F238E27FC236}">
+                <a16:creationId xmlns:a16="http://schemas.microsoft.com/office/drawing/2014/main" id="{D4DC15FF-BB0C-4779-9D0C-D9F21E8FC5E0}"/>
+              </a:ext>
+            </a:extLst>
+          </p:cNvPr>
+          <p:cNvPicPr>
+            <a:picLocks noChangeAspect="1"/>
+          </p:cNvPicPr>
+          <p:nvPr/>
+        </p:nvPicPr>
+        <p:blipFill>
+          <a:blip r:embed="rId3"/>
+          <a:stretch>
+            <a:fillRect/>
+          </a:stretch>
+        </p:blipFill>
+        <p:spPr>
+          <a:xfrm>
+            <a:off x="5134495" y="6240632"/>
+            <a:ext cx="447470" cy="447470"/>
+          </a:xfrm>
+          <a:prstGeom prst="rect">
+            <a:avLst/>
+          </a:prstGeom>
+        </p:spPr>
+      </p:pic>
+      <p:pic>
+        <p:nvPicPr>
+          <p:cNvPr id="43" name="Image 42">
+            <a:extLst>
+              <a:ext uri="{FF2B5EF4-FFF2-40B4-BE49-F238E27FC236}">
+                <a16:creationId xmlns:a16="http://schemas.microsoft.com/office/drawing/2014/main" id="{86588978-7A4B-4D0A-9FBD-277FC902E7E8}"/>
+              </a:ext>
+            </a:extLst>
+          </p:cNvPr>
+          <p:cNvPicPr>
+            <a:picLocks noChangeAspect="1"/>
+          </p:cNvPicPr>
+          <p:nvPr/>
+        </p:nvPicPr>
+        <p:blipFill>
+          <a:blip r:embed="rId4"/>
+          <a:stretch>
+            <a:fillRect/>
+          </a:stretch>
+        </p:blipFill>
+        <p:spPr>
+          <a:xfrm>
+            <a:off x="5876934" y="6252662"/>
+            <a:ext cx="447470" cy="447470"/>
+          </a:xfrm>
+          <a:prstGeom prst="rect">
+            <a:avLst/>
+          </a:prstGeom>
+        </p:spPr>
+      </p:pic>
+      <p:pic>
+        <p:nvPicPr>
+          <p:cNvPr id="44" name="Image 43">
+            <a:extLst>
+              <a:ext uri="{FF2B5EF4-FFF2-40B4-BE49-F238E27FC236}">
+                <a16:creationId xmlns:a16="http://schemas.microsoft.com/office/drawing/2014/main" id="{E21ABFAD-9E60-4155-92EB-3B9765712D6A}"/>
+              </a:ext>
+            </a:extLst>
+          </p:cNvPr>
+          <p:cNvPicPr>
+            <a:picLocks noChangeAspect="1"/>
+          </p:cNvPicPr>
+          <p:nvPr/>
+        </p:nvPicPr>
+        <p:blipFill>
+          <a:blip r:embed="rId5"/>
+          <a:stretch>
+            <a:fillRect/>
+          </a:stretch>
+        </p:blipFill>
+        <p:spPr>
+          <a:xfrm>
+            <a:off x="6588407" y="6256657"/>
+            <a:ext cx="447470" cy="447470"/>
+          </a:xfrm>
+          <a:prstGeom prst="rect">
+            <a:avLst/>
+          </a:prstGeom>
+        </p:spPr>
+      </p:pic>
+      <p:pic>
+        <p:nvPicPr>
+          <p:cNvPr id="45" name="Image 44">
+            <a:hlinkClick r:id="rId6" action="ppaction://hlinksldjump"/>
+            <a:extLst>
+              <a:ext uri="{FF2B5EF4-FFF2-40B4-BE49-F238E27FC236}">
+                <a16:creationId xmlns:a16="http://schemas.microsoft.com/office/drawing/2014/main" id="{0E054CF7-87CD-41AB-B1E6-880622BC8455}"/>
+              </a:ext>
+            </a:extLst>
+          </p:cNvPr>
+          <p:cNvPicPr>
+            <a:picLocks noChangeAspect="1"/>
+          </p:cNvPicPr>
+          <p:nvPr/>
+        </p:nvPicPr>
+        <p:blipFill>
+          <a:blip r:embed="rId7"/>
+          <a:stretch>
+            <a:fillRect/>
+          </a:stretch>
+        </p:blipFill>
+        <p:spPr>
+          <a:xfrm>
+            <a:off x="7327158" y="6250133"/>
+            <a:ext cx="416610" cy="416610"/>
+          </a:xfrm>
+          <a:prstGeom prst="rect">
+            <a:avLst/>
+          </a:prstGeom>
+        </p:spPr>
+      </p:pic>
+      <p:pic>
+        <p:nvPicPr>
+          <p:cNvPr id="46" name="Image 45">
+            <a:hlinkClick r:id="rId8" action="ppaction://hlinksldjump"/>
+            <a:extLst>
+              <a:ext uri="{FF2B5EF4-FFF2-40B4-BE49-F238E27FC236}">
+                <a16:creationId xmlns:a16="http://schemas.microsoft.com/office/drawing/2014/main" id="{135CDA03-C506-4443-B83A-FA2DE234B6E3}"/>
+              </a:ext>
+            </a:extLst>
+          </p:cNvPr>
+          <p:cNvPicPr>
+            <a:picLocks noChangeAspect="1"/>
+          </p:cNvPicPr>
+          <p:nvPr/>
+        </p:nvPicPr>
+        <p:blipFill>
+          <a:blip r:embed="rId9">
+            <a:extLst>
+              <a:ext uri="{28A0092B-C50C-407E-A947-70E740481C1C}">
+                <a14:useLocalDpi xmlns:a14="http://schemas.microsoft.com/office/drawing/2010/main" val="0"/>
+              </a:ext>
+            </a:extLst>
+          </a:blip>
+          <a:stretch>
+            <a:fillRect/>
+          </a:stretch>
+        </p:blipFill>
+        <p:spPr>
+          <a:xfrm>
+            <a:off x="353545" y="0"/>
+            <a:ext cx="2031746" cy="914286"/>
+          </a:xfrm>
+          <a:prstGeom prst="rect">
+            <a:avLst/>
+          </a:prstGeom>
+        </p:spPr>
+      </p:pic>
+      <p:sp>
+        <p:nvSpPr>
+          <p:cNvPr id="34" name="ZoneTexte 33">
+            <a:extLst>
+              <a:ext uri="{FF2B5EF4-FFF2-40B4-BE49-F238E27FC236}">
+                <a16:creationId xmlns:a16="http://schemas.microsoft.com/office/drawing/2014/main" id="{845F84F2-8D77-4F8B-B24F-0204AD5F76F8}"/>
+              </a:ext>
+            </a:extLst>
+          </p:cNvPr>
+          <p:cNvSpPr txBox="1"/>
+          <p:nvPr/>
+        </p:nvSpPr>
+        <p:spPr>
+          <a:xfrm>
+            <a:off x="3071134" y="2070382"/>
+            <a:ext cx="1377094" cy="369332"/>
+          </a:xfrm>
+          <a:prstGeom prst="rect">
+            <a:avLst/>
+          </a:prstGeom>
+          <a:noFill/>
+        </p:spPr>
+        <p:txBody>
+          <a:bodyPr wrap="square" rtlCol="0">
+            <a:spAutoFit/>
+          </a:bodyPr>
+          <a:lstStyle/>
+          <a:p>
+            <a:r>
+              <a:rPr lang="fr-FR" b="1" dirty="0">
+                <a:solidFill>
+                  <a:srgbClr val="7030A0"/>
+                </a:solidFill>
+              </a:rPr>
+              <a:t>Nom</a:t>
+            </a:r>
+          </a:p>
+        </p:txBody>
+      </p:sp>
+      <p:sp>
+        <p:nvSpPr>
+          <p:cNvPr id="47" name="Rectangle : coins arrondis 46">
+            <a:extLst>
+              <a:ext uri="{FF2B5EF4-FFF2-40B4-BE49-F238E27FC236}">
+                <a16:creationId xmlns:a16="http://schemas.microsoft.com/office/drawing/2014/main" id="{8E702D2E-6809-4438-9543-08EDF6C065A0}"/>
+              </a:ext>
+            </a:extLst>
+          </p:cNvPr>
+          <p:cNvSpPr/>
+          <p:nvPr/>
+        </p:nvSpPr>
+        <p:spPr>
+          <a:xfrm>
+            <a:off x="4556727" y="1572319"/>
+            <a:ext cx="4393310" cy="418117"/>
+          </a:xfrm>
+          <a:prstGeom prst="roundRect">
+            <a:avLst/>
+          </a:prstGeom>
+          <a:solidFill>
+            <a:srgbClr val="F3E9F1"/>
+          </a:solidFill>
+        </p:spPr>
+        <p:style>
+          <a:lnRef idx="2">
+            <a:schemeClr val="accent1">
+              <a:shade val="50000"/>
+            </a:schemeClr>
+          </a:lnRef>
+          <a:fillRef idx="1">
+            <a:schemeClr val="accent1"/>
+          </a:fillRef>
+          <a:effectRef idx="0">
+            <a:schemeClr val="accent1"/>
+          </a:effectRef>
+          <a:fontRef idx="minor">
+            <a:schemeClr val="lt1"/>
+          </a:fontRef>
+        </p:style>
+        <p:txBody>
+          <a:bodyPr rtlCol="0" anchor="ctr"/>
+          <a:lstStyle/>
+          <a:p>
+            <a:pPr algn="ctr"/>
+            <a:endParaRPr lang="fr-FR" sz="1800" dirty="0">
+              <a:solidFill>
+                <a:srgbClr val="7030A0"/>
+              </a:solidFill>
+            </a:endParaRPr>
+          </a:p>
+        </p:txBody>
+      </p:sp>
+      <p:sp>
+        <p:nvSpPr>
+          <p:cNvPr id="48" name="Rectangle : coins arrondis 47">
+            <a:extLst>
+              <a:ext uri="{FF2B5EF4-FFF2-40B4-BE49-F238E27FC236}">
+                <a16:creationId xmlns:a16="http://schemas.microsoft.com/office/drawing/2014/main" id="{40EBB870-F753-4ED9-83FA-57F14BB08F2E}"/>
+              </a:ext>
+            </a:extLst>
+          </p:cNvPr>
+          <p:cNvSpPr/>
+          <p:nvPr/>
+        </p:nvSpPr>
+        <p:spPr>
+          <a:xfrm>
+            <a:off x="4556727" y="2082024"/>
+            <a:ext cx="4393310" cy="436589"/>
+          </a:xfrm>
+          <a:prstGeom prst="roundRect">
+            <a:avLst/>
+          </a:prstGeom>
+          <a:solidFill>
+            <a:srgbClr val="F3E9F1"/>
+          </a:solidFill>
+        </p:spPr>
+        <p:style>
+          <a:lnRef idx="2">
+            <a:schemeClr val="accent1">
+              <a:shade val="50000"/>
+            </a:schemeClr>
+          </a:lnRef>
+          <a:fillRef idx="1">
+            <a:schemeClr val="accent1"/>
+          </a:fillRef>
+          <a:effectRef idx="0">
+            <a:schemeClr val="accent1"/>
+          </a:effectRef>
+          <a:fontRef idx="minor">
+            <a:schemeClr val="lt1"/>
+          </a:fontRef>
+        </p:style>
+        <p:txBody>
+          <a:bodyPr rtlCol="0" anchor="ctr"/>
+          <a:lstStyle/>
+          <a:p>
+            <a:pPr algn="ctr"/>
+            <a:endParaRPr lang="fr-FR" sz="1800" dirty="0">
+              <a:solidFill>
+                <a:srgbClr val="7030A0"/>
+              </a:solidFill>
+            </a:endParaRPr>
+          </a:p>
+        </p:txBody>
+      </p:sp>
+      <p:sp>
+        <p:nvSpPr>
+          <p:cNvPr id="55" name="ZoneTexte 54">
+            <a:extLst>
+              <a:ext uri="{FF2B5EF4-FFF2-40B4-BE49-F238E27FC236}">
+                <a16:creationId xmlns:a16="http://schemas.microsoft.com/office/drawing/2014/main" id="{89ADEBD4-34B2-4960-8960-6D53CF3DFCB6}"/>
+              </a:ext>
+            </a:extLst>
+          </p:cNvPr>
+          <p:cNvSpPr txBox="1"/>
+          <p:nvPr/>
+        </p:nvSpPr>
+        <p:spPr>
+          <a:xfrm>
+            <a:off x="3071133" y="2615534"/>
+            <a:ext cx="1377094" cy="369332"/>
+          </a:xfrm>
+          <a:prstGeom prst="rect">
+            <a:avLst/>
+          </a:prstGeom>
+          <a:noFill/>
+        </p:spPr>
+        <p:txBody>
+          <a:bodyPr wrap="square" rtlCol="0">
+            <a:spAutoFit/>
+          </a:bodyPr>
+          <a:lstStyle/>
+          <a:p>
+            <a:r>
+              <a:rPr lang="fr-FR" b="1" dirty="0">
+                <a:solidFill>
+                  <a:srgbClr val="7030A0"/>
+                </a:solidFill>
+              </a:rPr>
+              <a:t>Prénom</a:t>
+            </a:r>
+          </a:p>
+        </p:txBody>
+      </p:sp>
+      <p:sp>
+        <p:nvSpPr>
+          <p:cNvPr id="57" name="Rectangle : coins arrondis 56">
+            <a:extLst>
+              <a:ext uri="{FF2B5EF4-FFF2-40B4-BE49-F238E27FC236}">
+                <a16:creationId xmlns:a16="http://schemas.microsoft.com/office/drawing/2014/main" id="{8C3B7871-EF3A-4B64-AE68-C118C50C1FC4}"/>
+              </a:ext>
+            </a:extLst>
+          </p:cNvPr>
+          <p:cNvSpPr/>
+          <p:nvPr/>
+        </p:nvSpPr>
+        <p:spPr>
+          <a:xfrm>
+            <a:off x="4556726" y="2627176"/>
+            <a:ext cx="4393310" cy="436589"/>
+          </a:xfrm>
+          <a:prstGeom prst="roundRect">
+            <a:avLst/>
+          </a:prstGeom>
+          <a:solidFill>
+            <a:srgbClr val="F3E9F1"/>
+          </a:solidFill>
+        </p:spPr>
+        <p:style>
+          <a:lnRef idx="2">
+            <a:schemeClr val="accent1">
+              <a:shade val="50000"/>
+            </a:schemeClr>
+          </a:lnRef>
+          <a:fillRef idx="1">
+            <a:schemeClr val="accent1"/>
+          </a:fillRef>
+          <a:effectRef idx="0">
+            <a:schemeClr val="accent1"/>
+          </a:effectRef>
+          <a:fontRef idx="minor">
+            <a:schemeClr val="lt1"/>
+          </a:fontRef>
+        </p:style>
+        <p:txBody>
+          <a:bodyPr rtlCol="0" anchor="ctr"/>
+          <a:lstStyle/>
+          <a:p>
+            <a:pPr algn="ctr"/>
+            <a:endParaRPr lang="fr-FR" sz="1800" dirty="0">
+              <a:solidFill>
+                <a:srgbClr val="7030A0"/>
+              </a:solidFill>
+            </a:endParaRPr>
+          </a:p>
+        </p:txBody>
+      </p:sp>
+      <p:sp>
+        <p:nvSpPr>
+          <p:cNvPr id="67" name="ZoneTexte 66">
+            <a:extLst>
+              <a:ext uri="{FF2B5EF4-FFF2-40B4-BE49-F238E27FC236}">
+                <a16:creationId xmlns:a16="http://schemas.microsoft.com/office/drawing/2014/main" id="{AE902DF0-A42B-4A82-9F35-0F3E7C9AB6AC}"/>
+              </a:ext>
+            </a:extLst>
+          </p:cNvPr>
+          <p:cNvSpPr txBox="1"/>
+          <p:nvPr/>
+        </p:nvSpPr>
+        <p:spPr>
+          <a:xfrm>
+            <a:off x="3071133" y="3166281"/>
+            <a:ext cx="1377094" cy="369332"/>
+          </a:xfrm>
+          <a:prstGeom prst="rect">
+            <a:avLst/>
+          </a:prstGeom>
+          <a:noFill/>
+        </p:spPr>
+        <p:txBody>
+          <a:bodyPr wrap="square" rtlCol="0">
+            <a:spAutoFit/>
+          </a:bodyPr>
+          <a:lstStyle/>
+          <a:p>
+            <a:r>
+              <a:rPr lang="fr-FR" b="1" dirty="0">
+                <a:solidFill>
+                  <a:srgbClr val="7030A0"/>
+                </a:solidFill>
+              </a:rPr>
+              <a:t>Email</a:t>
+            </a:r>
+          </a:p>
+        </p:txBody>
+      </p:sp>
+      <p:sp>
+        <p:nvSpPr>
+          <p:cNvPr id="69" name="Rectangle : coins arrondis 68">
+            <a:extLst>
+              <a:ext uri="{FF2B5EF4-FFF2-40B4-BE49-F238E27FC236}">
+                <a16:creationId xmlns:a16="http://schemas.microsoft.com/office/drawing/2014/main" id="{EBCED5C4-454D-4E76-9610-FA9287B44C44}"/>
+              </a:ext>
+            </a:extLst>
+          </p:cNvPr>
+          <p:cNvSpPr/>
+          <p:nvPr/>
+        </p:nvSpPr>
+        <p:spPr>
+          <a:xfrm>
+            <a:off x="4556726" y="3177923"/>
+            <a:ext cx="4393310" cy="436589"/>
+          </a:xfrm>
+          <a:prstGeom prst="roundRect">
+            <a:avLst/>
+          </a:prstGeom>
+          <a:solidFill>
+            <a:srgbClr val="F3E9F1"/>
+          </a:solidFill>
+        </p:spPr>
+        <p:style>
+          <a:lnRef idx="2">
+            <a:schemeClr val="accent1">
+              <a:shade val="50000"/>
+            </a:schemeClr>
+          </a:lnRef>
+          <a:fillRef idx="1">
+            <a:schemeClr val="accent1"/>
+          </a:fillRef>
+          <a:effectRef idx="0">
+            <a:schemeClr val="accent1"/>
+          </a:effectRef>
+          <a:fontRef idx="minor">
+            <a:schemeClr val="lt1"/>
+          </a:fontRef>
+        </p:style>
+        <p:txBody>
+          <a:bodyPr rtlCol="0" anchor="ctr"/>
+          <a:lstStyle/>
+          <a:p>
+            <a:pPr algn="ctr"/>
+            <a:endParaRPr lang="fr-FR" sz="1800" dirty="0">
+              <a:solidFill>
+                <a:srgbClr val="7030A0"/>
+              </a:solidFill>
+            </a:endParaRPr>
+          </a:p>
+        </p:txBody>
+      </p:sp>
+      <p:sp>
+        <p:nvSpPr>
+          <p:cNvPr id="79" name="ZoneTexte 78">
+            <a:extLst>
+              <a:ext uri="{FF2B5EF4-FFF2-40B4-BE49-F238E27FC236}">
+                <a16:creationId xmlns:a16="http://schemas.microsoft.com/office/drawing/2014/main" id="{8F6D4638-BF84-4DD6-A596-3F8F9A0CAF5A}"/>
+              </a:ext>
+            </a:extLst>
+          </p:cNvPr>
+          <p:cNvSpPr txBox="1"/>
+          <p:nvPr/>
+        </p:nvSpPr>
+        <p:spPr>
+          <a:xfrm>
+            <a:off x="3067433" y="3718934"/>
+            <a:ext cx="1377094" cy="369332"/>
+          </a:xfrm>
+          <a:prstGeom prst="rect">
+            <a:avLst/>
+          </a:prstGeom>
+          <a:noFill/>
+        </p:spPr>
+        <p:txBody>
+          <a:bodyPr wrap="square" rtlCol="0">
+            <a:spAutoFit/>
+          </a:bodyPr>
+          <a:lstStyle/>
+          <a:p>
+            <a:r>
+              <a:rPr lang="fr-FR" b="1" dirty="0">
+                <a:solidFill>
+                  <a:srgbClr val="7030A0"/>
+                </a:solidFill>
+              </a:rPr>
+              <a:t>Message</a:t>
+            </a:r>
+          </a:p>
+        </p:txBody>
+      </p:sp>
+      <p:sp>
+        <p:nvSpPr>
+          <p:cNvPr id="81" name="Rectangle : coins arrondis 80">
+            <a:extLst>
+              <a:ext uri="{FF2B5EF4-FFF2-40B4-BE49-F238E27FC236}">
+                <a16:creationId xmlns:a16="http://schemas.microsoft.com/office/drawing/2014/main" id="{E7A91C03-8900-45CE-92D4-9799CA8635C7}"/>
+              </a:ext>
+            </a:extLst>
+          </p:cNvPr>
+          <p:cNvSpPr/>
+          <p:nvPr/>
+        </p:nvSpPr>
+        <p:spPr>
+          <a:xfrm>
+            <a:off x="4553026" y="3730576"/>
+            <a:ext cx="4393310" cy="1130868"/>
+          </a:xfrm>
+          <a:prstGeom prst="roundRect">
+            <a:avLst/>
+          </a:prstGeom>
+          <a:solidFill>
+            <a:srgbClr val="F3E9F1"/>
+          </a:solidFill>
+        </p:spPr>
+        <p:style>
+          <a:lnRef idx="2">
+            <a:schemeClr val="accent1">
+              <a:shade val="50000"/>
+            </a:schemeClr>
+          </a:lnRef>
+          <a:fillRef idx="1">
+            <a:schemeClr val="accent1"/>
+          </a:fillRef>
+          <a:effectRef idx="0">
+            <a:schemeClr val="accent1"/>
+          </a:effectRef>
+          <a:fontRef idx="minor">
+            <a:schemeClr val="lt1"/>
+          </a:fontRef>
+        </p:style>
+        <p:txBody>
+          <a:bodyPr rtlCol="0" anchor="ctr"/>
+          <a:lstStyle/>
+          <a:p>
+            <a:pPr algn="ctr"/>
+            <a:endParaRPr lang="fr-FR" sz="1800" dirty="0">
+              <a:solidFill>
+                <a:srgbClr val="7030A0"/>
+              </a:solidFill>
+            </a:endParaRPr>
+          </a:p>
+        </p:txBody>
+      </p:sp>
+      <p:sp>
+        <p:nvSpPr>
+          <p:cNvPr id="38" name="Rectangle : coins arrondis 37">
+            <a:extLst>
+              <a:ext uri="{FF2B5EF4-FFF2-40B4-BE49-F238E27FC236}">
+                <a16:creationId xmlns:a16="http://schemas.microsoft.com/office/drawing/2014/main" id="{01F7892D-17C7-46C8-A9D8-E1C96DFEFC75}"/>
+              </a:ext>
+            </a:extLst>
+          </p:cNvPr>
+          <p:cNvSpPr/>
+          <p:nvPr/>
+        </p:nvSpPr>
+        <p:spPr>
+          <a:xfrm>
+            <a:off x="4572000" y="5184938"/>
+            <a:ext cx="3001818" cy="436589"/>
+          </a:xfrm>
+          <a:prstGeom prst="roundRect">
+            <a:avLst/>
+          </a:prstGeom>
+          <a:solidFill>
+            <a:srgbClr val="F3E9F1"/>
+          </a:solidFill>
+        </p:spPr>
+        <p:style>
+          <a:lnRef idx="2">
+            <a:schemeClr val="accent1">
+              <a:shade val="50000"/>
+            </a:schemeClr>
+          </a:lnRef>
+          <a:fillRef idx="1">
+            <a:schemeClr val="accent1"/>
+          </a:fillRef>
+          <a:effectRef idx="0">
+            <a:schemeClr val="accent1"/>
+          </a:effectRef>
+          <a:fontRef idx="minor">
+            <a:schemeClr val="lt1"/>
+          </a:fontRef>
+        </p:style>
+        <p:txBody>
+          <a:bodyPr rtlCol="0" anchor="ctr"/>
+          <a:lstStyle/>
+          <a:p>
+            <a:pPr algn="ctr"/>
+            <a:r>
+              <a:rPr lang="fr-FR" b="1" dirty="0">
+                <a:solidFill>
+                  <a:srgbClr val="7030A0"/>
+                </a:solidFill>
+              </a:rPr>
+              <a:t>J’envoie</a:t>
+            </a:r>
+          </a:p>
+        </p:txBody>
+      </p:sp>
+      <p:sp>
+        <p:nvSpPr>
+          <p:cNvPr id="24" name="ZoneTexte 23">
+            <a:hlinkClick r:id="rId8" action="ppaction://hlinksldjump"/>
+            <a:extLst>
+              <a:ext uri="{FF2B5EF4-FFF2-40B4-BE49-F238E27FC236}">
+                <a16:creationId xmlns:a16="http://schemas.microsoft.com/office/drawing/2014/main" id="{B1262C9C-CAF9-4D70-96A0-0B4C22137D17}"/>
+              </a:ext>
+            </a:extLst>
+          </p:cNvPr>
+          <p:cNvSpPr txBox="1"/>
+          <p:nvPr/>
+        </p:nvSpPr>
+        <p:spPr>
+          <a:xfrm>
+            <a:off x="4240105" y="279067"/>
+            <a:ext cx="3668761" cy="369332"/>
+          </a:xfrm>
+          <a:prstGeom prst="rect">
+            <a:avLst/>
+          </a:prstGeom>
+          <a:noFill/>
+        </p:spPr>
+        <p:txBody>
+          <a:bodyPr wrap="none" rtlCol="0">
+            <a:spAutoFit/>
+          </a:bodyPr>
+          <a:lstStyle/>
+          <a:p>
+            <a:r>
+              <a:rPr lang="fr-FR" b="1" dirty="0" err="1">
+                <a:solidFill>
+                  <a:schemeClr val="tx1">
+                    <a:lumMod val="65000"/>
+                    <a:lumOff val="35000"/>
+                  </a:schemeClr>
+                </a:solidFill>
+              </a:rPr>
+              <a:t>Oribear</a:t>
+            </a:r>
+            <a:r>
+              <a:rPr lang="fr-FR" dirty="0">
+                <a:solidFill>
+                  <a:schemeClr val="tx1">
+                    <a:lumMod val="65000"/>
+                    <a:lumOff val="35000"/>
+                  </a:schemeClr>
+                </a:solidFill>
+              </a:rPr>
+              <a:t> l’univers des ours en peluche</a:t>
+            </a:r>
+          </a:p>
+        </p:txBody>
+      </p:sp>
+      <p:sp>
+        <p:nvSpPr>
+          <p:cNvPr id="28" name="ZoneTexte 27">
+            <a:hlinkClick r:id="rId8" action="ppaction://hlinksldjump"/>
+            <a:extLst>
+              <a:ext uri="{FF2B5EF4-FFF2-40B4-BE49-F238E27FC236}">
+                <a16:creationId xmlns:a16="http://schemas.microsoft.com/office/drawing/2014/main" id="{DDF92D9C-8C9E-4DC8-BDB6-3F5732B89280}"/>
+              </a:ext>
+            </a:extLst>
+          </p:cNvPr>
+          <p:cNvSpPr txBox="1"/>
+          <p:nvPr/>
+        </p:nvSpPr>
+        <p:spPr>
+          <a:xfrm>
+            <a:off x="10116903" y="279067"/>
+            <a:ext cx="867545" cy="369332"/>
+          </a:xfrm>
+          <a:prstGeom prst="rect">
+            <a:avLst/>
+          </a:prstGeom>
+          <a:noFill/>
+        </p:spPr>
+        <p:txBody>
+          <a:bodyPr wrap="none" rtlCol="0">
+            <a:spAutoFit/>
+          </a:bodyPr>
+          <a:lstStyle/>
+          <a:p>
+            <a:r>
+              <a:rPr lang="fr-FR" dirty="0">
+                <a:solidFill>
+                  <a:schemeClr val="tx1">
+                    <a:lumMod val="65000"/>
+                    <a:lumOff val="35000"/>
+                  </a:schemeClr>
+                </a:solidFill>
+              </a:rPr>
+              <a:t>Accueil</a:t>
+            </a:r>
+          </a:p>
+        </p:txBody>
+      </p:sp>
+      <p:sp>
+        <p:nvSpPr>
+          <p:cNvPr id="29" name="ZoneTexte 28">
+            <a:hlinkClick r:id="rId10" action="ppaction://hlinksldjump"/>
+            <a:extLst>
+              <a:ext uri="{FF2B5EF4-FFF2-40B4-BE49-F238E27FC236}">
+                <a16:creationId xmlns:a16="http://schemas.microsoft.com/office/drawing/2014/main" id="{2212D2F1-4164-43A8-8DC4-BB8256EBD172}"/>
+              </a:ext>
+            </a:extLst>
+          </p:cNvPr>
+          <p:cNvSpPr txBox="1"/>
+          <p:nvPr/>
+        </p:nvSpPr>
+        <p:spPr>
+          <a:xfrm>
+            <a:off x="11108051" y="279703"/>
+            <a:ext cx="794128" cy="369332"/>
+          </a:xfrm>
+          <a:prstGeom prst="rect">
+            <a:avLst/>
+          </a:prstGeom>
+          <a:noFill/>
+        </p:spPr>
+        <p:txBody>
+          <a:bodyPr wrap="none" rtlCol="0">
+            <a:spAutoFit/>
+          </a:bodyPr>
+          <a:lstStyle/>
+          <a:p>
+            <a:r>
+              <a:rPr lang="fr-FR" dirty="0">
+                <a:solidFill>
+                  <a:schemeClr val="tx1">
+                    <a:lumMod val="65000"/>
+                    <a:lumOff val="35000"/>
+                  </a:schemeClr>
+                </a:solidFill>
+              </a:rPr>
+              <a:t>Panier</a:t>
+            </a:r>
+          </a:p>
+        </p:txBody>
+      </p:sp>
+    </p:spTree>
+    <p:extLst>
+      <p:ext uri="{BB962C8B-B14F-4D97-AF65-F5344CB8AC3E}">
+        <p14:creationId xmlns:p14="http://schemas.microsoft.com/office/powerpoint/2010/main" val="1271504109"/>
       </p:ext>
     </p:extLst>
   </p:cSld>
@@ -4400,18 +5409,13 @@
           <a:lstStyle/>
           <a:p>
             <a:r>
-              <a:rPr lang="fr-FR" sz="2000" b="1" dirty="0" err="1">
-                <a:solidFill>
-                  <a:srgbClr val="7030A0"/>
-                </a:solidFill>
-              </a:rPr>
-              <a:t>Toubisou</a:t>
-            </a:r>
-            <a:endParaRPr lang="fr-FR" sz="2000" b="1" dirty="0">
-              <a:solidFill>
-                <a:srgbClr val="7030A0"/>
-              </a:solidFill>
-            </a:endParaRPr>
+              <a:rPr lang="fr-FR" sz="2000" b="1" dirty="0">
+                <a:solidFill>
+                  <a:srgbClr val="7030A0"/>
+                </a:solidFill>
+              </a:rPr>
+              <a:t>Norbert</a:t>
+            </a:r>
           </a:p>
         </p:txBody>
       </p:sp>
@@ -4430,7 +5434,7 @@
         <p:spPr>
           <a:xfrm>
             <a:off x="6192988" y="1886023"/>
-            <a:ext cx="2849519" cy="523220"/>
+            <a:ext cx="2849519" cy="954107"/>
           </a:xfrm>
           <a:prstGeom prst="rect">
             <a:avLst/>
@@ -4449,7 +5453,215 @@
                   <a:srgbClr val="7030A0"/>
                 </a:solidFill>
               </a:rPr>
-              <a:t>evvrrjerivnrirvniroervnrioenvrunvririiefhuifufhoifhncoaufgkfifjdjdsjf</a:t>
+              <a:t>Lorem ipsum </a:t>
+            </a:r>
+            <a:r>
+              <a:rPr lang="fr-FR" sz="1400" dirty="0" err="1">
+                <a:solidFill>
+                  <a:srgbClr val="7030A0"/>
+                </a:solidFill>
+              </a:rPr>
+              <a:t>dolor</a:t>
+            </a:r>
+            <a:r>
+              <a:rPr lang="fr-FR" sz="1400" dirty="0">
+                <a:solidFill>
+                  <a:srgbClr val="7030A0"/>
+                </a:solidFill>
+              </a:rPr>
+              <a:t> </a:t>
+            </a:r>
+            <a:r>
+              <a:rPr lang="fr-FR" sz="1400" dirty="0" err="1">
+                <a:solidFill>
+                  <a:srgbClr val="7030A0"/>
+                </a:solidFill>
+              </a:rPr>
+              <a:t>sit</a:t>
+            </a:r>
+            <a:r>
+              <a:rPr lang="fr-FR" sz="1400" dirty="0">
+                <a:solidFill>
+                  <a:srgbClr val="7030A0"/>
+                </a:solidFill>
+              </a:rPr>
+              <a:t> </a:t>
+            </a:r>
+            <a:r>
+              <a:rPr lang="fr-FR" sz="1400" dirty="0" err="1">
+                <a:solidFill>
+                  <a:srgbClr val="7030A0"/>
+                </a:solidFill>
+              </a:rPr>
+              <a:t>amet</a:t>
+            </a:r>
+            <a:r>
+              <a:rPr lang="fr-FR" sz="1400" dirty="0">
+                <a:solidFill>
+                  <a:srgbClr val="7030A0"/>
+                </a:solidFill>
+              </a:rPr>
+              <a:t>, </a:t>
+            </a:r>
+            <a:r>
+              <a:rPr lang="fr-FR" sz="1400" dirty="0" err="1">
+                <a:solidFill>
+                  <a:srgbClr val="7030A0"/>
+                </a:solidFill>
+              </a:rPr>
+              <a:t>consectetur</a:t>
+            </a:r>
+            <a:r>
+              <a:rPr lang="fr-FR" sz="1400" dirty="0">
+                <a:solidFill>
+                  <a:srgbClr val="7030A0"/>
+                </a:solidFill>
+              </a:rPr>
+              <a:t> </a:t>
+            </a:r>
+            <a:r>
+              <a:rPr lang="fr-FR" sz="1400" dirty="0" err="1">
+                <a:solidFill>
+                  <a:srgbClr val="7030A0"/>
+                </a:solidFill>
+              </a:rPr>
+              <a:t>adipisicing</a:t>
+            </a:r>
+            <a:r>
+              <a:rPr lang="fr-FR" sz="1400" dirty="0">
+                <a:solidFill>
+                  <a:srgbClr val="7030A0"/>
+                </a:solidFill>
+              </a:rPr>
+              <a:t> </a:t>
+            </a:r>
+            <a:r>
+              <a:rPr lang="fr-FR" sz="1400" dirty="0" err="1">
+                <a:solidFill>
+                  <a:srgbClr val="7030A0"/>
+                </a:solidFill>
+              </a:rPr>
+              <a:t>elit</a:t>
+            </a:r>
+            <a:r>
+              <a:rPr lang="fr-FR" sz="1400" dirty="0">
+                <a:solidFill>
+                  <a:srgbClr val="7030A0"/>
+                </a:solidFill>
+              </a:rPr>
+              <a:t>, </a:t>
+            </a:r>
+            <a:r>
+              <a:rPr lang="fr-FR" sz="1400" dirty="0" err="1">
+                <a:solidFill>
+                  <a:srgbClr val="7030A0"/>
+                </a:solidFill>
+              </a:rPr>
+              <a:t>sed</a:t>
+            </a:r>
+            <a:r>
+              <a:rPr lang="fr-FR" sz="1400" dirty="0">
+                <a:solidFill>
+                  <a:srgbClr val="7030A0"/>
+                </a:solidFill>
+              </a:rPr>
+              <a:t> do </a:t>
+            </a:r>
+            <a:r>
+              <a:rPr lang="fr-FR" sz="1400" dirty="0" err="1">
+                <a:solidFill>
+                  <a:srgbClr val="7030A0"/>
+                </a:solidFill>
+              </a:rPr>
+              <a:t>eiusmod</a:t>
+            </a:r>
+            <a:r>
+              <a:rPr lang="fr-FR" sz="1400" dirty="0">
+                <a:solidFill>
+                  <a:srgbClr val="7030A0"/>
+                </a:solidFill>
+              </a:rPr>
+              <a:t> </a:t>
+            </a:r>
+            <a:r>
+              <a:rPr lang="fr-FR" sz="1400" dirty="0" err="1">
+                <a:solidFill>
+                  <a:srgbClr val="7030A0"/>
+                </a:solidFill>
+              </a:rPr>
+              <a:t>tempor</a:t>
+            </a:r>
+            <a:r>
+              <a:rPr lang="fr-FR" sz="1400" dirty="0">
+                <a:solidFill>
+                  <a:srgbClr val="7030A0"/>
+                </a:solidFill>
+              </a:rPr>
+              <a:t> </a:t>
+            </a:r>
+            <a:r>
+              <a:rPr lang="fr-FR" sz="1400" dirty="0" err="1">
+                <a:solidFill>
+                  <a:srgbClr val="7030A0"/>
+                </a:solidFill>
+              </a:rPr>
+              <a:t>incididunt</a:t>
+            </a:r>
+            <a:r>
+              <a:rPr lang="fr-FR" sz="1400" dirty="0">
+                <a:solidFill>
+                  <a:srgbClr val="7030A0"/>
+                </a:solidFill>
+              </a:rPr>
+              <a:t> ut </a:t>
+            </a:r>
+            <a:r>
+              <a:rPr lang="fr-FR" sz="1400" dirty="0" err="1">
+                <a:solidFill>
+                  <a:srgbClr val="7030A0"/>
+                </a:solidFill>
+              </a:rPr>
+              <a:t>labore</a:t>
+            </a:r>
+            <a:r>
+              <a:rPr lang="fr-FR" sz="1400" dirty="0">
+                <a:solidFill>
+                  <a:srgbClr val="7030A0"/>
+                </a:solidFill>
+              </a:rPr>
+              <a:t> et </a:t>
+            </a:r>
+            <a:r>
+              <a:rPr lang="fr-FR" sz="1400" dirty="0" err="1">
+                <a:solidFill>
+                  <a:srgbClr val="7030A0"/>
+                </a:solidFill>
+              </a:rPr>
+              <a:t>dolore</a:t>
+            </a:r>
+            <a:r>
+              <a:rPr lang="fr-FR" sz="1400" dirty="0">
+                <a:solidFill>
+                  <a:srgbClr val="7030A0"/>
+                </a:solidFill>
+              </a:rPr>
+              <a:t> magna </a:t>
+            </a:r>
+            <a:r>
+              <a:rPr lang="fr-FR" sz="1400" dirty="0" err="1">
+                <a:solidFill>
+                  <a:srgbClr val="7030A0"/>
+                </a:solidFill>
+              </a:rPr>
+              <a:t>aliqua</a:t>
+            </a:r>
+            <a:r>
+              <a:rPr lang="fr-FR" sz="1400" dirty="0">
+                <a:solidFill>
+                  <a:srgbClr val="7030A0"/>
+                </a:solidFill>
+              </a:rPr>
+              <a:t>.</a:t>
             </a:r>
           </a:p>
         </p:txBody>
@@ -4468,7 +5680,7 @@
         </p:nvSpPr>
         <p:spPr>
           <a:xfrm>
-            <a:off x="6195462" y="2625067"/>
+            <a:off x="6195461" y="3148739"/>
             <a:ext cx="1459015" cy="400110"/>
           </a:xfrm>
           <a:prstGeom prst="rect">
@@ -4488,7 +5700,7 @@
                   <a:srgbClr val="7030A0"/>
                 </a:solidFill>
               </a:rPr>
-              <a:t>35 € </a:t>
+              <a:t>29 € </a:t>
             </a:r>
             <a:r>
               <a:rPr lang="fr-FR" sz="2000" b="1" baseline="30000" dirty="0">
@@ -4651,10 +5863,10 @@
       </p:sp>
       <p:pic>
         <p:nvPicPr>
-          <p:cNvPr id="36" name="Graphique 35" descr="Cœur">
-            <a:extLst>
-              <a:ext uri="{FF2B5EF4-FFF2-40B4-BE49-F238E27FC236}">
-                <a16:creationId xmlns:a16="http://schemas.microsoft.com/office/drawing/2014/main" id="{D49F5ACB-EC68-439B-B99B-579DD6433F3F}"/>
+          <p:cNvPr id="41" name="Image 40">
+            <a:extLst>
+              <a:ext uri="{FF2B5EF4-FFF2-40B4-BE49-F238E27FC236}">
+                <a16:creationId xmlns:a16="http://schemas.microsoft.com/office/drawing/2014/main" id="{5735FC15-2EEE-4273-9597-4E16C7304F6B}"/>
               </a:ext>
             </a:extLst>
           </p:cNvPr>
@@ -4664,13 +5876,162 @@
           <p:nvPr/>
         </p:nvPicPr>
         <p:blipFill>
-          <a:blip r:embed="rId3">
+          <a:blip r:embed="rId3"/>
+          <a:stretch>
+            <a:fillRect/>
+          </a:stretch>
+        </p:blipFill>
+        <p:spPr>
+          <a:xfrm>
+            <a:off x="4448227" y="6238323"/>
+            <a:ext cx="447470" cy="447470"/>
+          </a:xfrm>
+          <a:prstGeom prst="rect">
+            <a:avLst/>
+          </a:prstGeom>
+        </p:spPr>
+      </p:pic>
+      <p:pic>
+        <p:nvPicPr>
+          <p:cNvPr id="42" name="Image 41">
+            <a:extLst>
+              <a:ext uri="{FF2B5EF4-FFF2-40B4-BE49-F238E27FC236}">
+                <a16:creationId xmlns:a16="http://schemas.microsoft.com/office/drawing/2014/main" id="{D4DC15FF-BB0C-4779-9D0C-D9F21E8FC5E0}"/>
+              </a:ext>
+            </a:extLst>
+          </p:cNvPr>
+          <p:cNvPicPr>
+            <a:picLocks noChangeAspect="1"/>
+          </p:cNvPicPr>
+          <p:nvPr/>
+        </p:nvPicPr>
+        <p:blipFill>
+          <a:blip r:embed="rId4"/>
+          <a:stretch>
+            <a:fillRect/>
+          </a:stretch>
+        </p:blipFill>
+        <p:spPr>
+          <a:xfrm>
+            <a:off x="5134495" y="6240632"/>
+            <a:ext cx="447470" cy="447470"/>
+          </a:xfrm>
+          <a:prstGeom prst="rect">
+            <a:avLst/>
+          </a:prstGeom>
+        </p:spPr>
+      </p:pic>
+      <p:pic>
+        <p:nvPicPr>
+          <p:cNvPr id="43" name="Image 42">
+            <a:extLst>
+              <a:ext uri="{FF2B5EF4-FFF2-40B4-BE49-F238E27FC236}">
+                <a16:creationId xmlns:a16="http://schemas.microsoft.com/office/drawing/2014/main" id="{86588978-7A4B-4D0A-9FBD-277FC902E7E8}"/>
+              </a:ext>
+            </a:extLst>
+          </p:cNvPr>
+          <p:cNvPicPr>
+            <a:picLocks noChangeAspect="1"/>
+          </p:cNvPicPr>
+          <p:nvPr/>
+        </p:nvPicPr>
+        <p:blipFill>
+          <a:blip r:embed="rId5"/>
+          <a:stretch>
+            <a:fillRect/>
+          </a:stretch>
+        </p:blipFill>
+        <p:spPr>
+          <a:xfrm>
+            <a:off x="5876934" y="6252662"/>
+            <a:ext cx="447470" cy="447470"/>
+          </a:xfrm>
+          <a:prstGeom prst="rect">
+            <a:avLst/>
+          </a:prstGeom>
+        </p:spPr>
+      </p:pic>
+      <p:pic>
+        <p:nvPicPr>
+          <p:cNvPr id="44" name="Image 43">
+            <a:extLst>
+              <a:ext uri="{FF2B5EF4-FFF2-40B4-BE49-F238E27FC236}">
+                <a16:creationId xmlns:a16="http://schemas.microsoft.com/office/drawing/2014/main" id="{E21ABFAD-9E60-4155-92EB-3B9765712D6A}"/>
+              </a:ext>
+            </a:extLst>
+          </p:cNvPr>
+          <p:cNvPicPr>
+            <a:picLocks noChangeAspect="1"/>
+          </p:cNvPicPr>
+          <p:nvPr/>
+        </p:nvPicPr>
+        <p:blipFill>
+          <a:blip r:embed="rId6"/>
+          <a:stretch>
+            <a:fillRect/>
+          </a:stretch>
+        </p:blipFill>
+        <p:spPr>
+          <a:xfrm>
+            <a:off x="6588407" y="6256657"/>
+            <a:ext cx="447470" cy="447470"/>
+          </a:xfrm>
+          <a:prstGeom prst="rect">
+            <a:avLst/>
+          </a:prstGeom>
+        </p:spPr>
+      </p:pic>
+      <p:pic>
+        <p:nvPicPr>
+          <p:cNvPr id="45" name="Image 44">
+            <a:hlinkClick r:id="rId7" action="ppaction://hlinksldjump"/>
+            <a:extLst>
+              <a:ext uri="{FF2B5EF4-FFF2-40B4-BE49-F238E27FC236}">
+                <a16:creationId xmlns:a16="http://schemas.microsoft.com/office/drawing/2014/main" id="{0E054CF7-87CD-41AB-B1E6-880622BC8455}"/>
+              </a:ext>
+            </a:extLst>
+          </p:cNvPr>
+          <p:cNvPicPr>
+            <a:picLocks noChangeAspect="1"/>
+          </p:cNvPicPr>
+          <p:nvPr/>
+        </p:nvPicPr>
+        <p:blipFill>
+          <a:blip r:embed="rId8"/>
+          <a:stretch>
+            <a:fillRect/>
+          </a:stretch>
+        </p:blipFill>
+        <p:spPr>
+          <a:xfrm>
+            <a:off x="7327158" y="6250133"/>
+            <a:ext cx="416610" cy="416610"/>
+          </a:xfrm>
+          <a:prstGeom prst="rect">
+            <a:avLst/>
+          </a:prstGeom>
+        </p:spPr>
+      </p:pic>
+      <p:pic>
+        <p:nvPicPr>
+          <p:cNvPr id="46" name="Image 45">
+            <a:hlinkClick r:id="rId9" action="ppaction://hlinksldjump"/>
+            <a:extLst>
+              <a:ext uri="{FF2B5EF4-FFF2-40B4-BE49-F238E27FC236}">
+                <a16:creationId xmlns:a16="http://schemas.microsoft.com/office/drawing/2014/main" id="{135CDA03-C506-4443-B83A-FA2DE234B6E3}"/>
+              </a:ext>
+            </a:extLst>
+          </p:cNvPr>
+          <p:cNvPicPr>
+            <a:picLocks noChangeAspect="1"/>
+          </p:cNvPicPr>
+          <p:nvPr/>
+        </p:nvPicPr>
+        <p:blipFill>
+          <a:blip r:embed="rId10">
             <a:extLst>
               <a:ext uri="{28A0092B-C50C-407E-A947-70E740481C1C}">
                 <a14:useLocalDpi xmlns:a14="http://schemas.microsoft.com/office/drawing/2010/main" val="0"/>
-              </a:ext>
-              <a:ext uri="{96DAC541-7B7A-43D3-8B79-37D633B846F1}">
-                <asvg:svgBlip xmlns:asvg="http://schemas.microsoft.com/office/drawing/2016/SVG/main" r:embed="rId4"/>
               </a:ext>
             </a:extLst>
           </a:blip>
@@ -4680,311 +6041,6 @@
         </p:blipFill>
         <p:spPr>
           <a:xfrm>
-            <a:off x="8084223" y="1597888"/>
-            <a:ext cx="193711" cy="193711"/>
-          </a:xfrm>
-          <a:prstGeom prst="rect">
-            <a:avLst/>
-          </a:prstGeom>
-        </p:spPr>
-      </p:pic>
-      <p:pic>
-        <p:nvPicPr>
-          <p:cNvPr id="37" name="Graphique 36" descr="Cœur">
-            <a:extLst>
-              <a:ext uri="{FF2B5EF4-FFF2-40B4-BE49-F238E27FC236}">
-                <a16:creationId xmlns:a16="http://schemas.microsoft.com/office/drawing/2014/main" id="{CF7F132F-8F28-4B84-919F-B417A0BAE31D}"/>
-              </a:ext>
-            </a:extLst>
-          </p:cNvPr>
-          <p:cNvPicPr>
-            <a:picLocks noChangeAspect="1"/>
-          </p:cNvPicPr>
-          <p:nvPr/>
-        </p:nvPicPr>
-        <p:blipFill>
-          <a:blip r:embed="rId5">
-            <a:extLst>
-              <a:ext uri="{28A0092B-C50C-407E-A947-70E740481C1C}">
-                <a14:useLocalDpi xmlns:a14="http://schemas.microsoft.com/office/drawing/2010/main" val="0"/>
-              </a:ext>
-              <a:ext uri="{96DAC541-7B7A-43D3-8B79-37D633B846F1}">
-                <asvg:svgBlip xmlns:asvg="http://schemas.microsoft.com/office/drawing/2016/SVG/main" r:embed="rId6"/>
-              </a:ext>
-            </a:extLst>
-          </a:blip>
-          <a:stretch>
-            <a:fillRect/>
-          </a:stretch>
-        </p:blipFill>
-        <p:spPr>
-          <a:xfrm>
-            <a:off x="8513847" y="1597888"/>
-            <a:ext cx="193711" cy="193711"/>
-          </a:xfrm>
-          <a:prstGeom prst="rect">
-            <a:avLst/>
-          </a:prstGeom>
-        </p:spPr>
-      </p:pic>
-      <p:pic>
-        <p:nvPicPr>
-          <p:cNvPr id="38" name="Graphique 37" descr="Cœur">
-            <a:extLst>
-              <a:ext uri="{FF2B5EF4-FFF2-40B4-BE49-F238E27FC236}">
-                <a16:creationId xmlns:a16="http://schemas.microsoft.com/office/drawing/2014/main" id="{484A1DFF-967A-4313-A867-8C942B7C019D}"/>
-              </a:ext>
-            </a:extLst>
-          </p:cNvPr>
-          <p:cNvPicPr>
-            <a:picLocks noChangeAspect="1"/>
-          </p:cNvPicPr>
-          <p:nvPr/>
-        </p:nvPicPr>
-        <p:blipFill>
-          <a:blip r:embed="rId3">
-            <a:extLst>
-              <a:ext uri="{28A0092B-C50C-407E-A947-70E740481C1C}">
-                <a14:useLocalDpi xmlns:a14="http://schemas.microsoft.com/office/drawing/2010/main" val="0"/>
-              </a:ext>
-              <a:ext uri="{96DAC541-7B7A-43D3-8B79-37D633B846F1}">
-                <asvg:svgBlip xmlns:asvg="http://schemas.microsoft.com/office/drawing/2016/SVG/main" r:embed="rId4"/>
-              </a:ext>
-            </a:extLst>
-          </a:blip>
-          <a:stretch>
-            <a:fillRect/>
-          </a:stretch>
-        </p:blipFill>
-        <p:spPr>
-          <a:xfrm>
-            <a:off x="8294417" y="1597888"/>
-            <a:ext cx="193711" cy="193711"/>
-          </a:xfrm>
-          <a:prstGeom prst="rect">
-            <a:avLst/>
-          </a:prstGeom>
-        </p:spPr>
-      </p:pic>
-      <p:pic>
-        <p:nvPicPr>
-          <p:cNvPr id="39" name="Graphique 38" descr="Cœur">
-            <a:extLst>
-              <a:ext uri="{FF2B5EF4-FFF2-40B4-BE49-F238E27FC236}">
-                <a16:creationId xmlns:a16="http://schemas.microsoft.com/office/drawing/2014/main" id="{422C1BC6-C9C7-44C2-92A9-79CCED6663B5}"/>
-              </a:ext>
-            </a:extLst>
-          </p:cNvPr>
-          <p:cNvPicPr>
-            <a:picLocks noChangeAspect="1"/>
-          </p:cNvPicPr>
-          <p:nvPr/>
-        </p:nvPicPr>
-        <p:blipFill>
-          <a:blip r:embed="rId7">
-            <a:extLst>
-              <a:ext uri="{28A0092B-C50C-407E-A947-70E740481C1C}">
-                <a14:useLocalDpi xmlns:a14="http://schemas.microsoft.com/office/drawing/2010/main" val="0"/>
-              </a:ext>
-              <a:ext uri="{96DAC541-7B7A-43D3-8B79-37D633B846F1}">
-                <asvg:svgBlip xmlns:asvg="http://schemas.microsoft.com/office/drawing/2016/SVG/main" r:embed="rId8"/>
-              </a:ext>
-            </a:extLst>
-          </a:blip>
-          <a:stretch>
-            <a:fillRect/>
-          </a:stretch>
-        </p:blipFill>
-        <p:spPr>
-          <a:xfrm>
-            <a:off x="8728611" y="1597888"/>
-            <a:ext cx="193711" cy="193711"/>
-          </a:xfrm>
-          <a:prstGeom prst="rect">
-            <a:avLst/>
-          </a:prstGeom>
-        </p:spPr>
-      </p:pic>
-      <p:pic>
-        <p:nvPicPr>
-          <p:cNvPr id="41" name="Image 40">
-            <a:extLst>
-              <a:ext uri="{FF2B5EF4-FFF2-40B4-BE49-F238E27FC236}">
-                <a16:creationId xmlns:a16="http://schemas.microsoft.com/office/drawing/2014/main" id="{5735FC15-2EEE-4273-9597-4E16C7304F6B}"/>
-              </a:ext>
-            </a:extLst>
-          </p:cNvPr>
-          <p:cNvPicPr>
-            <a:picLocks noChangeAspect="1"/>
-          </p:cNvPicPr>
-          <p:nvPr/>
-        </p:nvPicPr>
-        <p:blipFill>
-          <a:blip r:embed="rId9"/>
-          <a:stretch>
-            <a:fillRect/>
-          </a:stretch>
-        </p:blipFill>
-        <p:spPr>
-          <a:xfrm>
-            <a:off x="4448227" y="6238323"/>
-            <a:ext cx="447470" cy="447470"/>
-          </a:xfrm>
-          <a:prstGeom prst="rect">
-            <a:avLst/>
-          </a:prstGeom>
-        </p:spPr>
-      </p:pic>
-      <p:pic>
-        <p:nvPicPr>
-          <p:cNvPr id="42" name="Image 41">
-            <a:extLst>
-              <a:ext uri="{FF2B5EF4-FFF2-40B4-BE49-F238E27FC236}">
-                <a16:creationId xmlns:a16="http://schemas.microsoft.com/office/drawing/2014/main" id="{D4DC15FF-BB0C-4779-9D0C-D9F21E8FC5E0}"/>
-              </a:ext>
-            </a:extLst>
-          </p:cNvPr>
-          <p:cNvPicPr>
-            <a:picLocks noChangeAspect="1"/>
-          </p:cNvPicPr>
-          <p:nvPr/>
-        </p:nvPicPr>
-        <p:blipFill>
-          <a:blip r:embed="rId10"/>
-          <a:stretch>
-            <a:fillRect/>
-          </a:stretch>
-        </p:blipFill>
-        <p:spPr>
-          <a:xfrm>
-            <a:off x="5134495" y="6240632"/>
-            <a:ext cx="447470" cy="447470"/>
-          </a:xfrm>
-          <a:prstGeom prst="rect">
-            <a:avLst/>
-          </a:prstGeom>
-        </p:spPr>
-      </p:pic>
-      <p:pic>
-        <p:nvPicPr>
-          <p:cNvPr id="43" name="Image 42">
-            <a:extLst>
-              <a:ext uri="{FF2B5EF4-FFF2-40B4-BE49-F238E27FC236}">
-                <a16:creationId xmlns:a16="http://schemas.microsoft.com/office/drawing/2014/main" id="{86588978-7A4B-4D0A-9FBD-277FC902E7E8}"/>
-              </a:ext>
-            </a:extLst>
-          </p:cNvPr>
-          <p:cNvPicPr>
-            <a:picLocks noChangeAspect="1"/>
-          </p:cNvPicPr>
-          <p:nvPr/>
-        </p:nvPicPr>
-        <p:blipFill>
-          <a:blip r:embed="rId11"/>
-          <a:stretch>
-            <a:fillRect/>
-          </a:stretch>
-        </p:blipFill>
-        <p:spPr>
-          <a:xfrm>
-            <a:off x="5876934" y="6252662"/>
-            <a:ext cx="447470" cy="447470"/>
-          </a:xfrm>
-          <a:prstGeom prst="rect">
-            <a:avLst/>
-          </a:prstGeom>
-        </p:spPr>
-      </p:pic>
-      <p:pic>
-        <p:nvPicPr>
-          <p:cNvPr id="44" name="Image 43">
-            <a:extLst>
-              <a:ext uri="{FF2B5EF4-FFF2-40B4-BE49-F238E27FC236}">
-                <a16:creationId xmlns:a16="http://schemas.microsoft.com/office/drawing/2014/main" id="{E21ABFAD-9E60-4155-92EB-3B9765712D6A}"/>
-              </a:ext>
-            </a:extLst>
-          </p:cNvPr>
-          <p:cNvPicPr>
-            <a:picLocks noChangeAspect="1"/>
-          </p:cNvPicPr>
-          <p:nvPr/>
-        </p:nvPicPr>
-        <p:blipFill>
-          <a:blip r:embed="rId12"/>
-          <a:stretch>
-            <a:fillRect/>
-          </a:stretch>
-        </p:blipFill>
-        <p:spPr>
-          <a:xfrm>
-            <a:off x="6588407" y="6256657"/>
-            <a:ext cx="447470" cy="447470"/>
-          </a:xfrm>
-          <a:prstGeom prst="rect">
-            <a:avLst/>
-          </a:prstGeom>
-        </p:spPr>
-      </p:pic>
-      <p:pic>
-        <p:nvPicPr>
-          <p:cNvPr id="45" name="Image 44">
-            <a:hlinkClick r:id="rId13" action="ppaction://hlinksldjump"/>
-            <a:extLst>
-              <a:ext uri="{FF2B5EF4-FFF2-40B4-BE49-F238E27FC236}">
-                <a16:creationId xmlns:a16="http://schemas.microsoft.com/office/drawing/2014/main" id="{0E054CF7-87CD-41AB-B1E6-880622BC8455}"/>
-              </a:ext>
-            </a:extLst>
-          </p:cNvPr>
-          <p:cNvPicPr>
-            <a:picLocks noChangeAspect="1"/>
-          </p:cNvPicPr>
-          <p:nvPr/>
-        </p:nvPicPr>
-        <p:blipFill>
-          <a:blip r:embed="rId14"/>
-          <a:stretch>
-            <a:fillRect/>
-          </a:stretch>
-        </p:blipFill>
-        <p:spPr>
-          <a:xfrm>
-            <a:off x="7327158" y="6250133"/>
-            <a:ext cx="416610" cy="416610"/>
-          </a:xfrm>
-          <a:prstGeom prst="rect">
-            <a:avLst/>
-          </a:prstGeom>
-        </p:spPr>
-      </p:pic>
-      <p:pic>
-        <p:nvPicPr>
-          <p:cNvPr id="46" name="Image 45">
-            <a:hlinkClick r:id="rId15" action="ppaction://hlinksldjump"/>
-            <a:extLst>
-              <a:ext uri="{FF2B5EF4-FFF2-40B4-BE49-F238E27FC236}">
-                <a16:creationId xmlns:a16="http://schemas.microsoft.com/office/drawing/2014/main" id="{135CDA03-C506-4443-B83A-FA2DE234B6E3}"/>
-              </a:ext>
-            </a:extLst>
-          </p:cNvPr>
-          <p:cNvPicPr>
-            <a:picLocks noChangeAspect="1"/>
-          </p:cNvPicPr>
-          <p:nvPr/>
-        </p:nvPicPr>
-        <p:blipFill>
-          <a:blip r:embed="rId16">
-            <a:extLst>
-              <a:ext uri="{28A0092B-C50C-407E-A947-70E740481C1C}">
-                <a14:useLocalDpi xmlns:a14="http://schemas.microsoft.com/office/drawing/2010/main" val="0"/>
-              </a:ext>
-            </a:extLst>
-          </a:blip>
-          <a:stretch>
-            <a:fillRect/>
-          </a:stretch>
-        </p:blipFill>
-        <p:spPr>
-          <a:xfrm>
             <a:off x="353545" y="0"/>
             <a:ext cx="2031746" cy="914286"/>
           </a:xfrm>
@@ -4996,7 +6052,7 @@
       <p:sp>
         <p:nvSpPr>
           <p:cNvPr id="25" name="ZoneTexte 24">
-            <a:hlinkClick r:id="rId15" action="ppaction://hlinksldjump"/>
+            <a:hlinkClick r:id="rId9" action="ppaction://hlinksldjump"/>
             <a:extLst>
               <a:ext uri="{FF2B5EF4-FFF2-40B4-BE49-F238E27FC236}">
                 <a16:creationId xmlns:a16="http://schemas.microsoft.com/office/drawing/2014/main" id="{4F909BE1-744E-402F-ACC0-C9911B8DE27A}"/>
@@ -5050,7 +6106,7 @@
       <p:sp>
         <p:nvSpPr>
           <p:cNvPr id="32" name="ZoneTexte 31">
-            <a:hlinkClick r:id="rId15" action="ppaction://hlinksldjump"/>
+            <a:hlinkClick r:id="rId9" action="ppaction://hlinksldjump"/>
             <a:extLst>
               <a:ext uri="{FF2B5EF4-FFF2-40B4-BE49-F238E27FC236}">
                 <a16:creationId xmlns:a16="http://schemas.microsoft.com/office/drawing/2014/main" id="{D0B12E72-FB4D-4DC2-8D2E-98FA0B04F987}"/>
@@ -5093,7 +6149,7 @@
       <p:sp>
         <p:nvSpPr>
           <p:cNvPr id="33" name="ZoneTexte 32">
-            <a:hlinkClick r:id="rId17" action="ppaction://hlinksldjump"/>
+            <a:hlinkClick r:id="rId11" action="ppaction://hlinksldjump"/>
             <a:extLst>
               <a:ext uri="{FF2B5EF4-FFF2-40B4-BE49-F238E27FC236}">
                 <a16:creationId xmlns:a16="http://schemas.microsoft.com/office/drawing/2014/main" id="{37B3EF4B-2471-421E-A8BE-E6342C6189AA}"/>
@@ -5129,6 +6185,45 @@
                 </a:solidFill>
               </a:rPr>
               <a:t>Panier</a:t>
+            </a:r>
+          </a:p>
+        </p:txBody>
+      </p:sp>
+      <p:sp>
+        <p:nvSpPr>
+          <p:cNvPr id="24" name="ZoneTexte 23">
+            <a:extLst>
+              <a:ext uri="{FF2B5EF4-FFF2-40B4-BE49-F238E27FC236}">
+                <a16:creationId xmlns:a16="http://schemas.microsoft.com/office/drawing/2014/main" id="{53459FCF-459D-4A5E-8FA2-D3C6A15DBF9E}"/>
+              </a:ext>
+            </a:extLst>
+          </p:cNvPr>
+          <p:cNvSpPr txBox="1"/>
+          <p:nvPr/>
+        </p:nvSpPr>
+        <p:spPr>
+          <a:xfrm>
+            <a:off x="6224120" y="2840400"/>
+            <a:ext cx="2849519" cy="307777"/>
+          </a:xfrm>
+          <a:prstGeom prst="rect">
+            <a:avLst/>
+          </a:prstGeom>
+          <a:noFill/>
+        </p:spPr>
+        <p:txBody>
+          <a:bodyPr wrap="square">
+            <a:spAutoFit/>
+          </a:bodyPr>
+          <a:lstStyle/>
+          <a:p>
+            <a:r>
+              <a:rPr lang="fr-FR" sz="1400" dirty="0">
+                <a:solidFill>
+                  <a:srgbClr val="7030A0"/>
+                </a:solidFill>
+              </a:rPr>
+              <a:t>5be9c8541c9d440000665243</a:t>
             </a:r>
           </a:p>
         </p:txBody>
@@ -5275,142 +6370,12 @@
           </a:p>
         </p:txBody>
       </p:sp>
-      <p:sp>
-        <p:nvSpPr>
-          <p:cNvPr id="27" name="ZoneTexte 26">
-            <a:extLst>
-              <a:ext uri="{FF2B5EF4-FFF2-40B4-BE49-F238E27FC236}">
-                <a16:creationId xmlns:a16="http://schemas.microsoft.com/office/drawing/2014/main" id="{321E3CD1-81EF-4064-89CE-8B7FD518F03C}"/>
-              </a:ext>
-            </a:extLst>
-          </p:cNvPr>
-          <p:cNvSpPr txBox="1"/>
-          <p:nvPr/>
-        </p:nvSpPr>
-        <p:spPr>
-          <a:xfrm>
-            <a:off x="6195462" y="1439733"/>
-            <a:ext cx="1459015" cy="400110"/>
-          </a:xfrm>
-          <a:prstGeom prst="rect">
-            <a:avLst/>
-          </a:prstGeom>
-          <a:noFill/>
-        </p:spPr>
-        <p:txBody>
-          <a:bodyPr wrap="square" rtlCol="0">
-            <a:spAutoFit/>
-          </a:bodyPr>
-          <a:lstStyle/>
-          <a:p>
-            <a:r>
-              <a:rPr lang="fr-FR" sz="2000" b="1" dirty="0" err="1">
-                <a:solidFill>
-                  <a:srgbClr val="7030A0"/>
-                </a:solidFill>
-              </a:rPr>
-              <a:t>Toumignon</a:t>
-            </a:r>
-            <a:endParaRPr lang="fr-FR" sz="2000" b="1" dirty="0">
-              <a:solidFill>
-                <a:srgbClr val="7030A0"/>
-              </a:solidFill>
-            </a:endParaRPr>
-          </a:p>
-        </p:txBody>
-      </p:sp>
-      <p:sp>
-        <p:nvSpPr>
-          <p:cNvPr id="28" name="ZoneTexte 27">
-            <a:extLst>
-              <a:ext uri="{FF2B5EF4-FFF2-40B4-BE49-F238E27FC236}">
-                <a16:creationId xmlns:a16="http://schemas.microsoft.com/office/drawing/2014/main" id="{6D143475-B7B2-4715-AE26-ABE7FE72A797}"/>
-              </a:ext>
-            </a:extLst>
-          </p:cNvPr>
-          <p:cNvSpPr txBox="1"/>
-          <p:nvPr/>
-        </p:nvSpPr>
-        <p:spPr>
-          <a:xfrm>
-            <a:off x="6192988" y="1839843"/>
-            <a:ext cx="2849519" cy="738664"/>
-          </a:xfrm>
-          <a:prstGeom prst="rect">
-            <a:avLst/>
-          </a:prstGeom>
-          <a:noFill/>
-        </p:spPr>
-        <p:txBody>
-          <a:bodyPr wrap="square">
-            <a:spAutoFit/>
-          </a:bodyPr>
-          <a:lstStyle/>
-          <a:p>
-            <a:r>
-              <a:rPr lang="fr-FR" sz="1400" dirty="0">
-                <a:solidFill>
-                  <a:srgbClr val="7030A0"/>
-                </a:solidFill>
-              </a:rPr>
-              <a:t>odifididsfhushuqofhvnucbouvubrobcfrvbrufhvobrvbrvbrvbrbrvbrvbvbrvbuvbbvu</a:t>
-            </a:r>
-          </a:p>
-        </p:txBody>
-      </p:sp>
-      <p:sp>
-        <p:nvSpPr>
-          <p:cNvPr id="29" name="ZoneTexte 28">
-            <a:extLst>
-              <a:ext uri="{FF2B5EF4-FFF2-40B4-BE49-F238E27FC236}">
-                <a16:creationId xmlns:a16="http://schemas.microsoft.com/office/drawing/2014/main" id="{E889C36D-B1EE-4799-BC61-0D228ADB6D39}"/>
-              </a:ext>
-            </a:extLst>
-          </p:cNvPr>
-          <p:cNvSpPr txBox="1"/>
-          <p:nvPr/>
-        </p:nvSpPr>
-        <p:spPr>
-          <a:xfrm>
-            <a:off x="6195462" y="2578887"/>
-            <a:ext cx="1459015" cy="400110"/>
-          </a:xfrm>
-          <a:prstGeom prst="rect">
-            <a:avLst/>
-          </a:prstGeom>
-          <a:noFill/>
-        </p:spPr>
-        <p:txBody>
-          <a:bodyPr wrap="square" rtlCol="0">
-            <a:spAutoFit/>
-          </a:bodyPr>
-          <a:lstStyle/>
-          <a:p>
-            <a:r>
-              <a:rPr lang="fr-FR" sz="2000" b="1" dirty="0">
-                <a:solidFill>
-                  <a:srgbClr val="7030A0"/>
-                </a:solidFill>
-              </a:rPr>
-              <a:t>32 € </a:t>
-            </a:r>
-            <a:r>
-              <a:rPr lang="fr-FR" sz="2000" b="1" baseline="30000" dirty="0">
-                <a:solidFill>
-                  <a:srgbClr val="7030A0"/>
-                </a:solidFill>
-              </a:rPr>
-              <a:t>00</a:t>
-            </a:r>
-          </a:p>
-        </p:txBody>
-      </p:sp>
       <p:pic>
         <p:nvPicPr>
-          <p:cNvPr id="36" name="Graphique 35" descr="Cœur">
-            <a:extLst>
-              <a:ext uri="{FF2B5EF4-FFF2-40B4-BE49-F238E27FC236}">
-                <a16:creationId xmlns:a16="http://schemas.microsoft.com/office/drawing/2014/main" id="{D49F5ACB-EC68-439B-B99B-579DD6433F3F}"/>
+          <p:cNvPr id="41" name="Image 40">
+            <a:extLst>
+              <a:ext uri="{FF2B5EF4-FFF2-40B4-BE49-F238E27FC236}">
+                <a16:creationId xmlns:a16="http://schemas.microsoft.com/office/drawing/2014/main" id="{5735FC15-2EEE-4273-9597-4E16C7304F6B}"/>
               </a:ext>
             </a:extLst>
           </p:cNvPr>
@@ -5420,13 +6385,162 @@
           <p:nvPr/>
         </p:nvPicPr>
         <p:blipFill>
-          <a:blip r:embed="rId2">
+          <a:blip r:embed="rId2"/>
+          <a:stretch>
+            <a:fillRect/>
+          </a:stretch>
+        </p:blipFill>
+        <p:spPr>
+          <a:xfrm>
+            <a:off x="4448227" y="6238323"/>
+            <a:ext cx="447470" cy="447470"/>
+          </a:xfrm>
+          <a:prstGeom prst="rect">
+            <a:avLst/>
+          </a:prstGeom>
+        </p:spPr>
+      </p:pic>
+      <p:pic>
+        <p:nvPicPr>
+          <p:cNvPr id="42" name="Image 41">
+            <a:extLst>
+              <a:ext uri="{FF2B5EF4-FFF2-40B4-BE49-F238E27FC236}">
+                <a16:creationId xmlns:a16="http://schemas.microsoft.com/office/drawing/2014/main" id="{D4DC15FF-BB0C-4779-9D0C-D9F21E8FC5E0}"/>
+              </a:ext>
+            </a:extLst>
+          </p:cNvPr>
+          <p:cNvPicPr>
+            <a:picLocks noChangeAspect="1"/>
+          </p:cNvPicPr>
+          <p:nvPr/>
+        </p:nvPicPr>
+        <p:blipFill>
+          <a:blip r:embed="rId3"/>
+          <a:stretch>
+            <a:fillRect/>
+          </a:stretch>
+        </p:blipFill>
+        <p:spPr>
+          <a:xfrm>
+            <a:off x="5134495" y="6240632"/>
+            <a:ext cx="447470" cy="447470"/>
+          </a:xfrm>
+          <a:prstGeom prst="rect">
+            <a:avLst/>
+          </a:prstGeom>
+        </p:spPr>
+      </p:pic>
+      <p:pic>
+        <p:nvPicPr>
+          <p:cNvPr id="43" name="Image 42">
+            <a:extLst>
+              <a:ext uri="{FF2B5EF4-FFF2-40B4-BE49-F238E27FC236}">
+                <a16:creationId xmlns:a16="http://schemas.microsoft.com/office/drawing/2014/main" id="{86588978-7A4B-4D0A-9FBD-277FC902E7E8}"/>
+              </a:ext>
+            </a:extLst>
+          </p:cNvPr>
+          <p:cNvPicPr>
+            <a:picLocks noChangeAspect="1"/>
+          </p:cNvPicPr>
+          <p:nvPr/>
+        </p:nvPicPr>
+        <p:blipFill>
+          <a:blip r:embed="rId4"/>
+          <a:stretch>
+            <a:fillRect/>
+          </a:stretch>
+        </p:blipFill>
+        <p:spPr>
+          <a:xfrm>
+            <a:off x="5876934" y="6252662"/>
+            <a:ext cx="447470" cy="447470"/>
+          </a:xfrm>
+          <a:prstGeom prst="rect">
+            <a:avLst/>
+          </a:prstGeom>
+        </p:spPr>
+      </p:pic>
+      <p:pic>
+        <p:nvPicPr>
+          <p:cNvPr id="44" name="Image 43">
+            <a:extLst>
+              <a:ext uri="{FF2B5EF4-FFF2-40B4-BE49-F238E27FC236}">
+                <a16:creationId xmlns:a16="http://schemas.microsoft.com/office/drawing/2014/main" id="{E21ABFAD-9E60-4155-92EB-3B9765712D6A}"/>
+              </a:ext>
+            </a:extLst>
+          </p:cNvPr>
+          <p:cNvPicPr>
+            <a:picLocks noChangeAspect="1"/>
+          </p:cNvPicPr>
+          <p:nvPr/>
+        </p:nvPicPr>
+        <p:blipFill>
+          <a:blip r:embed="rId5"/>
+          <a:stretch>
+            <a:fillRect/>
+          </a:stretch>
+        </p:blipFill>
+        <p:spPr>
+          <a:xfrm>
+            <a:off x="6588407" y="6256657"/>
+            <a:ext cx="447470" cy="447470"/>
+          </a:xfrm>
+          <a:prstGeom prst="rect">
+            <a:avLst/>
+          </a:prstGeom>
+        </p:spPr>
+      </p:pic>
+      <p:pic>
+        <p:nvPicPr>
+          <p:cNvPr id="45" name="Image 44">
+            <a:hlinkClick r:id="rId6" action="ppaction://hlinksldjump"/>
+            <a:extLst>
+              <a:ext uri="{FF2B5EF4-FFF2-40B4-BE49-F238E27FC236}">
+                <a16:creationId xmlns:a16="http://schemas.microsoft.com/office/drawing/2014/main" id="{0E054CF7-87CD-41AB-B1E6-880622BC8455}"/>
+              </a:ext>
+            </a:extLst>
+          </p:cNvPr>
+          <p:cNvPicPr>
+            <a:picLocks noChangeAspect="1"/>
+          </p:cNvPicPr>
+          <p:nvPr/>
+        </p:nvPicPr>
+        <p:blipFill>
+          <a:blip r:embed="rId7"/>
+          <a:stretch>
+            <a:fillRect/>
+          </a:stretch>
+        </p:blipFill>
+        <p:spPr>
+          <a:xfrm>
+            <a:off x="7327158" y="6250133"/>
+            <a:ext cx="416610" cy="416610"/>
+          </a:xfrm>
+          <a:prstGeom prst="rect">
+            <a:avLst/>
+          </a:prstGeom>
+        </p:spPr>
+      </p:pic>
+      <p:pic>
+        <p:nvPicPr>
+          <p:cNvPr id="46" name="Image 45">
+            <a:hlinkClick r:id="rId8" action="ppaction://hlinksldjump"/>
+            <a:extLst>
+              <a:ext uri="{FF2B5EF4-FFF2-40B4-BE49-F238E27FC236}">
+                <a16:creationId xmlns:a16="http://schemas.microsoft.com/office/drawing/2014/main" id="{135CDA03-C506-4443-B83A-FA2DE234B6E3}"/>
+              </a:ext>
+            </a:extLst>
+          </p:cNvPr>
+          <p:cNvPicPr>
+            <a:picLocks noChangeAspect="1"/>
+          </p:cNvPicPr>
+          <p:nvPr/>
+        </p:nvPicPr>
+        <p:blipFill>
+          <a:blip r:embed="rId9">
             <a:extLst>
               <a:ext uri="{28A0092B-C50C-407E-A947-70E740481C1C}">
                 <a14:useLocalDpi xmlns:a14="http://schemas.microsoft.com/office/drawing/2010/main" val="0"/>
-              </a:ext>
-              <a:ext uri="{96DAC541-7B7A-43D3-8B79-37D633B846F1}">
-                <asvg:svgBlip xmlns:asvg="http://schemas.microsoft.com/office/drawing/2016/SVG/main" r:embed="rId3"/>
               </a:ext>
             </a:extLst>
           </a:blip>
@@ -5436,311 +6550,6 @@
         </p:blipFill>
         <p:spPr>
           <a:xfrm>
-            <a:off x="8038050" y="1551708"/>
-            <a:ext cx="193711" cy="193711"/>
-          </a:xfrm>
-          <a:prstGeom prst="rect">
-            <a:avLst/>
-          </a:prstGeom>
-        </p:spPr>
-      </p:pic>
-      <p:pic>
-        <p:nvPicPr>
-          <p:cNvPr id="37" name="Graphique 36" descr="Cœur">
-            <a:extLst>
-              <a:ext uri="{FF2B5EF4-FFF2-40B4-BE49-F238E27FC236}">
-                <a16:creationId xmlns:a16="http://schemas.microsoft.com/office/drawing/2014/main" id="{CF7F132F-8F28-4B84-919F-B417A0BAE31D}"/>
-              </a:ext>
-            </a:extLst>
-          </p:cNvPr>
-          <p:cNvPicPr>
-            <a:picLocks noChangeAspect="1"/>
-          </p:cNvPicPr>
-          <p:nvPr/>
-        </p:nvPicPr>
-        <p:blipFill>
-          <a:blip r:embed="rId4">
-            <a:extLst>
-              <a:ext uri="{28A0092B-C50C-407E-A947-70E740481C1C}">
-                <a14:useLocalDpi xmlns:a14="http://schemas.microsoft.com/office/drawing/2010/main" val="0"/>
-              </a:ext>
-              <a:ext uri="{96DAC541-7B7A-43D3-8B79-37D633B846F1}">
-                <asvg:svgBlip xmlns:asvg="http://schemas.microsoft.com/office/drawing/2016/SVG/main" r:embed="rId5"/>
-              </a:ext>
-            </a:extLst>
-          </a:blip>
-          <a:stretch>
-            <a:fillRect/>
-          </a:stretch>
-        </p:blipFill>
-        <p:spPr>
-          <a:xfrm>
-            <a:off x="8467674" y="1551708"/>
-            <a:ext cx="193711" cy="193711"/>
-          </a:xfrm>
-          <a:prstGeom prst="rect">
-            <a:avLst/>
-          </a:prstGeom>
-        </p:spPr>
-      </p:pic>
-      <p:pic>
-        <p:nvPicPr>
-          <p:cNvPr id="38" name="Graphique 37" descr="Cœur">
-            <a:extLst>
-              <a:ext uri="{FF2B5EF4-FFF2-40B4-BE49-F238E27FC236}">
-                <a16:creationId xmlns:a16="http://schemas.microsoft.com/office/drawing/2014/main" id="{484A1DFF-967A-4313-A867-8C942B7C019D}"/>
-              </a:ext>
-            </a:extLst>
-          </p:cNvPr>
-          <p:cNvPicPr>
-            <a:picLocks noChangeAspect="1"/>
-          </p:cNvPicPr>
-          <p:nvPr/>
-        </p:nvPicPr>
-        <p:blipFill>
-          <a:blip r:embed="rId2">
-            <a:extLst>
-              <a:ext uri="{28A0092B-C50C-407E-A947-70E740481C1C}">
-                <a14:useLocalDpi xmlns:a14="http://schemas.microsoft.com/office/drawing/2010/main" val="0"/>
-              </a:ext>
-              <a:ext uri="{96DAC541-7B7A-43D3-8B79-37D633B846F1}">
-                <asvg:svgBlip xmlns:asvg="http://schemas.microsoft.com/office/drawing/2016/SVG/main" r:embed="rId3"/>
-              </a:ext>
-            </a:extLst>
-          </a:blip>
-          <a:stretch>
-            <a:fillRect/>
-          </a:stretch>
-        </p:blipFill>
-        <p:spPr>
-          <a:xfrm>
-            <a:off x="8248244" y="1551708"/>
-            <a:ext cx="193711" cy="193711"/>
-          </a:xfrm>
-          <a:prstGeom prst="rect">
-            <a:avLst/>
-          </a:prstGeom>
-        </p:spPr>
-      </p:pic>
-      <p:pic>
-        <p:nvPicPr>
-          <p:cNvPr id="39" name="Graphique 38" descr="Cœur">
-            <a:extLst>
-              <a:ext uri="{FF2B5EF4-FFF2-40B4-BE49-F238E27FC236}">
-                <a16:creationId xmlns:a16="http://schemas.microsoft.com/office/drawing/2014/main" id="{422C1BC6-C9C7-44C2-92A9-79CCED6663B5}"/>
-              </a:ext>
-            </a:extLst>
-          </p:cNvPr>
-          <p:cNvPicPr>
-            <a:picLocks noChangeAspect="1"/>
-          </p:cNvPicPr>
-          <p:nvPr/>
-        </p:nvPicPr>
-        <p:blipFill>
-          <a:blip r:embed="rId6">
-            <a:extLst>
-              <a:ext uri="{28A0092B-C50C-407E-A947-70E740481C1C}">
-                <a14:useLocalDpi xmlns:a14="http://schemas.microsoft.com/office/drawing/2010/main" val="0"/>
-              </a:ext>
-              <a:ext uri="{96DAC541-7B7A-43D3-8B79-37D633B846F1}">
-                <asvg:svgBlip xmlns:asvg="http://schemas.microsoft.com/office/drawing/2016/SVG/main" r:embed="rId7"/>
-              </a:ext>
-            </a:extLst>
-          </a:blip>
-          <a:stretch>
-            <a:fillRect/>
-          </a:stretch>
-        </p:blipFill>
-        <p:spPr>
-          <a:xfrm>
-            <a:off x="8682438" y="1551708"/>
-            <a:ext cx="193711" cy="193711"/>
-          </a:xfrm>
-          <a:prstGeom prst="rect">
-            <a:avLst/>
-          </a:prstGeom>
-        </p:spPr>
-      </p:pic>
-      <p:pic>
-        <p:nvPicPr>
-          <p:cNvPr id="41" name="Image 40">
-            <a:extLst>
-              <a:ext uri="{FF2B5EF4-FFF2-40B4-BE49-F238E27FC236}">
-                <a16:creationId xmlns:a16="http://schemas.microsoft.com/office/drawing/2014/main" id="{5735FC15-2EEE-4273-9597-4E16C7304F6B}"/>
-              </a:ext>
-            </a:extLst>
-          </p:cNvPr>
-          <p:cNvPicPr>
-            <a:picLocks noChangeAspect="1"/>
-          </p:cNvPicPr>
-          <p:nvPr/>
-        </p:nvPicPr>
-        <p:blipFill>
-          <a:blip r:embed="rId8"/>
-          <a:stretch>
-            <a:fillRect/>
-          </a:stretch>
-        </p:blipFill>
-        <p:spPr>
-          <a:xfrm>
-            <a:off x="4448227" y="6238323"/>
-            <a:ext cx="447470" cy="447470"/>
-          </a:xfrm>
-          <a:prstGeom prst="rect">
-            <a:avLst/>
-          </a:prstGeom>
-        </p:spPr>
-      </p:pic>
-      <p:pic>
-        <p:nvPicPr>
-          <p:cNvPr id="42" name="Image 41">
-            <a:extLst>
-              <a:ext uri="{FF2B5EF4-FFF2-40B4-BE49-F238E27FC236}">
-                <a16:creationId xmlns:a16="http://schemas.microsoft.com/office/drawing/2014/main" id="{D4DC15FF-BB0C-4779-9D0C-D9F21E8FC5E0}"/>
-              </a:ext>
-            </a:extLst>
-          </p:cNvPr>
-          <p:cNvPicPr>
-            <a:picLocks noChangeAspect="1"/>
-          </p:cNvPicPr>
-          <p:nvPr/>
-        </p:nvPicPr>
-        <p:blipFill>
-          <a:blip r:embed="rId9"/>
-          <a:stretch>
-            <a:fillRect/>
-          </a:stretch>
-        </p:blipFill>
-        <p:spPr>
-          <a:xfrm>
-            <a:off x="5134495" y="6240632"/>
-            <a:ext cx="447470" cy="447470"/>
-          </a:xfrm>
-          <a:prstGeom prst="rect">
-            <a:avLst/>
-          </a:prstGeom>
-        </p:spPr>
-      </p:pic>
-      <p:pic>
-        <p:nvPicPr>
-          <p:cNvPr id="43" name="Image 42">
-            <a:extLst>
-              <a:ext uri="{FF2B5EF4-FFF2-40B4-BE49-F238E27FC236}">
-                <a16:creationId xmlns:a16="http://schemas.microsoft.com/office/drawing/2014/main" id="{86588978-7A4B-4D0A-9FBD-277FC902E7E8}"/>
-              </a:ext>
-            </a:extLst>
-          </p:cNvPr>
-          <p:cNvPicPr>
-            <a:picLocks noChangeAspect="1"/>
-          </p:cNvPicPr>
-          <p:nvPr/>
-        </p:nvPicPr>
-        <p:blipFill>
-          <a:blip r:embed="rId10"/>
-          <a:stretch>
-            <a:fillRect/>
-          </a:stretch>
-        </p:blipFill>
-        <p:spPr>
-          <a:xfrm>
-            <a:off x="5876934" y="6252662"/>
-            <a:ext cx="447470" cy="447470"/>
-          </a:xfrm>
-          <a:prstGeom prst="rect">
-            <a:avLst/>
-          </a:prstGeom>
-        </p:spPr>
-      </p:pic>
-      <p:pic>
-        <p:nvPicPr>
-          <p:cNvPr id="44" name="Image 43">
-            <a:extLst>
-              <a:ext uri="{FF2B5EF4-FFF2-40B4-BE49-F238E27FC236}">
-                <a16:creationId xmlns:a16="http://schemas.microsoft.com/office/drawing/2014/main" id="{E21ABFAD-9E60-4155-92EB-3B9765712D6A}"/>
-              </a:ext>
-            </a:extLst>
-          </p:cNvPr>
-          <p:cNvPicPr>
-            <a:picLocks noChangeAspect="1"/>
-          </p:cNvPicPr>
-          <p:nvPr/>
-        </p:nvPicPr>
-        <p:blipFill>
-          <a:blip r:embed="rId11"/>
-          <a:stretch>
-            <a:fillRect/>
-          </a:stretch>
-        </p:blipFill>
-        <p:spPr>
-          <a:xfrm>
-            <a:off x="6588407" y="6256657"/>
-            <a:ext cx="447470" cy="447470"/>
-          </a:xfrm>
-          <a:prstGeom prst="rect">
-            <a:avLst/>
-          </a:prstGeom>
-        </p:spPr>
-      </p:pic>
-      <p:pic>
-        <p:nvPicPr>
-          <p:cNvPr id="45" name="Image 44">
-            <a:hlinkClick r:id="rId12" action="ppaction://hlinksldjump"/>
-            <a:extLst>
-              <a:ext uri="{FF2B5EF4-FFF2-40B4-BE49-F238E27FC236}">
-                <a16:creationId xmlns:a16="http://schemas.microsoft.com/office/drawing/2014/main" id="{0E054CF7-87CD-41AB-B1E6-880622BC8455}"/>
-              </a:ext>
-            </a:extLst>
-          </p:cNvPr>
-          <p:cNvPicPr>
-            <a:picLocks noChangeAspect="1"/>
-          </p:cNvPicPr>
-          <p:nvPr/>
-        </p:nvPicPr>
-        <p:blipFill>
-          <a:blip r:embed="rId13"/>
-          <a:stretch>
-            <a:fillRect/>
-          </a:stretch>
-        </p:blipFill>
-        <p:spPr>
-          <a:xfrm>
-            <a:off x="7327158" y="6250133"/>
-            <a:ext cx="416610" cy="416610"/>
-          </a:xfrm>
-          <a:prstGeom prst="rect">
-            <a:avLst/>
-          </a:prstGeom>
-        </p:spPr>
-      </p:pic>
-      <p:pic>
-        <p:nvPicPr>
-          <p:cNvPr id="46" name="Image 45">
-            <a:hlinkClick r:id="rId14" action="ppaction://hlinksldjump"/>
-            <a:extLst>
-              <a:ext uri="{FF2B5EF4-FFF2-40B4-BE49-F238E27FC236}">
-                <a16:creationId xmlns:a16="http://schemas.microsoft.com/office/drawing/2014/main" id="{135CDA03-C506-4443-B83A-FA2DE234B6E3}"/>
-              </a:ext>
-            </a:extLst>
-          </p:cNvPr>
-          <p:cNvPicPr>
-            <a:picLocks noChangeAspect="1"/>
-          </p:cNvPicPr>
-          <p:nvPr/>
-        </p:nvPicPr>
-        <p:blipFill>
-          <a:blip r:embed="rId15">
-            <a:extLst>
-              <a:ext uri="{28A0092B-C50C-407E-A947-70E740481C1C}">
-                <a14:useLocalDpi xmlns:a14="http://schemas.microsoft.com/office/drawing/2010/main" val="0"/>
-              </a:ext>
-            </a:extLst>
-          </a:blip>
-          <a:stretch>
-            <a:fillRect/>
-          </a:stretch>
-        </p:blipFill>
-        <p:spPr>
-          <a:xfrm>
             <a:off x="353545" y="0"/>
             <a:ext cx="2031746" cy="914286"/>
           </a:xfrm>
@@ -5764,7 +6573,7 @@
           <p:nvPr/>
         </p:nvPicPr>
         <p:blipFill>
-          <a:blip r:embed="rId16">
+          <a:blip r:embed="rId10">
             <a:extLst>
               <a:ext uri="{28A0092B-C50C-407E-A947-70E740481C1C}">
                 <a14:useLocalDpi xmlns:a14="http://schemas.microsoft.com/office/drawing/2010/main" val="0"/>
@@ -5936,7 +6745,7 @@
       <p:sp>
         <p:nvSpPr>
           <p:cNvPr id="31" name="ZoneTexte 30">
-            <a:hlinkClick r:id="rId14" action="ppaction://hlinksldjump"/>
+            <a:hlinkClick r:id="rId8" action="ppaction://hlinksldjump"/>
             <a:extLst>
               <a:ext uri="{FF2B5EF4-FFF2-40B4-BE49-F238E27FC236}">
                 <a16:creationId xmlns:a16="http://schemas.microsoft.com/office/drawing/2014/main" id="{848C451E-F72D-47B9-A1AC-D576272A1CE7}"/>
@@ -5990,7 +6799,7 @@
       <p:sp>
         <p:nvSpPr>
           <p:cNvPr id="33" name="ZoneTexte 32">
-            <a:hlinkClick r:id="rId14" action="ppaction://hlinksldjump"/>
+            <a:hlinkClick r:id="rId8" action="ppaction://hlinksldjump"/>
             <a:extLst>
               <a:ext uri="{FF2B5EF4-FFF2-40B4-BE49-F238E27FC236}">
                 <a16:creationId xmlns:a16="http://schemas.microsoft.com/office/drawing/2014/main" id="{3299DFF8-AB50-4A1A-AD01-C19500B9DC46}"/>
@@ -6033,7 +6842,7 @@
       <p:sp>
         <p:nvSpPr>
           <p:cNvPr id="34" name="ZoneTexte 33">
-            <a:hlinkClick r:id="rId17" action="ppaction://hlinksldjump"/>
+            <a:hlinkClick r:id="rId11" action="ppaction://hlinksldjump"/>
             <a:extLst>
               <a:ext uri="{FF2B5EF4-FFF2-40B4-BE49-F238E27FC236}">
                 <a16:creationId xmlns:a16="http://schemas.microsoft.com/office/drawing/2014/main" id="{D2363F73-A246-4A2D-8733-6B52DAB1D89D}"/>
@@ -6069,6 +6878,378 @@
                 </a:solidFill>
               </a:rPr>
               <a:t>Panier</a:t>
+            </a:r>
+          </a:p>
+        </p:txBody>
+      </p:sp>
+      <p:sp>
+        <p:nvSpPr>
+          <p:cNvPr id="30" name="ZoneTexte 29">
+            <a:extLst>
+              <a:ext uri="{FF2B5EF4-FFF2-40B4-BE49-F238E27FC236}">
+                <a16:creationId xmlns:a16="http://schemas.microsoft.com/office/drawing/2014/main" id="{56F12392-8643-421C-8295-6AEF27544396}"/>
+              </a:ext>
+            </a:extLst>
+          </p:cNvPr>
+          <p:cNvSpPr txBox="1"/>
+          <p:nvPr/>
+        </p:nvSpPr>
+        <p:spPr>
+          <a:xfrm>
+            <a:off x="6195462" y="1485913"/>
+            <a:ext cx="1713404" cy="400110"/>
+          </a:xfrm>
+          <a:prstGeom prst="rect">
+            <a:avLst/>
+          </a:prstGeom>
+          <a:noFill/>
+        </p:spPr>
+        <p:txBody>
+          <a:bodyPr wrap="square" rtlCol="0">
+            <a:spAutoFit/>
+          </a:bodyPr>
+          <a:lstStyle/>
+          <a:p>
+            <a:r>
+              <a:rPr lang="fr-FR" sz="2000" b="1" dirty="0">
+                <a:solidFill>
+                  <a:srgbClr val="7030A0"/>
+                </a:solidFill>
+              </a:rPr>
+              <a:t>Arnold</a:t>
+            </a:r>
+          </a:p>
+        </p:txBody>
+      </p:sp>
+      <p:sp>
+        <p:nvSpPr>
+          <p:cNvPr id="32" name="ZoneTexte 31">
+            <a:extLst>
+              <a:ext uri="{FF2B5EF4-FFF2-40B4-BE49-F238E27FC236}">
+                <a16:creationId xmlns:a16="http://schemas.microsoft.com/office/drawing/2014/main" id="{D81FCC92-05A9-42C4-9DB9-ACC510293EA8}"/>
+              </a:ext>
+            </a:extLst>
+          </p:cNvPr>
+          <p:cNvSpPr txBox="1"/>
+          <p:nvPr/>
+        </p:nvSpPr>
+        <p:spPr>
+          <a:xfrm>
+            <a:off x="6192988" y="1886023"/>
+            <a:ext cx="2849519" cy="954107"/>
+          </a:xfrm>
+          <a:prstGeom prst="rect">
+            <a:avLst/>
+          </a:prstGeom>
+          <a:noFill/>
+        </p:spPr>
+        <p:txBody>
+          <a:bodyPr wrap="square">
+            <a:spAutoFit/>
+          </a:bodyPr>
+          <a:lstStyle/>
+          <a:p>
+            <a:r>
+              <a:rPr lang="fr-FR" sz="1400" dirty="0">
+                <a:solidFill>
+                  <a:srgbClr val="7030A0"/>
+                </a:solidFill>
+              </a:rPr>
+              <a:t>Lorem ipsum </a:t>
+            </a:r>
+            <a:r>
+              <a:rPr lang="fr-FR" sz="1400" dirty="0" err="1">
+                <a:solidFill>
+                  <a:srgbClr val="7030A0"/>
+                </a:solidFill>
+              </a:rPr>
+              <a:t>dolor</a:t>
+            </a:r>
+            <a:r>
+              <a:rPr lang="fr-FR" sz="1400" dirty="0">
+                <a:solidFill>
+                  <a:srgbClr val="7030A0"/>
+                </a:solidFill>
+              </a:rPr>
+              <a:t> </a:t>
+            </a:r>
+            <a:r>
+              <a:rPr lang="fr-FR" sz="1400" dirty="0" err="1">
+                <a:solidFill>
+                  <a:srgbClr val="7030A0"/>
+                </a:solidFill>
+              </a:rPr>
+              <a:t>sit</a:t>
+            </a:r>
+            <a:r>
+              <a:rPr lang="fr-FR" sz="1400" dirty="0">
+                <a:solidFill>
+                  <a:srgbClr val="7030A0"/>
+                </a:solidFill>
+              </a:rPr>
+              <a:t> </a:t>
+            </a:r>
+            <a:r>
+              <a:rPr lang="fr-FR" sz="1400" dirty="0" err="1">
+                <a:solidFill>
+                  <a:srgbClr val="7030A0"/>
+                </a:solidFill>
+              </a:rPr>
+              <a:t>amet</a:t>
+            </a:r>
+            <a:r>
+              <a:rPr lang="fr-FR" sz="1400" dirty="0">
+                <a:solidFill>
+                  <a:srgbClr val="7030A0"/>
+                </a:solidFill>
+              </a:rPr>
+              <a:t>, </a:t>
+            </a:r>
+            <a:r>
+              <a:rPr lang="fr-FR" sz="1400" dirty="0" err="1">
+                <a:solidFill>
+                  <a:srgbClr val="7030A0"/>
+                </a:solidFill>
+              </a:rPr>
+              <a:t>consectetur</a:t>
+            </a:r>
+            <a:r>
+              <a:rPr lang="fr-FR" sz="1400" dirty="0">
+                <a:solidFill>
+                  <a:srgbClr val="7030A0"/>
+                </a:solidFill>
+              </a:rPr>
+              <a:t> </a:t>
+            </a:r>
+            <a:r>
+              <a:rPr lang="fr-FR" sz="1400" dirty="0" err="1">
+                <a:solidFill>
+                  <a:srgbClr val="7030A0"/>
+                </a:solidFill>
+              </a:rPr>
+              <a:t>adipisicing</a:t>
+            </a:r>
+            <a:r>
+              <a:rPr lang="fr-FR" sz="1400" dirty="0">
+                <a:solidFill>
+                  <a:srgbClr val="7030A0"/>
+                </a:solidFill>
+              </a:rPr>
+              <a:t> </a:t>
+            </a:r>
+            <a:r>
+              <a:rPr lang="fr-FR" sz="1400" dirty="0" err="1">
+                <a:solidFill>
+                  <a:srgbClr val="7030A0"/>
+                </a:solidFill>
+              </a:rPr>
+              <a:t>elit</a:t>
+            </a:r>
+            <a:r>
+              <a:rPr lang="fr-FR" sz="1400" dirty="0">
+                <a:solidFill>
+                  <a:srgbClr val="7030A0"/>
+                </a:solidFill>
+              </a:rPr>
+              <a:t>, </a:t>
+            </a:r>
+            <a:r>
+              <a:rPr lang="fr-FR" sz="1400" dirty="0" err="1">
+                <a:solidFill>
+                  <a:srgbClr val="7030A0"/>
+                </a:solidFill>
+              </a:rPr>
+              <a:t>sed</a:t>
+            </a:r>
+            <a:r>
+              <a:rPr lang="fr-FR" sz="1400" dirty="0">
+                <a:solidFill>
+                  <a:srgbClr val="7030A0"/>
+                </a:solidFill>
+              </a:rPr>
+              <a:t> do </a:t>
+            </a:r>
+            <a:r>
+              <a:rPr lang="fr-FR" sz="1400" dirty="0" err="1">
+                <a:solidFill>
+                  <a:srgbClr val="7030A0"/>
+                </a:solidFill>
+              </a:rPr>
+              <a:t>eiusmod</a:t>
+            </a:r>
+            <a:r>
+              <a:rPr lang="fr-FR" sz="1400" dirty="0">
+                <a:solidFill>
+                  <a:srgbClr val="7030A0"/>
+                </a:solidFill>
+              </a:rPr>
+              <a:t> </a:t>
+            </a:r>
+            <a:r>
+              <a:rPr lang="fr-FR" sz="1400" dirty="0" err="1">
+                <a:solidFill>
+                  <a:srgbClr val="7030A0"/>
+                </a:solidFill>
+              </a:rPr>
+              <a:t>tempor</a:t>
+            </a:r>
+            <a:r>
+              <a:rPr lang="fr-FR" sz="1400" dirty="0">
+                <a:solidFill>
+                  <a:srgbClr val="7030A0"/>
+                </a:solidFill>
+              </a:rPr>
+              <a:t> </a:t>
+            </a:r>
+            <a:r>
+              <a:rPr lang="fr-FR" sz="1400" dirty="0" err="1">
+                <a:solidFill>
+                  <a:srgbClr val="7030A0"/>
+                </a:solidFill>
+              </a:rPr>
+              <a:t>incididunt</a:t>
+            </a:r>
+            <a:r>
+              <a:rPr lang="fr-FR" sz="1400" dirty="0">
+                <a:solidFill>
+                  <a:srgbClr val="7030A0"/>
+                </a:solidFill>
+              </a:rPr>
+              <a:t> ut </a:t>
+            </a:r>
+            <a:r>
+              <a:rPr lang="fr-FR" sz="1400" dirty="0" err="1">
+                <a:solidFill>
+                  <a:srgbClr val="7030A0"/>
+                </a:solidFill>
+              </a:rPr>
+              <a:t>labore</a:t>
+            </a:r>
+            <a:r>
+              <a:rPr lang="fr-FR" sz="1400" dirty="0">
+                <a:solidFill>
+                  <a:srgbClr val="7030A0"/>
+                </a:solidFill>
+              </a:rPr>
+              <a:t> et </a:t>
+            </a:r>
+            <a:r>
+              <a:rPr lang="fr-FR" sz="1400" dirty="0" err="1">
+                <a:solidFill>
+                  <a:srgbClr val="7030A0"/>
+                </a:solidFill>
+              </a:rPr>
+              <a:t>dolore</a:t>
+            </a:r>
+            <a:r>
+              <a:rPr lang="fr-FR" sz="1400" dirty="0">
+                <a:solidFill>
+                  <a:srgbClr val="7030A0"/>
+                </a:solidFill>
+              </a:rPr>
+              <a:t> magna </a:t>
+            </a:r>
+            <a:r>
+              <a:rPr lang="fr-FR" sz="1400" dirty="0" err="1">
+                <a:solidFill>
+                  <a:srgbClr val="7030A0"/>
+                </a:solidFill>
+              </a:rPr>
+              <a:t>aliqua</a:t>
+            </a:r>
+            <a:r>
+              <a:rPr lang="fr-FR" sz="1400" dirty="0">
+                <a:solidFill>
+                  <a:srgbClr val="7030A0"/>
+                </a:solidFill>
+              </a:rPr>
+              <a:t>.</a:t>
+            </a:r>
+          </a:p>
+        </p:txBody>
+      </p:sp>
+      <p:sp>
+        <p:nvSpPr>
+          <p:cNvPr id="35" name="ZoneTexte 34">
+            <a:extLst>
+              <a:ext uri="{FF2B5EF4-FFF2-40B4-BE49-F238E27FC236}">
+                <a16:creationId xmlns:a16="http://schemas.microsoft.com/office/drawing/2014/main" id="{B4EF1D5B-11C0-4B54-A409-84A05C73C881}"/>
+              </a:ext>
+            </a:extLst>
+          </p:cNvPr>
+          <p:cNvSpPr txBox="1"/>
+          <p:nvPr/>
+        </p:nvSpPr>
+        <p:spPr>
+          <a:xfrm>
+            <a:off x="6195461" y="3111560"/>
+            <a:ext cx="1459015" cy="400110"/>
+          </a:xfrm>
+          <a:prstGeom prst="rect">
+            <a:avLst/>
+          </a:prstGeom>
+          <a:noFill/>
+        </p:spPr>
+        <p:txBody>
+          <a:bodyPr wrap="square" rtlCol="0">
+            <a:spAutoFit/>
+          </a:bodyPr>
+          <a:lstStyle/>
+          <a:p>
+            <a:r>
+              <a:rPr lang="fr-FR" sz="2000" b="1" dirty="0">
+                <a:solidFill>
+                  <a:srgbClr val="7030A0"/>
+                </a:solidFill>
+              </a:rPr>
+              <a:t>39 € </a:t>
+            </a:r>
+            <a:r>
+              <a:rPr lang="fr-FR" sz="2000" b="1" baseline="30000" dirty="0">
+                <a:solidFill>
+                  <a:srgbClr val="7030A0"/>
+                </a:solidFill>
+              </a:rPr>
+              <a:t>00</a:t>
+            </a:r>
+          </a:p>
+        </p:txBody>
+      </p:sp>
+      <p:sp>
+        <p:nvSpPr>
+          <p:cNvPr id="48" name="ZoneTexte 47">
+            <a:extLst>
+              <a:ext uri="{FF2B5EF4-FFF2-40B4-BE49-F238E27FC236}">
+                <a16:creationId xmlns:a16="http://schemas.microsoft.com/office/drawing/2014/main" id="{BC79A603-102C-4C88-945C-7BBC6E9808B3}"/>
+              </a:ext>
+            </a:extLst>
+          </p:cNvPr>
+          <p:cNvSpPr txBox="1"/>
+          <p:nvPr/>
+        </p:nvSpPr>
+        <p:spPr>
+          <a:xfrm>
+            <a:off x="6224120" y="2840400"/>
+            <a:ext cx="2849519" cy="307777"/>
+          </a:xfrm>
+          <a:prstGeom prst="rect">
+            <a:avLst/>
+          </a:prstGeom>
+          <a:noFill/>
+        </p:spPr>
+        <p:txBody>
+          <a:bodyPr wrap="square">
+            <a:spAutoFit/>
+          </a:bodyPr>
+          <a:lstStyle/>
+          <a:p>
+            <a:r>
+              <a:rPr lang="fr-FR" sz="1400" dirty="0">
+                <a:solidFill>
+                  <a:srgbClr val="7030A0"/>
+                </a:solidFill>
+              </a:rPr>
+              <a:t>5beaa8bf1c9d440000a57d94</a:t>
             </a:r>
           </a:p>
         </p:txBody>
@@ -6215,142 +7396,12 @@
           </a:p>
         </p:txBody>
       </p:sp>
-      <p:sp>
-        <p:nvSpPr>
-          <p:cNvPr id="27" name="ZoneTexte 26">
-            <a:extLst>
-              <a:ext uri="{FF2B5EF4-FFF2-40B4-BE49-F238E27FC236}">
-                <a16:creationId xmlns:a16="http://schemas.microsoft.com/office/drawing/2014/main" id="{321E3CD1-81EF-4064-89CE-8B7FD518F03C}"/>
-              </a:ext>
-            </a:extLst>
-          </p:cNvPr>
-          <p:cNvSpPr txBox="1"/>
-          <p:nvPr/>
-        </p:nvSpPr>
-        <p:spPr>
-          <a:xfrm>
-            <a:off x="6195462" y="1439733"/>
-            <a:ext cx="1459015" cy="400110"/>
-          </a:xfrm>
-          <a:prstGeom prst="rect">
-            <a:avLst/>
-          </a:prstGeom>
-          <a:noFill/>
-        </p:spPr>
-        <p:txBody>
-          <a:bodyPr wrap="square" rtlCol="0">
-            <a:spAutoFit/>
-          </a:bodyPr>
-          <a:lstStyle/>
-          <a:p>
-            <a:r>
-              <a:rPr lang="fr-FR" sz="2000" b="1" dirty="0" err="1">
-                <a:solidFill>
-                  <a:srgbClr val="7030A0"/>
-                </a:solidFill>
-              </a:rPr>
-              <a:t>Toucalin</a:t>
-            </a:r>
-            <a:endParaRPr lang="fr-FR" sz="2000" b="1" dirty="0">
-              <a:solidFill>
-                <a:srgbClr val="7030A0"/>
-              </a:solidFill>
-            </a:endParaRPr>
-          </a:p>
-        </p:txBody>
-      </p:sp>
-      <p:sp>
-        <p:nvSpPr>
-          <p:cNvPr id="28" name="ZoneTexte 27">
-            <a:extLst>
-              <a:ext uri="{FF2B5EF4-FFF2-40B4-BE49-F238E27FC236}">
-                <a16:creationId xmlns:a16="http://schemas.microsoft.com/office/drawing/2014/main" id="{6D143475-B7B2-4715-AE26-ABE7FE72A797}"/>
-              </a:ext>
-            </a:extLst>
-          </p:cNvPr>
-          <p:cNvSpPr txBox="1"/>
-          <p:nvPr/>
-        </p:nvSpPr>
-        <p:spPr>
-          <a:xfrm>
-            <a:off x="6192988" y="1839843"/>
-            <a:ext cx="2849519" cy="523220"/>
-          </a:xfrm>
-          <a:prstGeom prst="rect">
-            <a:avLst/>
-          </a:prstGeom>
-          <a:noFill/>
-        </p:spPr>
-        <p:txBody>
-          <a:bodyPr wrap="square">
-            <a:spAutoFit/>
-          </a:bodyPr>
-          <a:lstStyle/>
-          <a:p>
-            <a:r>
-              <a:rPr lang="fr-FR" sz="1400" dirty="0">
-                <a:solidFill>
-                  <a:srgbClr val="7030A0"/>
-                </a:solidFill>
-              </a:rPr>
-              <a:t>eijeiuhrhuungurzuhreuburzeyzebrczyrzzibuiruhrurgohiiorhrehurezuhrurr</a:t>
-            </a:r>
-          </a:p>
-        </p:txBody>
-      </p:sp>
-      <p:sp>
-        <p:nvSpPr>
-          <p:cNvPr id="29" name="ZoneTexte 28">
-            <a:extLst>
-              <a:ext uri="{FF2B5EF4-FFF2-40B4-BE49-F238E27FC236}">
-                <a16:creationId xmlns:a16="http://schemas.microsoft.com/office/drawing/2014/main" id="{E889C36D-B1EE-4799-BC61-0D228ADB6D39}"/>
-              </a:ext>
-            </a:extLst>
-          </p:cNvPr>
-          <p:cNvSpPr txBox="1"/>
-          <p:nvPr/>
-        </p:nvSpPr>
-        <p:spPr>
-          <a:xfrm>
-            <a:off x="6195462" y="2578887"/>
-            <a:ext cx="1459015" cy="400110"/>
-          </a:xfrm>
-          <a:prstGeom prst="rect">
-            <a:avLst/>
-          </a:prstGeom>
-          <a:noFill/>
-        </p:spPr>
-        <p:txBody>
-          <a:bodyPr wrap="square" rtlCol="0">
-            <a:spAutoFit/>
-          </a:bodyPr>
-          <a:lstStyle/>
-          <a:p>
-            <a:r>
-              <a:rPr lang="fr-FR" sz="2000" b="1" dirty="0">
-                <a:solidFill>
-                  <a:srgbClr val="7030A0"/>
-                </a:solidFill>
-              </a:rPr>
-              <a:t>59 € </a:t>
-            </a:r>
-            <a:r>
-              <a:rPr lang="fr-FR" sz="2000" b="1" baseline="30000" dirty="0">
-                <a:solidFill>
-                  <a:srgbClr val="7030A0"/>
-                </a:solidFill>
-              </a:rPr>
-              <a:t>00</a:t>
-            </a:r>
-          </a:p>
-        </p:txBody>
-      </p:sp>
       <p:pic>
         <p:nvPicPr>
-          <p:cNvPr id="36" name="Graphique 35" descr="Cœur">
-            <a:extLst>
-              <a:ext uri="{FF2B5EF4-FFF2-40B4-BE49-F238E27FC236}">
-                <a16:creationId xmlns:a16="http://schemas.microsoft.com/office/drawing/2014/main" id="{D49F5ACB-EC68-439B-B99B-579DD6433F3F}"/>
+          <p:cNvPr id="41" name="Image 40">
+            <a:extLst>
+              <a:ext uri="{FF2B5EF4-FFF2-40B4-BE49-F238E27FC236}">
+                <a16:creationId xmlns:a16="http://schemas.microsoft.com/office/drawing/2014/main" id="{5735FC15-2EEE-4273-9597-4E16C7304F6B}"/>
               </a:ext>
             </a:extLst>
           </p:cNvPr>
@@ -6360,13 +7411,162 @@
           <p:nvPr/>
         </p:nvPicPr>
         <p:blipFill>
-          <a:blip r:embed="rId2">
+          <a:blip r:embed="rId2"/>
+          <a:stretch>
+            <a:fillRect/>
+          </a:stretch>
+        </p:blipFill>
+        <p:spPr>
+          <a:xfrm>
+            <a:off x="4448227" y="6238323"/>
+            <a:ext cx="447470" cy="447470"/>
+          </a:xfrm>
+          <a:prstGeom prst="rect">
+            <a:avLst/>
+          </a:prstGeom>
+        </p:spPr>
+      </p:pic>
+      <p:pic>
+        <p:nvPicPr>
+          <p:cNvPr id="42" name="Image 41">
+            <a:extLst>
+              <a:ext uri="{FF2B5EF4-FFF2-40B4-BE49-F238E27FC236}">
+                <a16:creationId xmlns:a16="http://schemas.microsoft.com/office/drawing/2014/main" id="{D4DC15FF-BB0C-4779-9D0C-D9F21E8FC5E0}"/>
+              </a:ext>
+            </a:extLst>
+          </p:cNvPr>
+          <p:cNvPicPr>
+            <a:picLocks noChangeAspect="1"/>
+          </p:cNvPicPr>
+          <p:nvPr/>
+        </p:nvPicPr>
+        <p:blipFill>
+          <a:blip r:embed="rId3"/>
+          <a:stretch>
+            <a:fillRect/>
+          </a:stretch>
+        </p:blipFill>
+        <p:spPr>
+          <a:xfrm>
+            <a:off x="5134495" y="6240632"/>
+            <a:ext cx="447470" cy="447470"/>
+          </a:xfrm>
+          <a:prstGeom prst="rect">
+            <a:avLst/>
+          </a:prstGeom>
+        </p:spPr>
+      </p:pic>
+      <p:pic>
+        <p:nvPicPr>
+          <p:cNvPr id="43" name="Image 42">
+            <a:extLst>
+              <a:ext uri="{FF2B5EF4-FFF2-40B4-BE49-F238E27FC236}">
+                <a16:creationId xmlns:a16="http://schemas.microsoft.com/office/drawing/2014/main" id="{86588978-7A4B-4D0A-9FBD-277FC902E7E8}"/>
+              </a:ext>
+            </a:extLst>
+          </p:cNvPr>
+          <p:cNvPicPr>
+            <a:picLocks noChangeAspect="1"/>
+          </p:cNvPicPr>
+          <p:nvPr/>
+        </p:nvPicPr>
+        <p:blipFill>
+          <a:blip r:embed="rId4"/>
+          <a:stretch>
+            <a:fillRect/>
+          </a:stretch>
+        </p:blipFill>
+        <p:spPr>
+          <a:xfrm>
+            <a:off x="5876934" y="6252662"/>
+            <a:ext cx="447470" cy="447470"/>
+          </a:xfrm>
+          <a:prstGeom prst="rect">
+            <a:avLst/>
+          </a:prstGeom>
+        </p:spPr>
+      </p:pic>
+      <p:pic>
+        <p:nvPicPr>
+          <p:cNvPr id="44" name="Image 43">
+            <a:extLst>
+              <a:ext uri="{FF2B5EF4-FFF2-40B4-BE49-F238E27FC236}">
+                <a16:creationId xmlns:a16="http://schemas.microsoft.com/office/drawing/2014/main" id="{E21ABFAD-9E60-4155-92EB-3B9765712D6A}"/>
+              </a:ext>
+            </a:extLst>
+          </p:cNvPr>
+          <p:cNvPicPr>
+            <a:picLocks noChangeAspect="1"/>
+          </p:cNvPicPr>
+          <p:nvPr/>
+        </p:nvPicPr>
+        <p:blipFill>
+          <a:blip r:embed="rId5"/>
+          <a:stretch>
+            <a:fillRect/>
+          </a:stretch>
+        </p:blipFill>
+        <p:spPr>
+          <a:xfrm>
+            <a:off x="6588407" y="6256657"/>
+            <a:ext cx="447470" cy="447470"/>
+          </a:xfrm>
+          <a:prstGeom prst="rect">
+            <a:avLst/>
+          </a:prstGeom>
+        </p:spPr>
+      </p:pic>
+      <p:pic>
+        <p:nvPicPr>
+          <p:cNvPr id="45" name="Image 44">
+            <a:hlinkClick r:id="rId6" action="ppaction://hlinksldjump"/>
+            <a:extLst>
+              <a:ext uri="{FF2B5EF4-FFF2-40B4-BE49-F238E27FC236}">
+                <a16:creationId xmlns:a16="http://schemas.microsoft.com/office/drawing/2014/main" id="{0E054CF7-87CD-41AB-B1E6-880622BC8455}"/>
+              </a:ext>
+            </a:extLst>
+          </p:cNvPr>
+          <p:cNvPicPr>
+            <a:picLocks noChangeAspect="1"/>
+          </p:cNvPicPr>
+          <p:nvPr/>
+        </p:nvPicPr>
+        <p:blipFill>
+          <a:blip r:embed="rId7"/>
+          <a:stretch>
+            <a:fillRect/>
+          </a:stretch>
+        </p:blipFill>
+        <p:spPr>
+          <a:xfrm>
+            <a:off x="7327158" y="6250133"/>
+            <a:ext cx="416610" cy="416610"/>
+          </a:xfrm>
+          <a:prstGeom prst="rect">
+            <a:avLst/>
+          </a:prstGeom>
+        </p:spPr>
+      </p:pic>
+      <p:pic>
+        <p:nvPicPr>
+          <p:cNvPr id="46" name="Image 45">
+            <a:hlinkClick r:id="rId8" action="ppaction://hlinksldjump"/>
+            <a:extLst>
+              <a:ext uri="{FF2B5EF4-FFF2-40B4-BE49-F238E27FC236}">
+                <a16:creationId xmlns:a16="http://schemas.microsoft.com/office/drawing/2014/main" id="{135CDA03-C506-4443-B83A-FA2DE234B6E3}"/>
+              </a:ext>
+            </a:extLst>
+          </p:cNvPr>
+          <p:cNvPicPr>
+            <a:picLocks noChangeAspect="1"/>
+          </p:cNvPicPr>
+          <p:nvPr/>
+        </p:nvPicPr>
+        <p:blipFill>
+          <a:blip r:embed="rId9">
             <a:extLst>
               <a:ext uri="{28A0092B-C50C-407E-A947-70E740481C1C}">
                 <a14:useLocalDpi xmlns:a14="http://schemas.microsoft.com/office/drawing/2010/main" val="0"/>
-              </a:ext>
-              <a:ext uri="{96DAC541-7B7A-43D3-8B79-37D633B846F1}">
-                <asvg:svgBlip xmlns:asvg="http://schemas.microsoft.com/office/drawing/2016/SVG/main" r:embed="rId3"/>
               </a:ext>
             </a:extLst>
           </a:blip>
@@ -6376,311 +7576,6 @@
         </p:blipFill>
         <p:spPr>
           <a:xfrm>
-            <a:off x="7373034" y="1551708"/>
-            <a:ext cx="193711" cy="193711"/>
-          </a:xfrm>
-          <a:prstGeom prst="rect">
-            <a:avLst/>
-          </a:prstGeom>
-        </p:spPr>
-      </p:pic>
-      <p:pic>
-        <p:nvPicPr>
-          <p:cNvPr id="37" name="Graphique 36" descr="Cœur">
-            <a:extLst>
-              <a:ext uri="{FF2B5EF4-FFF2-40B4-BE49-F238E27FC236}">
-                <a16:creationId xmlns:a16="http://schemas.microsoft.com/office/drawing/2014/main" id="{CF7F132F-8F28-4B84-919F-B417A0BAE31D}"/>
-              </a:ext>
-            </a:extLst>
-          </p:cNvPr>
-          <p:cNvPicPr>
-            <a:picLocks noChangeAspect="1"/>
-          </p:cNvPicPr>
-          <p:nvPr/>
-        </p:nvPicPr>
-        <p:blipFill>
-          <a:blip r:embed="rId4">
-            <a:extLst>
-              <a:ext uri="{28A0092B-C50C-407E-A947-70E740481C1C}">
-                <a14:useLocalDpi xmlns:a14="http://schemas.microsoft.com/office/drawing/2010/main" val="0"/>
-              </a:ext>
-              <a:ext uri="{96DAC541-7B7A-43D3-8B79-37D633B846F1}">
-                <asvg:svgBlip xmlns:asvg="http://schemas.microsoft.com/office/drawing/2016/SVG/main" r:embed="rId5"/>
-              </a:ext>
-            </a:extLst>
-          </a:blip>
-          <a:stretch>
-            <a:fillRect/>
-          </a:stretch>
-        </p:blipFill>
-        <p:spPr>
-          <a:xfrm>
-            <a:off x="7802658" y="1551708"/>
-            <a:ext cx="193711" cy="193711"/>
-          </a:xfrm>
-          <a:prstGeom prst="rect">
-            <a:avLst/>
-          </a:prstGeom>
-        </p:spPr>
-      </p:pic>
-      <p:pic>
-        <p:nvPicPr>
-          <p:cNvPr id="38" name="Graphique 37" descr="Cœur">
-            <a:extLst>
-              <a:ext uri="{FF2B5EF4-FFF2-40B4-BE49-F238E27FC236}">
-                <a16:creationId xmlns:a16="http://schemas.microsoft.com/office/drawing/2014/main" id="{484A1DFF-967A-4313-A867-8C942B7C019D}"/>
-              </a:ext>
-            </a:extLst>
-          </p:cNvPr>
-          <p:cNvPicPr>
-            <a:picLocks noChangeAspect="1"/>
-          </p:cNvPicPr>
-          <p:nvPr/>
-        </p:nvPicPr>
-        <p:blipFill>
-          <a:blip r:embed="rId2">
-            <a:extLst>
-              <a:ext uri="{28A0092B-C50C-407E-A947-70E740481C1C}">
-                <a14:useLocalDpi xmlns:a14="http://schemas.microsoft.com/office/drawing/2010/main" val="0"/>
-              </a:ext>
-              <a:ext uri="{96DAC541-7B7A-43D3-8B79-37D633B846F1}">
-                <asvg:svgBlip xmlns:asvg="http://schemas.microsoft.com/office/drawing/2016/SVG/main" r:embed="rId3"/>
-              </a:ext>
-            </a:extLst>
-          </a:blip>
-          <a:stretch>
-            <a:fillRect/>
-          </a:stretch>
-        </p:blipFill>
-        <p:spPr>
-          <a:xfrm>
-            <a:off x="7583228" y="1551708"/>
-            <a:ext cx="193711" cy="193711"/>
-          </a:xfrm>
-          <a:prstGeom prst="rect">
-            <a:avLst/>
-          </a:prstGeom>
-        </p:spPr>
-      </p:pic>
-      <p:pic>
-        <p:nvPicPr>
-          <p:cNvPr id="39" name="Graphique 38" descr="Cœur">
-            <a:extLst>
-              <a:ext uri="{FF2B5EF4-FFF2-40B4-BE49-F238E27FC236}">
-                <a16:creationId xmlns:a16="http://schemas.microsoft.com/office/drawing/2014/main" id="{422C1BC6-C9C7-44C2-92A9-79CCED6663B5}"/>
-              </a:ext>
-            </a:extLst>
-          </p:cNvPr>
-          <p:cNvPicPr>
-            <a:picLocks noChangeAspect="1"/>
-          </p:cNvPicPr>
-          <p:nvPr/>
-        </p:nvPicPr>
-        <p:blipFill>
-          <a:blip r:embed="rId6">
-            <a:extLst>
-              <a:ext uri="{28A0092B-C50C-407E-A947-70E740481C1C}">
-                <a14:useLocalDpi xmlns:a14="http://schemas.microsoft.com/office/drawing/2010/main" val="0"/>
-              </a:ext>
-              <a:ext uri="{96DAC541-7B7A-43D3-8B79-37D633B846F1}">
-                <asvg:svgBlip xmlns:asvg="http://schemas.microsoft.com/office/drawing/2016/SVG/main" r:embed="rId7"/>
-              </a:ext>
-            </a:extLst>
-          </a:blip>
-          <a:stretch>
-            <a:fillRect/>
-          </a:stretch>
-        </p:blipFill>
-        <p:spPr>
-          <a:xfrm>
-            <a:off x="8017422" y="1551708"/>
-            <a:ext cx="193711" cy="193711"/>
-          </a:xfrm>
-          <a:prstGeom prst="rect">
-            <a:avLst/>
-          </a:prstGeom>
-        </p:spPr>
-      </p:pic>
-      <p:pic>
-        <p:nvPicPr>
-          <p:cNvPr id="41" name="Image 40">
-            <a:extLst>
-              <a:ext uri="{FF2B5EF4-FFF2-40B4-BE49-F238E27FC236}">
-                <a16:creationId xmlns:a16="http://schemas.microsoft.com/office/drawing/2014/main" id="{5735FC15-2EEE-4273-9597-4E16C7304F6B}"/>
-              </a:ext>
-            </a:extLst>
-          </p:cNvPr>
-          <p:cNvPicPr>
-            <a:picLocks noChangeAspect="1"/>
-          </p:cNvPicPr>
-          <p:nvPr/>
-        </p:nvPicPr>
-        <p:blipFill>
-          <a:blip r:embed="rId8"/>
-          <a:stretch>
-            <a:fillRect/>
-          </a:stretch>
-        </p:blipFill>
-        <p:spPr>
-          <a:xfrm>
-            <a:off x="4448227" y="6238323"/>
-            <a:ext cx="447470" cy="447470"/>
-          </a:xfrm>
-          <a:prstGeom prst="rect">
-            <a:avLst/>
-          </a:prstGeom>
-        </p:spPr>
-      </p:pic>
-      <p:pic>
-        <p:nvPicPr>
-          <p:cNvPr id="42" name="Image 41">
-            <a:extLst>
-              <a:ext uri="{FF2B5EF4-FFF2-40B4-BE49-F238E27FC236}">
-                <a16:creationId xmlns:a16="http://schemas.microsoft.com/office/drawing/2014/main" id="{D4DC15FF-BB0C-4779-9D0C-D9F21E8FC5E0}"/>
-              </a:ext>
-            </a:extLst>
-          </p:cNvPr>
-          <p:cNvPicPr>
-            <a:picLocks noChangeAspect="1"/>
-          </p:cNvPicPr>
-          <p:nvPr/>
-        </p:nvPicPr>
-        <p:blipFill>
-          <a:blip r:embed="rId9"/>
-          <a:stretch>
-            <a:fillRect/>
-          </a:stretch>
-        </p:blipFill>
-        <p:spPr>
-          <a:xfrm>
-            <a:off x="5134495" y="6240632"/>
-            <a:ext cx="447470" cy="447470"/>
-          </a:xfrm>
-          <a:prstGeom prst="rect">
-            <a:avLst/>
-          </a:prstGeom>
-        </p:spPr>
-      </p:pic>
-      <p:pic>
-        <p:nvPicPr>
-          <p:cNvPr id="43" name="Image 42">
-            <a:extLst>
-              <a:ext uri="{FF2B5EF4-FFF2-40B4-BE49-F238E27FC236}">
-                <a16:creationId xmlns:a16="http://schemas.microsoft.com/office/drawing/2014/main" id="{86588978-7A4B-4D0A-9FBD-277FC902E7E8}"/>
-              </a:ext>
-            </a:extLst>
-          </p:cNvPr>
-          <p:cNvPicPr>
-            <a:picLocks noChangeAspect="1"/>
-          </p:cNvPicPr>
-          <p:nvPr/>
-        </p:nvPicPr>
-        <p:blipFill>
-          <a:blip r:embed="rId10"/>
-          <a:stretch>
-            <a:fillRect/>
-          </a:stretch>
-        </p:blipFill>
-        <p:spPr>
-          <a:xfrm>
-            <a:off x="5876934" y="6252662"/>
-            <a:ext cx="447470" cy="447470"/>
-          </a:xfrm>
-          <a:prstGeom prst="rect">
-            <a:avLst/>
-          </a:prstGeom>
-        </p:spPr>
-      </p:pic>
-      <p:pic>
-        <p:nvPicPr>
-          <p:cNvPr id="44" name="Image 43">
-            <a:extLst>
-              <a:ext uri="{FF2B5EF4-FFF2-40B4-BE49-F238E27FC236}">
-                <a16:creationId xmlns:a16="http://schemas.microsoft.com/office/drawing/2014/main" id="{E21ABFAD-9E60-4155-92EB-3B9765712D6A}"/>
-              </a:ext>
-            </a:extLst>
-          </p:cNvPr>
-          <p:cNvPicPr>
-            <a:picLocks noChangeAspect="1"/>
-          </p:cNvPicPr>
-          <p:nvPr/>
-        </p:nvPicPr>
-        <p:blipFill>
-          <a:blip r:embed="rId11"/>
-          <a:stretch>
-            <a:fillRect/>
-          </a:stretch>
-        </p:blipFill>
-        <p:spPr>
-          <a:xfrm>
-            <a:off x="6588407" y="6256657"/>
-            <a:ext cx="447470" cy="447470"/>
-          </a:xfrm>
-          <a:prstGeom prst="rect">
-            <a:avLst/>
-          </a:prstGeom>
-        </p:spPr>
-      </p:pic>
-      <p:pic>
-        <p:nvPicPr>
-          <p:cNvPr id="45" name="Image 44">
-            <a:hlinkClick r:id="rId12" action="ppaction://hlinksldjump"/>
-            <a:extLst>
-              <a:ext uri="{FF2B5EF4-FFF2-40B4-BE49-F238E27FC236}">
-                <a16:creationId xmlns:a16="http://schemas.microsoft.com/office/drawing/2014/main" id="{0E054CF7-87CD-41AB-B1E6-880622BC8455}"/>
-              </a:ext>
-            </a:extLst>
-          </p:cNvPr>
-          <p:cNvPicPr>
-            <a:picLocks noChangeAspect="1"/>
-          </p:cNvPicPr>
-          <p:nvPr/>
-        </p:nvPicPr>
-        <p:blipFill>
-          <a:blip r:embed="rId13"/>
-          <a:stretch>
-            <a:fillRect/>
-          </a:stretch>
-        </p:blipFill>
-        <p:spPr>
-          <a:xfrm>
-            <a:off x="7327158" y="6250133"/>
-            <a:ext cx="416610" cy="416610"/>
-          </a:xfrm>
-          <a:prstGeom prst="rect">
-            <a:avLst/>
-          </a:prstGeom>
-        </p:spPr>
-      </p:pic>
-      <p:pic>
-        <p:nvPicPr>
-          <p:cNvPr id="46" name="Image 45">
-            <a:hlinkClick r:id="rId14" action="ppaction://hlinksldjump"/>
-            <a:extLst>
-              <a:ext uri="{FF2B5EF4-FFF2-40B4-BE49-F238E27FC236}">
-                <a16:creationId xmlns:a16="http://schemas.microsoft.com/office/drawing/2014/main" id="{135CDA03-C506-4443-B83A-FA2DE234B6E3}"/>
-              </a:ext>
-            </a:extLst>
-          </p:cNvPr>
-          <p:cNvPicPr>
-            <a:picLocks noChangeAspect="1"/>
-          </p:cNvPicPr>
-          <p:nvPr/>
-        </p:nvPicPr>
-        <p:blipFill>
-          <a:blip r:embed="rId15">
-            <a:extLst>
-              <a:ext uri="{28A0092B-C50C-407E-A947-70E740481C1C}">
-                <a14:useLocalDpi xmlns:a14="http://schemas.microsoft.com/office/drawing/2010/main" val="0"/>
-              </a:ext>
-            </a:extLst>
-          </a:blip>
-          <a:stretch>
-            <a:fillRect/>
-          </a:stretch>
-        </p:blipFill>
-        <p:spPr>
-          <a:xfrm>
             <a:off x="353545" y="0"/>
             <a:ext cx="2031746" cy="914286"/>
           </a:xfrm>
@@ -6704,7 +7599,7 @@
           <p:nvPr/>
         </p:nvPicPr>
         <p:blipFill>
-          <a:blip r:embed="rId16">
+          <a:blip r:embed="rId10">
             <a:extLst>
               <a:ext uri="{28A0092B-C50C-407E-A947-70E740481C1C}">
                 <a14:useLocalDpi xmlns:a14="http://schemas.microsoft.com/office/drawing/2010/main" val="0"/>
@@ -6876,7 +7771,7 @@
       <p:sp>
         <p:nvSpPr>
           <p:cNvPr id="30" name="ZoneTexte 29">
-            <a:hlinkClick r:id="rId14" action="ppaction://hlinksldjump"/>
+            <a:hlinkClick r:id="rId8" action="ppaction://hlinksldjump"/>
             <a:extLst>
               <a:ext uri="{FF2B5EF4-FFF2-40B4-BE49-F238E27FC236}">
                 <a16:creationId xmlns:a16="http://schemas.microsoft.com/office/drawing/2014/main" id="{0AFE0068-7AD9-4599-A0EE-FE6889341A67}"/>
@@ -6930,7 +7825,7 @@
       <p:sp>
         <p:nvSpPr>
           <p:cNvPr id="31" name="ZoneTexte 30">
-            <a:hlinkClick r:id="rId14" action="ppaction://hlinksldjump"/>
+            <a:hlinkClick r:id="rId8" action="ppaction://hlinksldjump"/>
             <a:extLst>
               <a:ext uri="{FF2B5EF4-FFF2-40B4-BE49-F238E27FC236}">
                 <a16:creationId xmlns:a16="http://schemas.microsoft.com/office/drawing/2014/main" id="{A5788A1A-4236-4593-AF59-C8BDFA5F4707}"/>
@@ -6973,7 +7868,7 @@
       <p:sp>
         <p:nvSpPr>
           <p:cNvPr id="35" name="ZoneTexte 34">
-            <a:hlinkClick r:id="rId17" action="ppaction://hlinksldjump"/>
+            <a:hlinkClick r:id="rId11" action="ppaction://hlinksldjump"/>
             <a:extLst>
               <a:ext uri="{FF2B5EF4-FFF2-40B4-BE49-F238E27FC236}">
                 <a16:creationId xmlns:a16="http://schemas.microsoft.com/office/drawing/2014/main" id="{7606F78C-D1AB-43A9-A177-6709312BC7D0}"/>
@@ -7009,6 +7904,378 @@
                 </a:solidFill>
               </a:rPr>
               <a:t>Panier</a:t>
+            </a:r>
+          </a:p>
+        </p:txBody>
+      </p:sp>
+      <p:sp>
+        <p:nvSpPr>
+          <p:cNvPr id="25" name="ZoneTexte 24">
+            <a:extLst>
+              <a:ext uri="{FF2B5EF4-FFF2-40B4-BE49-F238E27FC236}">
+                <a16:creationId xmlns:a16="http://schemas.microsoft.com/office/drawing/2014/main" id="{C16C2C48-D412-4272-9584-633F4AB22360}"/>
+              </a:ext>
+            </a:extLst>
+          </p:cNvPr>
+          <p:cNvSpPr txBox="1"/>
+          <p:nvPr/>
+        </p:nvSpPr>
+        <p:spPr>
+          <a:xfrm>
+            <a:off x="6195462" y="1485913"/>
+            <a:ext cx="1713404" cy="400110"/>
+          </a:xfrm>
+          <a:prstGeom prst="rect">
+            <a:avLst/>
+          </a:prstGeom>
+          <a:noFill/>
+        </p:spPr>
+        <p:txBody>
+          <a:bodyPr wrap="square" rtlCol="0">
+            <a:spAutoFit/>
+          </a:bodyPr>
+          <a:lstStyle/>
+          <a:p>
+            <a:r>
+              <a:rPr lang="fr-FR" sz="2000" b="1" dirty="0">
+                <a:solidFill>
+                  <a:srgbClr val="7030A0"/>
+                </a:solidFill>
+              </a:rPr>
+              <a:t>Lenny &amp; Carl</a:t>
+            </a:r>
+          </a:p>
+        </p:txBody>
+      </p:sp>
+      <p:sp>
+        <p:nvSpPr>
+          <p:cNvPr id="34" name="ZoneTexte 33">
+            <a:extLst>
+              <a:ext uri="{FF2B5EF4-FFF2-40B4-BE49-F238E27FC236}">
+                <a16:creationId xmlns:a16="http://schemas.microsoft.com/office/drawing/2014/main" id="{9EFE952F-E3B0-4FDB-A790-C609687C50F2}"/>
+              </a:ext>
+            </a:extLst>
+          </p:cNvPr>
+          <p:cNvSpPr txBox="1"/>
+          <p:nvPr/>
+        </p:nvSpPr>
+        <p:spPr>
+          <a:xfrm>
+            <a:off x="6192988" y="1886023"/>
+            <a:ext cx="2849519" cy="954107"/>
+          </a:xfrm>
+          <a:prstGeom prst="rect">
+            <a:avLst/>
+          </a:prstGeom>
+          <a:noFill/>
+        </p:spPr>
+        <p:txBody>
+          <a:bodyPr wrap="square">
+            <a:spAutoFit/>
+          </a:bodyPr>
+          <a:lstStyle/>
+          <a:p>
+            <a:r>
+              <a:rPr lang="fr-FR" sz="1400" dirty="0">
+                <a:solidFill>
+                  <a:srgbClr val="7030A0"/>
+                </a:solidFill>
+              </a:rPr>
+              <a:t>Lorem ipsum </a:t>
+            </a:r>
+            <a:r>
+              <a:rPr lang="fr-FR" sz="1400" dirty="0" err="1">
+                <a:solidFill>
+                  <a:srgbClr val="7030A0"/>
+                </a:solidFill>
+              </a:rPr>
+              <a:t>dolor</a:t>
+            </a:r>
+            <a:r>
+              <a:rPr lang="fr-FR" sz="1400" dirty="0">
+                <a:solidFill>
+                  <a:srgbClr val="7030A0"/>
+                </a:solidFill>
+              </a:rPr>
+              <a:t> </a:t>
+            </a:r>
+            <a:r>
+              <a:rPr lang="fr-FR" sz="1400" dirty="0" err="1">
+                <a:solidFill>
+                  <a:srgbClr val="7030A0"/>
+                </a:solidFill>
+              </a:rPr>
+              <a:t>sit</a:t>
+            </a:r>
+            <a:r>
+              <a:rPr lang="fr-FR" sz="1400" dirty="0">
+                <a:solidFill>
+                  <a:srgbClr val="7030A0"/>
+                </a:solidFill>
+              </a:rPr>
+              <a:t> </a:t>
+            </a:r>
+            <a:r>
+              <a:rPr lang="fr-FR" sz="1400" dirty="0" err="1">
+                <a:solidFill>
+                  <a:srgbClr val="7030A0"/>
+                </a:solidFill>
+              </a:rPr>
+              <a:t>amet</a:t>
+            </a:r>
+            <a:r>
+              <a:rPr lang="fr-FR" sz="1400" dirty="0">
+                <a:solidFill>
+                  <a:srgbClr val="7030A0"/>
+                </a:solidFill>
+              </a:rPr>
+              <a:t>, </a:t>
+            </a:r>
+            <a:r>
+              <a:rPr lang="fr-FR" sz="1400" dirty="0" err="1">
+                <a:solidFill>
+                  <a:srgbClr val="7030A0"/>
+                </a:solidFill>
+              </a:rPr>
+              <a:t>consectetur</a:t>
+            </a:r>
+            <a:r>
+              <a:rPr lang="fr-FR" sz="1400" dirty="0">
+                <a:solidFill>
+                  <a:srgbClr val="7030A0"/>
+                </a:solidFill>
+              </a:rPr>
+              <a:t> </a:t>
+            </a:r>
+            <a:r>
+              <a:rPr lang="fr-FR" sz="1400" dirty="0" err="1">
+                <a:solidFill>
+                  <a:srgbClr val="7030A0"/>
+                </a:solidFill>
+              </a:rPr>
+              <a:t>adipisicing</a:t>
+            </a:r>
+            <a:r>
+              <a:rPr lang="fr-FR" sz="1400" dirty="0">
+                <a:solidFill>
+                  <a:srgbClr val="7030A0"/>
+                </a:solidFill>
+              </a:rPr>
+              <a:t> </a:t>
+            </a:r>
+            <a:r>
+              <a:rPr lang="fr-FR" sz="1400" dirty="0" err="1">
+                <a:solidFill>
+                  <a:srgbClr val="7030A0"/>
+                </a:solidFill>
+              </a:rPr>
+              <a:t>elit</a:t>
+            </a:r>
+            <a:r>
+              <a:rPr lang="fr-FR" sz="1400" dirty="0">
+                <a:solidFill>
+                  <a:srgbClr val="7030A0"/>
+                </a:solidFill>
+              </a:rPr>
+              <a:t>, </a:t>
+            </a:r>
+            <a:r>
+              <a:rPr lang="fr-FR" sz="1400" dirty="0" err="1">
+                <a:solidFill>
+                  <a:srgbClr val="7030A0"/>
+                </a:solidFill>
+              </a:rPr>
+              <a:t>sed</a:t>
+            </a:r>
+            <a:r>
+              <a:rPr lang="fr-FR" sz="1400" dirty="0">
+                <a:solidFill>
+                  <a:srgbClr val="7030A0"/>
+                </a:solidFill>
+              </a:rPr>
+              <a:t> do </a:t>
+            </a:r>
+            <a:r>
+              <a:rPr lang="fr-FR" sz="1400" dirty="0" err="1">
+                <a:solidFill>
+                  <a:srgbClr val="7030A0"/>
+                </a:solidFill>
+              </a:rPr>
+              <a:t>eiusmod</a:t>
+            </a:r>
+            <a:r>
+              <a:rPr lang="fr-FR" sz="1400" dirty="0">
+                <a:solidFill>
+                  <a:srgbClr val="7030A0"/>
+                </a:solidFill>
+              </a:rPr>
+              <a:t> </a:t>
+            </a:r>
+            <a:r>
+              <a:rPr lang="fr-FR" sz="1400" dirty="0" err="1">
+                <a:solidFill>
+                  <a:srgbClr val="7030A0"/>
+                </a:solidFill>
+              </a:rPr>
+              <a:t>tempor</a:t>
+            </a:r>
+            <a:r>
+              <a:rPr lang="fr-FR" sz="1400" dirty="0">
+                <a:solidFill>
+                  <a:srgbClr val="7030A0"/>
+                </a:solidFill>
+              </a:rPr>
+              <a:t> </a:t>
+            </a:r>
+            <a:r>
+              <a:rPr lang="fr-FR" sz="1400" dirty="0" err="1">
+                <a:solidFill>
+                  <a:srgbClr val="7030A0"/>
+                </a:solidFill>
+              </a:rPr>
+              <a:t>incididunt</a:t>
+            </a:r>
+            <a:r>
+              <a:rPr lang="fr-FR" sz="1400" dirty="0">
+                <a:solidFill>
+                  <a:srgbClr val="7030A0"/>
+                </a:solidFill>
+              </a:rPr>
+              <a:t> ut </a:t>
+            </a:r>
+            <a:r>
+              <a:rPr lang="fr-FR" sz="1400" dirty="0" err="1">
+                <a:solidFill>
+                  <a:srgbClr val="7030A0"/>
+                </a:solidFill>
+              </a:rPr>
+              <a:t>labore</a:t>
+            </a:r>
+            <a:r>
+              <a:rPr lang="fr-FR" sz="1400" dirty="0">
+                <a:solidFill>
+                  <a:srgbClr val="7030A0"/>
+                </a:solidFill>
+              </a:rPr>
+              <a:t> et </a:t>
+            </a:r>
+            <a:r>
+              <a:rPr lang="fr-FR" sz="1400" dirty="0" err="1">
+                <a:solidFill>
+                  <a:srgbClr val="7030A0"/>
+                </a:solidFill>
+              </a:rPr>
+              <a:t>dolore</a:t>
+            </a:r>
+            <a:r>
+              <a:rPr lang="fr-FR" sz="1400" dirty="0">
+                <a:solidFill>
+                  <a:srgbClr val="7030A0"/>
+                </a:solidFill>
+              </a:rPr>
+              <a:t> magna </a:t>
+            </a:r>
+            <a:r>
+              <a:rPr lang="fr-FR" sz="1400" dirty="0" err="1">
+                <a:solidFill>
+                  <a:srgbClr val="7030A0"/>
+                </a:solidFill>
+              </a:rPr>
+              <a:t>aliqua</a:t>
+            </a:r>
+            <a:r>
+              <a:rPr lang="fr-FR" sz="1400" dirty="0">
+                <a:solidFill>
+                  <a:srgbClr val="7030A0"/>
+                </a:solidFill>
+              </a:rPr>
+              <a:t>.</a:t>
+            </a:r>
+          </a:p>
+        </p:txBody>
+      </p:sp>
+      <p:sp>
+        <p:nvSpPr>
+          <p:cNvPr id="47" name="ZoneTexte 46">
+            <a:extLst>
+              <a:ext uri="{FF2B5EF4-FFF2-40B4-BE49-F238E27FC236}">
+                <a16:creationId xmlns:a16="http://schemas.microsoft.com/office/drawing/2014/main" id="{B4314487-E5CD-4D8A-88DD-65D568D00664}"/>
+              </a:ext>
+            </a:extLst>
+          </p:cNvPr>
+          <p:cNvSpPr txBox="1"/>
+          <p:nvPr/>
+        </p:nvSpPr>
+        <p:spPr>
+          <a:xfrm>
+            <a:off x="6195461" y="3111560"/>
+            <a:ext cx="1459015" cy="400110"/>
+          </a:xfrm>
+          <a:prstGeom prst="rect">
+            <a:avLst/>
+          </a:prstGeom>
+          <a:noFill/>
+        </p:spPr>
+        <p:txBody>
+          <a:bodyPr wrap="square" rtlCol="0">
+            <a:spAutoFit/>
+          </a:bodyPr>
+          <a:lstStyle/>
+          <a:p>
+            <a:r>
+              <a:rPr lang="fr-FR" sz="2000" b="1" dirty="0">
+                <a:solidFill>
+                  <a:srgbClr val="7030A0"/>
+                </a:solidFill>
+              </a:rPr>
+              <a:t>59 € </a:t>
+            </a:r>
+            <a:r>
+              <a:rPr lang="fr-FR" sz="2000" b="1" baseline="30000" dirty="0">
+                <a:solidFill>
+                  <a:srgbClr val="7030A0"/>
+                </a:solidFill>
+              </a:rPr>
+              <a:t>00</a:t>
+            </a:r>
+          </a:p>
+        </p:txBody>
+      </p:sp>
+      <p:sp>
+        <p:nvSpPr>
+          <p:cNvPr id="48" name="ZoneTexte 47">
+            <a:extLst>
+              <a:ext uri="{FF2B5EF4-FFF2-40B4-BE49-F238E27FC236}">
+                <a16:creationId xmlns:a16="http://schemas.microsoft.com/office/drawing/2014/main" id="{294922DF-29A5-46C9-A7AF-B1BDD36F2336}"/>
+              </a:ext>
+            </a:extLst>
+          </p:cNvPr>
+          <p:cNvSpPr txBox="1"/>
+          <p:nvPr/>
+        </p:nvSpPr>
+        <p:spPr>
+          <a:xfrm>
+            <a:off x="6224120" y="2840400"/>
+            <a:ext cx="2849519" cy="307777"/>
+          </a:xfrm>
+          <a:prstGeom prst="rect">
+            <a:avLst/>
+          </a:prstGeom>
+          <a:noFill/>
+        </p:spPr>
+        <p:txBody>
+          <a:bodyPr wrap="square">
+            <a:spAutoFit/>
+          </a:bodyPr>
+          <a:lstStyle/>
+          <a:p>
+            <a:r>
+              <a:rPr lang="fr-FR" sz="1400" dirty="0">
+                <a:solidFill>
+                  <a:srgbClr val="7030A0"/>
+                </a:solidFill>
+              </a:rPr>
+              <a:t>5beaaa8f1c9d440000a57d95</a:t>
             </a:r>
           </a:p>
         </p:txBody>
@@ -7198,147 +8465,12 @@
           </a:p>
         </p:txBody>
       </p:sp>
-      <p:sp>
-        <p:nvSpPr>
-          <p:cNvPr id="27" name="ZoneTexte 26">
-            <a:extLst>
-              <a:ext uri="{FF2B5EF4-FFF2-40B4-BE49-F238E27FC236}">
-                <a16:creationId xmlns:a16="http://schemas.microsoft.com/office/drawing/2014/main" id="{321E3CD1-81EF-4064-89CE-8B7FD518F03C}"/>
-              </a:ext>
-            </a:extLst>
-          </p:cNvPr>
-          <p:cNvSpPr txBox="1"/>
-          <p:nvPr/>
-        </p:nvSpPr>
-        <p:spPr>
-          <a:xfrm>
-            <a:off x="6195462" y="1439733"/>
-            <a:ext cx="1459015" cy="400110"/>
-          </a:xfrm>
-          <a:prstGeom prst="rect">
-            <a:avLst/>
-          </a:prstGeom>
-          <a:noFill/>
-        </p:spPr>
-        <p:txBody>
-          <a:bodyPr wrap="square" rtlCol="0">
-            <a:spAutoFit/>
-          </a:bodyPr>
-          <a:lstStyle/>
-          <a:p>
-            <a:r>
-              <a:rPr lang="fr-FR" sz="2000" b="1" dirty="0" err="1">
-                <a:solidFill>
-                  <a:srgbClr val="7030A0"/>
-                </a:solidFill>
-              </a:rPr>
-              <a:t>Tougentil</a:t>
-            </a:r>
-            <a:endParaRPr lang="fr-FR" sz="2000" b="1" dirty="0">
-              <a:solidFill>
-                <a:srgbClr val="7030A0"/>
-              </a:solidFill>
-            </a:endParaRPr>
-          </a:p>
-        </p:txBody>
-      </p:sp>
-      <p:sp>
-        <p:nvSpPr>
-          <p:cNvPr id="28" name="ZoneTexte 27">
-            <a:extLst>
-              <a:ext uri="{FF2B5EF4-FFF2-40B4-BE49-F238E27FC236}">
-                <a16:creationId xmlns:a16="http://schemas.microsoft.com/office/drawing/2014/main" id="{6D143475-B7B2-4715-AE26-ABE7FE72A797}"/>
-              </a:ext>
-            </a:extLst>
-          </p:cNvPr>
-          <p:cNvSpPr txBox="1"/>
-          <p:nvPr/>
-        </p:nvSpPr>
-        <p:spPr>
-          <a:xfrm>
-            <a:off x="6192988" y="1839843"/>
-            <a:ext cx="2849519" cy="523220"/>
-          </a:xfrm>
-          <a:prstGeom prst="rect">
-            <a:avLst/>
-          </a:prstGeom>
-          <a:noFill/>
-        </p:spPr>
-        <p:txBody>
-          <a:bodyPr wrap="square">
-            <a:spAutoFit/>
-          </a:bodyPr>
-          <a:lstStyle/>
-          <a:p>
-            <a:r>
-              <a:rPr lang="fr-FR" sz="1400" dirty="0" err="1">
-                <a:solidFill>
-                  <a:srgbClr val="7030A0"/>
-                </a:solidFill>
-              </a:rPr>
-              <a:t>urehureururohiferfvnorhnvtruhnsqsi'acoexnwnwwnxneuc</a:t>
-            </a:r>
-            <a:endParaRPr lang="fr-FR" sz="1400" dirty="0">
-              <a:solidFill>
-                <a:srgbClr val="7030A0"/>
-              </a:solidFill>
-            </a:endParaRPr>
-          </a:p>
-        </p:txBody>
-      </p:sp>
-      <p:sp>
-        <p:nvSpPr>
-          <p:cNvPr id="29" name="ZoneTexte 28">
-            <a:extLst>
-              <a:ext uri="{FF2B5EF4-FFF2-40B4-BE49-F238E27FC236}">
-                <a16:creationId xmlns:a16="http://schemas.microsoft.com/office/drawing/2014/main" id="{E889C36D-B1EE-4799-BC61-0D228ADB6D39}"/>
-              </a:ext>
-            </a:extLst>
-          </p:cNvPr>
-          <p:cNvSpPr txBox="1"/>
-          <p:nvPr/>
-        </p:nvSpPr>
-        <p:spPr>
-          <a:xfrm>
-            <a:off x="6195462" y="2578887"/>
-            <a:ext cx="1459015" cy="400110"/>
-          </a:xfrm>
-          <a:prstGeom prst="rect">
-            <a:avLst/>
-          </a:prstGeom>
-          <a:noFill/>
-        </p:spPr>
-        <p:txBody>
-          <a:bodyPr wrap="square" rtlCol="0">
-            <a:spAutoFit/>
-          </a:bodyPr>
-          <a:lstStyle/>
-          <a:p>
-            <a:r>
-              <a:rPr lang="fr-FR" sz="2000" b="1" dirty="0">
-                <a:solidFill>
-                  <a:srgbClr val="7030A0"/>
-                </a:solidFill>
-              </a:rPr>
-              <a:t>40 € </a:t>
-            </a:r>
-            <a:r>
-              <a:rPr lang="fr-FR" sz="2000" b="1" baseline="30000" dirty="0">
-                <a:solidFill>
-                  <a:srgbClr val="7030A0"/>
-                </a:solidFill>
-              </a:rPr>
-              <a:t>00</a:t>
-            </a:r>
-          </a:p>
-        </p:txBody>
-      </p:sp>
       <p:pic>
         <p:nvPicPr>
-          <p:cNvPr id="36" name="Graphique 35" descr="Cœur">
-            <a:extLst>
-              <a:ext uri="{FF2B5EF4-FFF2-40B4-BE49-F238E27FC236}">
-                <a16:creationId xmlns:a16="http://schemas.microsoft.com/office/drawing/2014/main" id="{D49F5ACB-EC68-439B-B99B-579DD6433F3F}"/>
+          <p:cNvPr id="41" name="Image 40">
+            <a:extLst>
+              <a:ext uri="{FF2B5EF4-FFF2-40B4-BE49-F238E27FC236}">
+                <a16:creationId xmlns:a16="http://schemas.microsoft.com/office/drawing/2014/main" id="{5735FC15-2EEE-4273-9597-4E16C7304F6B}"/>
               </a:ext>
             </a:extLst>
           </p:cNvPr>
@@ -7348,13 +8480,162 @@
           <p:nvPr/>
         </p:nvPicPr>
         <p:blipFill>
-          <a:blip r:embed="rId3">
+          <a:blip r:embed="rId3"/>
+          <a:stretch>
+            <a:fillRect/>
+          </a:stretch>
+        </p:blipFill>
+        <p:spPr>
+          <a:xfrm>
+            <a:off x="4448227" y="6238323"/>
+            <a:ext cx="447470" cy="447470"/>
+          </a:xfrm>
+          <a:prstGeom prst="rect">
+            <a:avLst/>
+          </a:prstGeom>
+        </p:spPr>
+      </p:pic>
+      <p:pic>
+        <p:nvPicPr>
+          <p:cNvPr id="42" name="Image 41">
+            <a:extLst>
+              <a:ext uri="{FF2B5EF4-FFF2-40B4-BE49-F238E27FC236}">
+                <a16:creationId xmlns:a16="http://schemas.microsoft.com/office/drawing/2014/main" id="{D4DC15FF-BB0C-4779-9D0C-D9F21E8FC5E0}"/>
+              </a:ext>
+            </a:extLst>
+          </p:cNvPr>
+          <p:cNvPicPr>
+            <a:picLocks noChangeAspect="1"/>
+          </p:cNvPicPr>
+          <p:nvPr/>
+        </p:nvPicPr>
+        <p:blipFill>
+          <a:blip r:embed="rId4"/>
+          <a:stretch>
+            <a:fillRect/>
+          </a:stretch>
+        </p:blipFill>
+        <p:spPr>
+          <a:xfrm>
+            <a:off x="5134495" y="6240632"/>
+            <a:ext cx="447470" cy="447470"/>
+          </a:xfrm>
+          <a:prstGeom prst="rect">
+            <a:avLst/>
+          </a:prstGeom>
+        </p:spPr>
+      </p:pic>
+      <p:pic>
+        <p:nvPicPr>
+          <p:cNvPr id="43" name="Image 42">
+            <a:extLst>
+              <a:ext uri="{FF2B5EF4-FFF2-40B4-BE49-F238E27FC236}">
+                <a16:creationId xmlns:a16="http://schemas.microsoft.com/office/drawing/2014/main" id="{86588978-7A4B-4D0A-9FBD-277FC902E7E8}"/>
+              </a:ext>
+            </a:extLst>
+          </p:cNvPr>
+          <p:cNvPicPr>
+            <a:picLocks noChangeAspect="1"/>
+          </p:cNvPicPr>
+          <p:nvPr/>
+        </p:nvPicPr>
+        <p:blipFill>
+          <a:blip r:embed="rId5"/>
+          <a:stretch>
+            <a:fillRect/>
+          </a:stretch>
+        </p:blipFill>
+        <p:spPr>
+          <a:xfrm>
+            <a:off x="5876934" y="6252662"/>
+            <a:ext cx="447470" cy="447470"/>
+          </a:xfrm>
+          <a:prstGeom prst="rect">
+            <a:avLst/>
+          </a:prstGeom>
+        </p:spPr>
+      </p:pic>
+      <p:pic>
+        <p:nvPicPr>
+          <p:cNvPr id="44" name="Image 43">
+            <a:extLst>
+              <a:ext uri="{FF2B5EF4-FFF2-40B4-BE49-F238E27FC236}">
+                <a16:creationId xmlns:a16="http://schemas.microsoft.com/office/drawing/2014/main" id="{E21ABFAD-9E60-4155-92EB-3B9765712D6A}"/>
+              </a:ext>
+            </a:extLst>
+          </p:cNvPr>
+          <p:cNvPicPr>
+            <a:picLocks noChangeAspect="1"/>
+          </p:cNvPicPr>
+          <p:nvPr/>
+        </p:nvPicPr>
+        <p:blipFill>
+          <a:blip r:embed="rId6"/>
+          <a:stretch>
+            <a:fillRect/>
+          </a:stretch>
+        </p:blipFill>
+        <p:spPr>
+          <a:xfrm>
+            <a:off x="6588407" y="6256657"/>
+            <a:ext cx="447470" cy="447470"/>
+          </a:xfrm>
+          <a:prstGeom prst="rect">
+            <a:avLst/>
+          </a:prstGeom>
+        </p:spPr>
+      </p:pic>
+      <p:pic>
+        <p:nvPicPr>
+          <p:cNvPr id="45" name="Image 44">
+            <a:hlinkClick r:id="rId7" action="ppaction://hlinksldjump"/>
+            <a:extLst>
+              <a:ext uri="{FF2B5EF4-FFF2-40B4-BE49-F238E27FC236}">
+                <a16:creationId xmlns:a16="http://schemas.microsoft.com/office/drawing/2014/main" id="{0E054CF7-87CD-41AB-B1E6-880622BC8455}"/>
+              </a:ext>
+            </a:extLst>
+          </p:cNvPr>
+          <p:cNvPicPr>
+            <a:picLocks noChangeAspect="1"/>
+          </p:cNvPicPr>
+          <p:nvPr/>
+        </p:nvPicPr>
+        <p:blipFill>
+          <a:blip r:embed="rId8"/>
+          <a:stretch>
+            <a:fillRect/>
+          </a:stretch>
+        </p:blipFill>
+        <p:spPr>
+          <a:xfrm>
+            <a:off x="7327158" y="6250133"/>
+            <a:ext cx="416610" cy="416610"/>
+          </a:xfrm>
+          <a:prstGeom prst="rect">
+            <a:avLst/>
+          </a:prstGeom>
+        </p:spPr>
+      </p:pic>
+      <p:pic>
+        <p:nvPicPr>
+          <p:cNvPr id="46" name="Image 45">
+            <a:hlinkClick r:id="rId2" action="ppaction://hlinksldjump"/>
+            <a:extLst>
+              <a:ext uri="{FF2B5EF4-FFF2-40B4-BE49-F238E27FC236}">
+                <a16:creationId xmlns:a16="http://schemas.microsoft.com/office/drawing/2014/main" id="{135CDA03-C506-4443-B83A-FA2DE234B6E3}"/>
+              </a:ext>
+            </a:extLst>
+          </p:cNvPr>
+          <p:cNvPicPr>
+            <a:picLocks noChangeAspect="1"/>
+          </p:cNvPicPr>
+          <p:nvPr/>
+        </p:nvPicPr>
+        <p:blipFill>
+          <a:blip r:embed="rId9">
             <a:extLst>
               <a:ext uri="{28A0092B-C50C-407E-A947-70E740481C1C}">
                 <a14:useLocalDpi xmlns:a14="http://schemas.microsoft.com/office/drawing/2010/main" val="0"/>
-              </a:ext>
-              <a:ext uri="{96DAC541-7B7A-43D3-8B79-37D633B846F1}">
-                <asvg:svgBlip xmlns:asvg="http://schemas.microsoft.com/office/drawing/2016/SVG/main" r:embed="rId4"/>
               </a:ext>
             </a:extLst>
           </a:blip>
@@ -7364,311 +8645,6 @@
         </p:blipFill>
         <p:spPr>
           <a:xfrm>
-            <a:off x="7373034" y="1551708"/>
-            <a:ext cx="193711" cy="193711"/>
-          </a:xfrm>
-          <a:prstGeom prst="rect">
-            <a:avLst/>
-          </a:prstGeom>
-        </p:spPr>
-      </p:pic>
-      <p:pic>
-        <p:nvPicPr>
-          <p:cNvPr id="37" name="Graphique 36" descr="Cœur">
-            <a:extLst>
-              <a:ext uri="{FF2B5EF4-FFF2-40B4-BE49-F238E27FC236}">
-                <a16:creationId xmlns:a16="http://schemas.microsoft.com/office/drawing/2014/main" id="{CF7F132F-8F28-4B84-919F-B417A0BAE31D}"/>
-              </a:ext>
-            </a:extLst>
-          </p:cNvPr>
-          <p:cNvPicPr>
-            <a:picLocks noChangeAspect="1"/>
-          </p:cNvPicPr>
-          <p:nvPr/>
-        </p:nvPicPr>
-        <p:blipFill>
-          <a:blip r:embed="rId5">
-            <a:extLst>
-              <a:ext uri="{28A0092B-C50C-407E-A947-70E740481C1C}">
-                <a14:useLocalDpi xmlns:a14="http://schemas.microsoft.com/office/drawing/2010/main" val="0"/>
-              </a:ext>
-              <a:ext uri="{96DAC541-7B7A-43D3-8B79-37D633B846F1}">
-                <asvg:svgBlip xmlns:asvg="http://schemas.microsoft.com/office/drawing/2016/SVG/main" r:embed="rId6"/>
-              </a:ext>
-            </a:extLst>
-          </a:blip>
-          <a:stretch>
-            <a:fillRect/>
-          </a:stretch>
-        </p:blipFill>
-        <p:spPr>
-          <a:xfrm>
-            <a:off x="7802658" y="1551708"/>
-            <a:ext cx="193711" cy="193711"/>
-          </a:xfrm>
-          <a:prstGeom prst="rect">
-            <a:avLst/>
-          </a:prstGeom>
-        </p:spPr>
-      </p:pic>
-      <p:pic>
-        <p:nvPicPr>
-          <p:cNvPr id="38" name="Graphique 37" descr="Cœur">
-            <a:extLst>
-              <a:ext uri="{FF2B5EF4-FFF2-40B4-BE49-F238E27FC236}">
-                <a16:creationId xmlns:a16="http://schemas.microsoft.com/office/drawing/2014/main" id="{484A1DFF-967A-4313-A867-8C942B7C019D}"/>
-              </a:ext>
-            </a:extLst>
-          </p:cNvPr>
-          <p:cNvPicPr>
-            <a:picLocks noChangeAspect="1"/>
-          </p:cNvPicPr>
-          <p:nvPr/>
-        </p:nvPicPr>
-        <p:blipFill>
-          <a:blip r:embed="rId3">
-            <a:extLst>
-              <a:ext uri="{28A0092B-C50C-407E-A947-70E740481C1C}">
-                <a14:useLocalDpi xmlns:a14="http://schemas.microsoft.com/office/drawing/2010/main" val="0"/>
-              </a:ext>
-              <a:ext uri="{96DAC541-7B7A-43D3-8B79-37D633B846F1}">
-                <asvg:svgBlip xmlns:asvg="http://schemas.microsoft.com/office/drawing/2016/SVG/main" r:embed="rId4"/>
-              </a:ext>
-            </a:extLst>
-          </a:blip>
-          <a:stretch>
-            <a:fillRect/>
-          </a:stretch>
-        </p:blipFill>
-        <p:spPr>
-          <a:xfrm>
-            <a:off x="7583228" y="1551708"/>
-            <a:ext cx="193711" cy="193711"/>
-          </a:xfrm>
-          <a:prstGeom prst="rect">
-            <a:avLst/>
-          </a:prstGeom>
-        </p:spPr>
-      </p:pic>
-      <p:pic>
-        <p:nvPicPr>
-          <p:cNvPr id="39" name="Graphique 38" descr="Cœur">
-            <a:extLst>
-              <a:ext uri="{FF2B5EF4-FFF2-40B4-BE49-F238E27FC236}">
-                <a16:creationId xmlns:a16="http://schemas.microsoft.com/office/drawing/2014/main" id="{422C1BC6-C9C7-44C2-92A9-79CCED6663B5}"/>
-              </a:ext>
-            </a:extLst>
-          </p:cNvPr>
-          <p:cNvPicPr>
-            <a:picLocks noChangeAspect="1"/>
-          </p:cNvPicPr>
-          <p:nvPr/>
-        </p:nvPicPr>
-        <p:blipFill>
-          <a:blip r:embed="rId7">
-            <a:extLst>
-              <a:ext uri="{28A0092B-C50C-407E-A947-70E740481C1C}">
-                <a14:useLocalDpi xmlns:a14="http://schemas.microsoft.com/office/drawing/2010/main" val="0"/>
-              </a:ext>
-              <a:ext uri="{96DAC541-7B7A-43D3-8B79-37D633B846F1}">
-                <asvg:svgBlip xmlns:asvg="http://schemas.microsoft.com/office/drawing/2016/SVG/main" r:embed="rId8"/>
-              </a:ext>
-            </a:extLst>
-          </a:blip>
-          <a:stretch>
-            <a:fillRect/>
-          </a:stretch>
-        </p:blipFill>
-        <p:spPr>
-          <a:xfrm>
-            <a:off x="8017422" y="1551708"/>
-            <a:ext cx="193711" cy="193711"/>
-          </a:xfrm>
-          <a:prstGeom prst="rect">
-            <a:avLst/>
-          </a:prstGeom>
-        </p:spPr>
-      </p:pic>
-      <p:pic>
-        <p:nvPicPr>
-          <p:cNvPr id="41" name="Image 40">
-            <a:extLst>
-              <a:ext uri="{FF2B5EF4-FFF2-40B4-BE49-F238E27FC236}">
-                <a16:creationId xmlns:a16="http://schemas.microsoft.com/office/drawing/2014/main" id="{5735FC15-2EEE-4273-9597-4E16C7304F6B}"/>
-              </a:ext>
-            </a:extLst>
-          </p:cNvPr>
-          <p:cNvPicPr>
-            <a:picLocks noChangeAspect="1"/>
-          </p:cNvPicPr>
-          <p:nvPr/>
-        </p:nvPicPr>
-        <p:blipFill>
-          <a:blip r:embed="rId9"/>
-          <a:stretch>
-            <a:fillRect/>
-          </a:stretch>
-        </p:blipFill>
-        <p:spPr>
-          <a:xfrm>
-            <a:off x="4448227" y="6238323"/>
-            <a:ext cx="447470" cy="447470"/>
-          </a:xfrm>
-          <a:prstGeom prst="rect">
-            <a:avLst/>
-          </a:prstGeom>
-        </p:spPr>
-      </p:pic>
-      <p:pic>
-        <p:nvPicPr>
-          <p:cNvPr id="42" name="Image 41">
-            <a:extLst>
-              <a:ext uri="{FF2B5EF4-FFF2-40B4-BE49-F238E27FC236}">
-                <a16:creationId xmlns:a16="http://schemas.microsoft.com/office/drawing/2014/main" id="{D4DC15FF-BB0C-4779-9D0C-D9F21E8FC5E0}"/>
-              </a:ext>
-            </a:extLst>
-          </p:cNvPr>
-          <p:cNvPicPr>
-            <a:picLocks noChangeAspect="1"/>
-          </p:cNvPicPr>
-          <p:nvPr/>
-        </p:nvPicPr>
-        <p:blipFill>
-          <a:blip r:embed="rId10"/>
-          <a:stretch>
-            <a:fillRect/>
-          </a:stretch>
-        </p:blipFill>
-        <p:spPr>
-          <a:xfrm>
-            <a:off x="5134495" y="6240632"/>
-            <a:ext cx="447470" cy="447470"/>
-          </a:xfrm>
-          <a:prstGeom prst="rect">
-            <a:avLst/>
-          </a:prstGeom>
-        </p:spPr>
-      </p:pic>
-      <p:pic>
-        <p:nvPicPr>
-          <p:cNvPr id="43" name="Image 42">
-            <a:extLst>
-              <a:ext uri="{FF2B5EF4-FFF2-40B4-BE49-F238E27FC236}">
-                <a16:creationId xmlns:a16="http://schemas.microsoft.com/office/drawing/2014/main" id="{86588978-7A4B-4D0A-9FBD-277FC902E7E8}"/>
-              </a:ext>
-            </a:extLst>
-          </p:cNvPr>
-          <p:cNvPicPr>
-            <a:picLocks noChangeAspect="1"/>
-          </p:cNvPicPr>
-          <p:nvPr/>
-        </p:nvPicPr>
-        <p:blipFill>
-          <a:blip r:embed="rId11"/>
-          <a:stretch>
-            <a:fillRect/>
-          </a:stretch>
-        </p:blipFill>
-        <p:spPr>
-          <a:xfrm>
-            <a:off x="5876934" y="6252662"/>
-            <a:ext cx="447470" cy="447470"/>
-          </a:xfrm>
-          <a:prstGeom prst="rect">
-            <a:avLst/>
-          </a:prstGeom>
-        </p:spPr>
-      </p:pic>
-      <p:pic>
-        <p:nvPicPr>
-          <p:cNvPr id="44" name="Image 43">
-            <a:extLst>
-              <a:ext uri="{FF2B5EF4-FFF2-40B4-BE49-F238E27FC236}">
-                <a16:creationId xmlns:a16="http://schemas.microsoft.com/office/drawing/2014/main" id="{E21ABFAD-9E60-4155-92EB-3B9765712D6A}"/>
-              </a:ext>
-            </a:extLst>
-          </p:cNvPr>
-          <p:cNvPicPr>
-            <a:picLocks noChangeAspect="1"/>
-          </p:cNvPicPr>
-          <p:nvPr/>
-        </p:nvPicPr>
-        <p:blipFill>
-          <a:blip r:embed="rId12"/>
-          <a:stretch>
-            <a:fillRect/>
-          </a:stretch>
-        </p:blipFill>
-        <p:spPr>
-          <a:xfrm>
-            <a:off x="6588407" y="6256657"/>
-            <a:ext cx="447470" cy="447470"/>
-          </a:xfrm>
-          <a:prstGeom prst="rect">
-            <a:avLst/>
-          </a:prstGeom>
-        </p:spPr>
-      </p:pic>
-      <p:pic>
-        <p:nvPicPr>
-          <p:cNvPr id="45" name="Image 44">
-            <a:hlinkClick r:id="rId13" action="ppaction://hlinksldjump"/>
-            <a:extLst>
-              <a:ext uri="{FF2B5EF4-FFF2-40B4-BE49-F238E27FC236}">
-                <a16:creationId xmlns:a16="http://schemas.microsoft.com/office/drawing/2014/main" id="{0E054CF7-87CD-41AB-B1E6-880622BC8455}"/>
-              </a:ext>
-            </a:extLst>
-          </p:cNvPr>
-          <p:cNvPicPr>
-            <a:picLocks noChangeAspect="1"/>
-          </p:cNvPicPr>
-          <p:nvPr/>
-        </p:nvPicPr>
-        <p:blipFill>
-          <a:blip r:embed="rId14"/>
-          <a:stretch>
-            <a:fillRect/>
-          </a:stretch>
-        </p:blipFill>
-        <p:spPr>
-          <a:xfrm>
-            <a:off x="7327158" y="6250133"/>
-            <a:ext cx="416610" cy="416610"/>
-          </a:xfrm>
-          <a:prstGeom prst="rect">
-            <a:avLst/>
-          </a:prstGeom>
-        </p:spPr>
-      </p:pic>
-      <p:pic>
-        <p:nvPicPr>
-          <p:cNvPr id="46" name="Image 45">
-            <a:hlinkClick r:id="rId2" action="ppaction://hlinksldjump"/>
-            <a:extLst>
-              <a:ext uri="{FF2B5EF4-FFF2-40B4-BE49-F238E27FC236}">
-                <a16:creationId xmlns:a16="http://schemas.microsoft.com/office/drawing/2014/main" id="{135CDA03-C506-4443-B83A-FA2DE234B6E3}"/>
-              </a:ext>
-            </a:extLst>
-          </p:cNvPr>
-          <p:cNvPicPr>
-            <a:picLocks noChangeAspect="1"/>
-          </p:cNvPicPr>
-          <p:nvPr/>
-        </p:nvPicPr>
-        <p:blipFill>
-          <a:blip r:embed="rId15">
-            <a:extLst>
-              <a:ext uri="{28A0092B-C50C-407E-A947-70E740481C1C}">
-                <a14:useLocalDpi xmlns:a14="http://schemas.microsoft.com/office/drawing/2010/main" val="0"/>
-              </a:ext>
-            </a:extLst>
-          </a:blip>
-          <a:stretch>
-            <a:fillRect/>
-          </a:stretch>
-        </p:blipFill>
-        <p:spPr>
-          <a:xfrm>
             <a:off x="353545" y="0"/>
             <a:ext cx="2031746" cy="914286"/>
           </a:xfrm>
@@ -7692,7 +8668,7 @@
           <p:nvPr/>
         </p:nvPicPr>
         <p:blipFill>
-          <a:blip r:embed="rId16">
+          <a:blip r:embed="rId10">
             <a:extLst>
               <a:ext uri="{28A0092B-C50C-407E-A947-70E740481C1C}">
                 <a14:useLocalDpi xmlns:a14="http://schemas.microsoft.com/office/drawing/2010/main" val="0"/>
@@ -7918,7 +8894,7 @@
       <p:sp>
         <p:nvSpPr>
           <p:cNvPr id="31" name="ZoneTexte 30">
-            <a:hlinkClick r:id="rId17" action="ppaction://hlinksldjump"/>
+            <a:hlinkClick r:id="rId11" action="ppaction://hlinksldjump"/>
             <a:extLst>
               <a:ext uri="{FF2B5EF4-FFF2-40B4-BE49-F238E27FC236}">
                 <a16:creationId xmlns:a16="http://schemas.microsoft.com/office/drawing/2014/main" id="{B83C4145-227D-494D-92B3-3B13A59D1D43}"/>
@@ -7954,6 +8930,378 @@
                 </a:solidFill>
               </a:rPr>
               <a:t>Panier</a:t>
+            </a:r>
+          </a:p>
+        </p:txBody>
+      </p:sp>
+      <p:sp>
+        <p:nvSpPr>
+          <p:cNvPr id="34" name="ZoneTexte 33">
+            <a:extLst>
+              <a:ext uri="{FF2B5EF4-FFF2-40B4-BE49-F238E27FC236}">
+                <a16:creationId xmlns:a16="http://schemas.microsoft.com/office/drawing/2014/main" id="{AD693088-BE1E-4528-B584-BC3618537211}"/>
+              </a:ext>
+            </a:extLst>
+          </p:cNvPr>
+          <p:cNvSpPr txBox="1"/>
+          <p:nvPr/>
+        </p:nvSpPr>
+        <p:spPr>
+          <a:xfrm>
+            <a:off x="6195462" y="1485913"/>
+            <a:ext cx="1459015" cy="400110"/>
+          </a:xfrm>
+          <a:prstGeom prst="rect">
+            <a:avLst/>
+          </a:prstGeom>
+          <a:noFill/>
+        </p:spPr>
+        <p:txBody>
+          <a:bodyPr wrap="square" rtlCol="0">
+            <a:spAutoFit/>
+          </a:bodyPr>
+          <a:lstStyle/>
+          <a:p>
+            <a:r>
+              <a:rPr lang="fr-FR" sz="2000" b="1" dirty="0">
+                <a:solidFill>
+                  <a:srgbClr val="7030A0"/>
+                </a:solidFill>
+              </a:rPr>
+              <a:t>Gustav</a:t>
+            </a:r>
+          </a:p>
+        </p:txBody>
+      </p:sp>
+      <p:sp>
+        <p:nvSpPr>
+          <p:cNvPr id="35" name="ZoneTexte 34">
+            <a:extLst>
+              <a:ext uri="{FF2B5EF4-FFF2-40B4-BE49-F238E27FC236}">
+                <a16:creationId xmlns:a16="http://schemas.microsoft.com/office/drawing/2014/main" id="{73D406C9-D5C2-48A9-A3F7-FB5D33E9D3DA}"/>
+              </a:ext>
+            </a:extLst>
+          </p:cNvPr>
+          <p:cNvSpPr txBox="1"/>
+          <p:nvPr/>
+        </p:nvSpPr>
+        <p:spPr>
+          <a:xfrm>
+            <a:off x="6192988" y="1886023"/>
+            <a:ext cx="2849519" cy="954107"/>
+          </a:xfrm>
+          <a:prstGeom prst="rect">
+            <a:avLst/>
+          </a:prstGeom>
+          <a:noFill/>
+        </p:spPr>
+        <p:txBody>
+          <a:bodyPr wrap="square">
+            <a:spAutoFit/>
+          </a:bodyPr>
+          <a:lstStyle/>
+          <a:p>
+            <a:r>
+              <a:rPr lang="fr-FR" sz="1400" dirty="0">
+                <a:solidFill>
+                  <a:srgbClr val="7030A0"/>
+                </a:solidFill>
+              </a:rPr>
+              <a:t>Lorem ipsum </a:t>
+            </a:r>
+            <a:r>
+              <a:rPr lang="fr-FR" sz="1400" dirty="0" err="1">
+                <a:solidFill>
+                  <a:srgbClr val="7030A0"/>
+                </a:solidFill>
+              </a:rPr>
+              <a:t>dolor</a:t>
+            </a:r>
+            <a:r>
+              <a:rPr lang="fr-FR" sz="1400" dirty="0">
+                <a:solidFill>
+                  <a:srgbClr val="7030A0"/>
+                </a:solidFill>
+              </a:rPr>
+              <a:t> </a:t>
+            </a:r>
+            <a:r>
+              <a:rPr lang="fr-FR" sz="1400" dirty="0" err="1">
+                <a:solidFill>
+                  <a:srgbClr val="7030A0"/>
+                </a:solidFill>
+              </a:rPr>
+              <a:t>sit</a:t>
+            </a:r>
+            <a:r>
+              <a:rPr lang="fr-FR" sz="1400" dirty="0">
+                <a:solidFill>
+                  <a:srgbClr val="7030A0"/>
+                </a:solidFill>
+              </a:rPr>
+              <a:t> </a:t>
+            </a:r>
+            <a:r>
+              <a:rPr lang="fr-FR" sz="1400" dirty="0" err="1">
+                <a:solidFill>
+                  <a:srgbClr val="7030A0"/>
+                </a:solidFill>
+              </a:rPr>
+              <a:t>amet</a:t>
+            </a:r>
+            <a:r>
+              <a:rPr lang="fr-FR" sz="1400" dirty="0">
+                <a:solidFill>
+                  <a:srgbClr val="7030A0"/>
+                </a:solidFill>
+              </a:rPr>
+              <a:t>, </a:t>
+            </a:r>
+            <a:r>
+              <a:rPr lang="fr-FR" sz="1400" dirty="0" err="1">
+                <a:solidFill>
+                  <a:srgbClr val="7030A0"/>
+                </a:solidFill>
+              </a:rPr>
+              <a:t>consectetur</a:t>
+            </a:r>
+            <a:r>
+              <a:rPr lang="fr-FR" sz="1400" dirty="0">
+                <a:solidFill>
+                  <a:srgbClr val="7030A0"/>
+                </a:solidFill>
+              </a:rPr>
+              <a:t> </a:t>
+            </a:r>
+            <a:r>
+              <a:rPr lang="fr-FR" sz="1400" dirty="0" err="1">
+                <a:solidFill>
+                  <a:srgbClr val="7030A0"/>
+                </a:solidFill>
+              </a:rPr>
+              <a:t>adipisicing</a:t>
+            </a:r>
+            <a:r>
+              <a:rPr lang="fr-FR" sz="1400" dirty="0">
+                <a:solidFill>
+                  <a:srgbClr val="7030A0"/>
+                </a:solidFill>
+              </a:rPr>
+              <a:t> </a:t>
+            </a:r>
+            <a:r>
+              <a:rPr lang="fr-FR" sz="1400" dirty="0" err="1">
+                <a:solidFill>
+                  <a:srgbClr val="7030A0"/>
+                </a:solidFill>
+              </a:rPr>
+              <a:t>elit</a:t>
+            </a:r>
+            <a:r>
+              <a:rPr lang="fr-FR" sz="1400" dirty="0">
+                <a:solidFill>
+                  <a:srgbClr val="7030A0"/>
+                </a:solidFill>
+              </a:rPr>
+              <a:t>, </a:t>
+            </a:r>
+            <a:r>
+              <a:rPr lang="fr-FR" sz="1400" dirty="0" err="1">
+                <a:solidFill>
+                  <a:srgbClr val="7030A0"/>
+                </a:solidFill>
+              </a:rPr>
+              <a:t>sed</a:t>
+            </a:r>
+            <a:r>
+              <a:rPr lang="fr-FR" sz="1400" dirty="0">
+                <a:solidFill>
+                  <a:srgbClr val="7030A0"/>
+                </a:solidFill>
+              </a:rPr>
+              <a:t> do </a:t>
+            </a:r>
+            <a:r>
+              <a:rPr lang="fr-FR" sz="1400" dirty="0" err="1">
+                <a:solidFill>
+                  <a:srgbClr val="7030A0"/>
+                </a:solidFill>
+              </a:rPr>
+              <a:t>eiusmod</a:t>
+            </a:r>
+            <a:r>
+              <a:rPr lang="fr-FR" sz="1400" dirty="0">
+                <a:solidFill>
+                  <a:srgbClr val="7030A0"/>
+                </a:solidFill>
+              </a:rPr>
+              <a:t> </a:t>
+            </a:r>
+            <a:r>
+              <a:rPr lang="fr-FR" sz="1400" dirty="0" err="1">
+                <a:solidFill>
+                  <a:srgbClr val="7030A0"/>
+                </a:solidFill>
+              </a:rPr>
+              <a:t>tempor</a:t>
+            </a:r>
+            <a:r>
+              <a:rPr lang="fr-FR" sz="1400" dirty="0">
+                <a:solidFill>
+                  <a:srgbClr val="7030A0"/>
+                </a:solidFill>
+              </a:rPr>
+              <a:t> </a:t>
+            </a:r>
+            <a:r>
+              <a:rPr lang="fr-FR" sz="1400" dirty="0" err="1">
+                <a:solidFill>
+                  <a:srgbClr val="7030A0"/>
+                </a:solidFill>
+              </a:rPr>
+              <a:t>incididunt</a:t>
+            </a:r>
+            <a:r>
+              <a:rPr lang="fr-FR" sz="1400" dirty="0">
+                <a:solidFill>
+                  <a:srgbClr val="7030A0"/>
+                </a:solidFill>
+              </a:rPr>
+              <a:t> ut </a:t>
+            </a:r>
+            <a:r>
+              <a:rPr lang="fr-FR" sz="1400" dirty="0" err="1">
+                <a:solidFill>
+                  <a:srgbClr val="7030A0"/>
+                </a:solidFill>
+              </a:rPr>
+              <a:t>labore</a:t>
+            </a:r>
+            <a:r>
+              <a:rPr lang="fr-FR" sz="1400" dirty="0">
+                <a:solidFill>
+                  <a:srgbClr val="7030A0"/>
+                </a:solidFill>
+              </a:rPr>
+              <a:t> et </a:t>
+            </a:r>
+            <a:r>
+              <a:rPr lang="fr-FR" sz="1400" dirty="0" err="1">
+                <a:solidFill>
+                  <a:srgbClr val="7030A0"/>
+                </a:solidFill>
+              </a:rPr>
+              <a:t>dolore</a:t>
+            </a:r>
+            <a:r>
+              <a:rPr lang="fr-FR" sz="1400" dirty="0">
+                <a:solidFill>
+                  <a:srgbClr val="7030A0"/>
+                </a:solidFill>
+              </a:rPr>
+              <a:t> magna </a:t>
+            </a:r>
+            <a:r>
+              <a:rPr lang="fr-FR" sz="1400" dirty="0" err="1">
+                <a:solidFill>
+                  <a:srgbClr val="7030A0"/>
+                </a:solidFill>
+              </a:rPr>
+              <a:t>aliqua</a:t>
+            </a:r>
+            <a:r>
+              <a:rPr lang="fr-FR" sz="1400" dirty="0">
+                <a:solidFill>
+                  <a:srgbClr val="7030A0"/>
+                </a:solidFill>
+              </a:rPr>
+              <a:t>.</a:t>
+            </a:r>
+          </a:p>
+        </p:txBody>
+      </p:sp>
+      <p:sp>
+        <p:nvSpPr>
+          <p:cNvPr id="47" name="ZoneTexte 46">
+            <a:extLst>
+              <a:ext uri="{FF2B5EF4-FFF2-40B4-BE49-F238E27FC236}">
+                <a16:creationId xmlns:a16="http://schemas.microsoft.com/office/drawing/2014/main" id="{D920B7D7-9218-4C78-89F6-80BA20A35B3A}"/>
+              </a:ext>
+            </a:extLst>
+          </p:cNvPr>
+          <p:cNvSpPr txBox="1"/>
+          <p:nvPr/>
+        </p:nvSpPr>
+        <p:spPr>
+          <a:xfrm>
+            <a:off x="6195461" y="3111560"/>
+            <a:ext cx="1459015" cy="400110"/>
+          </a:xfrm>
+          <a:prstGeom prst="rect">
+            <a:avLst/>
+          </a:prstGeom>
+          <a:noFill/>
+        </p:spPr>
+        <p:txBody>
+          <a:bodyPr wrap="square" rtlCol="0">
+            <a:spAutoFit/>
+          </a:bodyPr>
+          <a:lstStyle/>
+          <a:p>
+            <a:r>
+              <a:rPr lang="fr-FR" sz="2000" b="1" dirty="0">
+                <a:solidFill>
+                  <a:srgbClr val="7030A0"/>
+                </a:solidFill>
+              </a:rPr>
+              <a:t>45 € </a:t>
+            </a:r>
+            <a:r>
+              <a:rPr lang="fr-FR" sz="2000" b="1" baseline="30000" dirty="0">
+                <a:solidFill>
+                  <a:srgbClr val="7030A0"/>
+                </a:solidFill>
+              </a:rPr>
+              <a:t>00</a:t>
+            </a:r>
+          </a:p>
+        </p:txBody>
+      </p:sp>
+      <p:sp>
+        <p:nvSpPr>
+          <p:cNvPr id="48" name="ZoneTexte 47">
+            <a:extLst>
+              <a:ext uri="{FF2B5EF4-FFF2-40B4-BE49-F238E27FC236}">
+                <a16:creationId xmlns:a16="http://schemas.microsoft.com/office/drawing/2014/main" id="{C6DF9C8A-1968-4608-9741-ABC886877AF6}"/>
+              </a:ext>
+            </a:extLst>
+          </p:cNvPr>
+          <p:cNvSpPr txBox="1"/>
+          <p:nvPr/>
+        </p:nvSpPr>
+        <p:spPr>
+          <a:xfrm>
+            <a:off x="6224120" y="2840400"/>
+            <a:ext cx="2849519" cy="307777"/>
+          </a:xfrm>
+          <a:prstGeom prst="rect">
+            <a:avLst/>
+          </a:prstGeom>
+          <a:noFill/>
+        </p:spPr>
+        <p:txBody>
+          <a:bodyPr wrap="square">
+            <a:spAutoFit/>
+          </a:bodyPr>
+          <a:lstStyle/>
+          <a:p>
+            <a:r>
+              <a:rPr lang="fr-FR" sz="1400" dirty="0">
+                <a:solidFill>
+                  <a:srgbClr val="7030A0"/>
+                </a:solidFill>
+              </a:rPr>
+              <a:t>5beaabe91c9d440000a57d96</a:t>
             </a:r>
           </a:p>
         </p:txBody>
@@ -8100,262 +9448,12 @@
           </a:p>
         </p:txBody>
       </p:sp>
-      <p:sp>
-        <p:nvSpPr>
-          <p:cNvPr id="27" name="ZoneTexte 26">
-            <a:extLst>
-              <a:ext uri="{FF2B5EF4-FFF2-40B4-BE49-F238E27FC236}">
-                <a16:creationId xmlns:a16="http://schemas.microsoft.com/office/drawing/2014/main" id="{321E3CD1-81EF-4064-89CE-8B7FD518F03C}"/>
-              </a:ext>
-            </a:extLst>
-          </p:cNvPr>
-          <p:cNvSpPr txBox="1"/>
-          <p:nvPr/>
-        </p:nvSpPr>
-        <p:spPr>
-          <a:xfrm>
-            <a:off x="6195462" y="1439733"/>
-            <a:ext cx="1459015" cy="400110"/>
-          </a:xfrm>
-          <a:prstGeom prst="rect">
-            <a:avLst/>
-          </a:prstGeom>
-          <a:noFill/>
-        </p:spPr>
-        <p:txBody>
-          <a:bodyPr wrap="square" rtlCol="0">
-            <a:spAutoFit/>
-          </a:bodyPr>
-          <a:lstStyle/>
-          <a:p>
-            <a:r>
-              <a:rPr lang="fr-FR" sz="2000" b="1" dirty="0" err="1">
-                <a:solidFill>
-                  <a:srgbClr val="7030A0"/>
-                </a:solidFill>
-              </a:rPr>
-              <a:t>Touseul</a:t>
-            </a:r>
-            <a:endParaRPr lang="fr-FR" sz="2000" b="1" dirty="0">
-              <a:solidFill>
-                <a:srgbClr val="7030A0"/>
-              </a:solidFill>
-            </a:endParaRPr>
-          </a:p>
-        </p:txBody>
-      </p:sp>
-      <p:sp>
-        <p:nvSpPr>
-          <p:cNvPr id="28" name="ZoneTexte 27">
-            <a:extLst>
-              <a:ext uri="{FF2B5EF4-FFF2-40B4-BE49-F238E27FC236}">
-                <a16:creationId xmlns:a16="http://schemas.microsoft.com/office/drawing/2014/main" id="{6D143475-B7B2-4715-AE26-ABE7FE72A797}"/>
-              </a:ext>
-            </a:extLst>
-          </p:cNvPr>
-          <p:cNvSpPr txBox="1"/>
-          <p:nvPr/>
-        </p:nvSpPr>
-        <p:spPr>
-          <a:xfrm>
-            <a:off x="6192988" y="1839843"/>
-            <a:ext cx="2849519" cy="523220"/>
-          </a:xfrm>
-          <a:prstGeom prst="rect">
-            <a:avLst/>
-          </a:prstGeom>
-          <a:noFill/>
-        </p:spPr>
-        <p:txBody>
-          <a:bodyPr wrap="square">
-            <a:spAutoFit/>
-          </a:bodyPr>
-          <a:lstStyle/>
-          <a:p>
-            <a:r>
-              <a:rPr lang="fr-FR" sz="1400" dirty="0" err="1">
-                <a:solidFill>
-                  <a:srgbClr val="7030A0"/>
-                </a:solidFill>
-              </a:rPr>
-              <a:t>iioriiiiirrifnoirae</a:t>
-            </a:r>
-            <a:r>
-              <a:rPr lang="fr-FR" sz="1400" dirty="0">
-                <a:solidFill>
-                  <a:srgbClr val="7030A0"/>
-                </a:solidFill>
-              </a:rPr>
-              <a:t> </a:t>
-            </a:r>
-            <a:r>
-              <a:rPr lang="fr-FR" sz="1400" dirty="0" err="1">
-                <a:solidFill>
-                  <a:srgbClr val="7030A0"/>
-                </a:solidFill>
-              </a:rPr>
-              <a:t>noerah</a:t>
-            </a:r>
-            <a:r>
-              <a:rPr lang="fr-FR" sz="1400" dirty="0">
-                <a:solidFill>
-                  <a:srgbClr val="7030A0"/>
-                </a:solidFill>
-              </a:rPr>
-              <a:t> </a:t>
-            </a:r>
-            <a:r>
-              <a:rPr lang="fr-FR" sz="1400" dirty="0" err="1">
-                <a:solidFill>
-                  <a:srgbClr val="7030A0"/>
-                </a:solidFill>
-              </a:rPr>
-              <a:t>naouerhg</a:t>
-            </a:r>
-            <a:r>
-              <a:rPr lang="fr-FR" sz="1400" dirty="0">
-                <a:solidFill>
-                  <a:srgbClr val="7030A0"/>
-                </a:solidFill>
-              </a:rPr>
-              <a:t> </a:t>
-            </a:r>
-            <a:r>
-              <a:rPr lang="fr-FR" sz="1400" dirty="0" err="1">
-                <a:solidFill>
-                  <a:srgbClr val="7030A0"/>
-                </a:solidFill>
-              </a:rPr>
-              <a:t>poerigj</a:t>
-            </a:r>
-            <a:r>
-              <a:rPr lang="fr-FR" sz="1400" dirty="0">
-                <a:solidFill>
-                  <a:srgbClr val="7030A0"/>
-                </a:solidFill>
-              </a:rPr>
-              <a:t> </a:t>
-            </a:r>
-            <a:r>
-              <a:rPr lang="fr-FR" sz="1400" dirty="0" err="1">
-                <a:solidFill>
-                  <a:srgbClr val="7030A0"/>
-                </a:solidFill>
-              </a:rPr>
-              <a:t>naeriga</a:t>
-            </a:r>
-            <a:r>
-              <a:rPr lang="fr-FR" sz="1400" dirty="0">
-                <a:solidFill>
-                  <a:srgbClr val="7030A0"/>
-                </a:solidFill>
-              </a:rPr>
-              <a:t> </a:t>
-            </a:r>
-            <a:r>
-              <a:rPr lang="fr-FR" sz="1400" dirty="0" err="1">
-                <a:solidFill>
-                  <a:srgbClr val="7030A0"/>
-                </a:solidFill>
-              </a:rPr>
-              <a:t>nareig</a:t>
-            </a:r>
-            <a:r>
-              <a:rPr lang="fr-FR" sz="1400" dirty="0">
-                <a:solidFill>
-                  <a:srgbClr val="7030A0"/>
-                </a:solidFill>
-              </a:rPr>
-              <a:t> </a:t>
-            </a:r>
-            <a:r>
-              <a:rPr lang="fr-FR" sz="1400" dirty="0" err="1">
-                <a:solidFill>
-                  <a:srgbClr val="7030A0"/>
-                </a:solidFill>
-              </a:rPr>
-              <a:t>nrugh</a:t>
-            </a:r>
-            <a:r>
-              <a:rPr lang="fr-FR" sz="1400" dirty="0">
-                <a:solidFill>
-                  <a:srgbClr val="7030A0"/>
-                </a:solidFill>
-              </a:rPr>
-              <a:t> </a:t>
-            </a:r>
-            <a:r>
-              <a:rPr lang="fr-FR" sz="1400" dirty="0" err="1">
-                <a:solidFill>
-                  <a:srgbClr val="7030A0"/>
-                </a:solidFill>
-              </a:rPr>
-              <a:t>norghn</a:t>
-            </a:r>
-            <a:r>
-              <a:rPr lang="fr-FR" sz="1400" dirty="0">
-                <a:solidFill>
-                  <a:srgbClr val="7030A0"/>
-                </a:solidFill>
-              </a:rPr>
-              <a:t> </a:t>
-            </a:r>
-          </a:p>
-        </p:txBody>
-      </p:sp>
-      <p:sp>
-        <p:nvSpPr>
-          <p:cNvPr id="29" name="ZoneTexte 28">
-            <a:extLst>
-              <a:ext uri="{FF2B5EF4-FFF2-40B4-BE49-F238E27FC236}">
-                <a16:creationId xmlns:a16="http://schemas.microsoft.com/office/drawing/2014/main" id="{E889C36D-B1EE-4799-BC61-0D228ADB6D39}"/>
-              </a:ext>
-            </a:extLst>
-          </p:cNvPr>
-          <p:cNvSpPr txBox="1"/>
-          <p:nvPr/>
-        </p:nvSpPr>
-        <p:spPr>
-          <a:xfrm>
-            <a:off x="6195462" y="2578887"/>
-            <a:ext cx="1459015" cy="400110"/>
-          </a:xfrm>
-          <a:prstGeom prst="rect">
-            <a:avLst/>
-          </a:prstGeom>
-          <a:noFill/>
-        </p:spPr>
-        <p:txBody>
-          <a:bodyPr wrap="square" rtlCol="0">
-            <a:spAutoFit/>
-          </a:bodyPr>
-          <a:lstStyle/>
-          <a:p>
-            <a:r>
-              <a:rPr lang="fr-FR" sz="2000" b="1" dirty="0">
-                <a:solidFill>
-                  <a:srgbClr val="7030A0"/>
-                </a:solidFill>
-              </a:rPr>
-              <a:t>32 € </a:t>
-            </a:r>
-            <a:r>
-              <a:rPr lang="fr-FR" sz="2000" b="1" baseline="30000" dirty="0">
-                <a:solidFill>
-                  <a:srgbClr val="7030A0"/>
-                </a:solidFill>
-              </a:rPr>
-              <a:t>00</a:t>
-            </a:r>
-          </a:p>
-        </p:txBody>
-      </p:sp>
       <p:pic>
         <p:nvPicPr>
-          <p:cNvPr id="36" name="Graphique 35" descr="Cœur">
-            <a:extLst>
-              <a:ext uri="{FF2B5EF4-FFF2-40B4-BE49-F238E27FC236}">
-                <a16:creationId xmlns:a16="http://schemas.microsoft.com/office/drawing/2014/main" id="{D49F5ACB-EC68-439B-B99B-579DD6433F3F}"/>
+          <p:cNvPr id="41" name="Image 40">
+            <a:extLst>
+              <a:ext uri="{FF2B5EF4-FFF2-40B4-BE49-F238E27FC236}">
+                <a16:creationId xmlns:a16="http://schemas.microsoft.com/office/drawing/2014/main" id="{5735FC15-2EEE-4273-9597-4E16C7304F6B}"/>
               </a:ext>
             </a:extLst>
           </p:cNvPr>
@@ -8365,13 +9463,161 @@
           <p:nvPr/>
         </p:nvPicPr>
         <p:blipFill>
-          <a:blip r:embed="rId2">
+          <a:blip r:embed="rId2"/>
+          <a:stretch>
+            <a:fillRect/>
+          </a:stretch>
+        </p:blipFill>
+        <p:spPr>
+          <a:xfrm>
+            <a:off x="4448227" y="6238323"/>
+            <a:ext cx="447470" cy="447470"/>
+          </a:xfrm>
+          <a:prstGeom prst="rect">
+            <a:avLst/>
+          </a:prstGeom>
+        </p:spPr>
+      </p:pic>
+      <p:pic>
+        <p:nvPicPr>
+          <p:cNvPr id="42" name="Image 41">
+            <a:extLst>
+              <a:ext uri="{FF2B5EF4-FFF2-40B4-BE49-F238E27FC236}">
+                <a16:creationId xmlns:a16="http://schemas.microsoft.com/office/drawing/2014/main" id="{D4DC15FF-BB0C-4779-9D0C-D9F21E8FC5E0}"/>
+              </a:ext>
+            </a:extLst>
+          </p:cNvPr>
+          <p:cNvPicPr>
+            <a:picLocks noChangeAspect="1"/>
+          </p:cNvPicPr>
+          <p:nvPr/>
+        </p:nvPicPr>
+        <p:blipFill>
+          <a:blip r:embed="rId3"/>
+          <a:stretch>
+            <a:fillRect/>
+          </a:stretch>
+        </p:blipFill>
+        <p:spPr>
+          <a:xfrm>
+            <a:off x="5134495" y="6240632"/>
+            <a:ext cx="447470" cy="447470"/>
+          </a:xfrm>
+          <a:prstGeom prst="rect">
+            <a:avLst/>
+          </a:prstGeom>
+        </p:spPr>
+      </p:pic>
+      <p:pic>
+        <p:nvPicPr>
+          <p:cNvPr id="43" name="Image 42">
+            <a:extLst>
+              <a:ext uri="{FF2B5EF4-FFF2-40B4-BE49-F238E27FC236}">
+                <a16:creationId xmlns:a16="http://schemas.microsoft.com/office/drawing/2014/main" id="{86588978-7A4B-4D0A-9FBD-277FC902E7E8}"/>
+              </a:ext>
+            </a:extLst>
+          </p:cNvPr>
+          <p:cNvPicPr>
+            <a:picLocks noChangeAspect="1"/>
+          </p:cNvPicPr>
+          <p:nvPr/>
+        </p:nvPicPr>
+        <p:blipFill>
+          <a:blip r:embed="rId4"/>
+          <a:stretch>
+            <a:fillRect/>
+          </a:stretch>
+        </p:blipFill>
+        <p:spPr>
+          <a:xfrm>
+            <a:off x="5876934" y="6252662"/>
+            <a:ext cx="447470" cy="447470"/>
+          </a:xfrm>
+          <a:prstGeom prst="rect">
+            <a:avLst/>
+          </a:prstGeom>
+        </p:spPr>
+      </p:pic>
+      <p:pic>
+        <p:nvPicPr>
+          <p:cNvPr id="44" name="Image 43">
+            <a:extLst>
+              <a:ext uri="{FF2B5EF4-FFF2-40B4-BE49-F238E27FC236}">
+                <a16:creationId xmlns:a16="http://schemas.microsoft.com/office/drawing/2014/main" id="{E21ABFAD-9E60-4155-92EB-3B9765712D6A}"/>
+              </a:ext>
+            </a:extLst>
+          </p:cNvPr>
+          <p:cNvPicPr>
+            <a:picLocks noChangeAspect="1"/>
+          </p:cNvPicPr>
+          <p:nvPr/>
+        </p:nvPicPr>
+        <p:blipFill>
+          <a:blip r:embed="rId5"/>
+          <a:stretch>
+            <a:fillRect/>
+          </a:stretch>
+        </p:blipFill>
+        <p:spPr>
+          <a:xfrm>
+            <a:off x="6588407" y="6256657"/>
+            <a:ext cx="447470" cy="447470"/>
+          </a:xfrm>
+          <a:prstGeom prst="rect">
+            <a:avLst/>
+          </a:prstGeom>
+        </p:spPr>
+      </p:pic>
+      <p:pic>
+        <p:nvPicPr>
+          <p:cNvPr id="45" name="Image 44">
+            <a:extLst>
+              <a:ext uri="{FF2B5EF4-FFF2-40B4-BE49-F238E27FC236}">
+                <a16:creationId xmlns:a16="http://schemas.microsoft.com/office/drawing/2014/main" id="{0E054CF7-87CD-41AB-B1E6-880622BC8455}"/>
+              </a:ext>
+            </a:extLst>
+          </p:cNvPr>
+          <p:cNvPicPr>
+            <a:picLocks noChangeAspect="1"/>
+          </p:cNvPicPr>
+          <p:nvPr/>
+        </p:nvPicPr>
+        <p:blipFill>
+          <a:blip r:embed="rId6"/>
+          <a:stretch>
+            <a:fillRect/>
+          </a:stretch>
+        </p:blipFill>
+        <p:spPr>
+          <a:xfrm>
+            <a:off x="7327158" y="6250133"/>
+            <a:ext cx="416610" cy="416610"/>
+          </a:xfrm>
+          <a:prstGeom prst="rect">
+            <a:avLst/>
+          </a:prstGeom>
+        </p:spPr>
+      </p:pic>
+      <p:pic>
+        <p:nvPicPr>
+          <p:cNvPr id="46" name="Image 45">
+            <a:hlinkClick r:id="rId7" action="ppaction://hlinksldjump"/>
+            <a:extLst>
+              <a:ext uri="{FF2B5EF4-FFF2-40B4-BE49-F238E27FC236}">
+                <a16:creationId xmlns:a16="http://schemas.microsoft.com/office/drawing/2014/main" id="{135CDA03-C506-4443-B83A-FA2DE234B6E3}"/>
+              </a:ext>
+            </a:extLst>
+          </p:cNvPr>
+          <p:cNvPicPr>
+            <a:picLocks noChangeAspect="1"/>
+          </p:cNvPicPr>
+          <p:nvPr/>
+        </p:nvPicPr>
+        <p:blipFill>
+          <a:blip r:embed="rId8">
             <a:extLst>
               <a:ext uri="{28A0092B-C50C-407E-A947-70E740481C1C}">
                 <a14:useLocalDpi xmlns:a14="http://schemas.microsoft.com/office/drawing/2010/main" val="0"/>
-              </a:ext>
-              <a:ext uri="{96DAC541-7B7A-43D3-8B79-37D633B846F1}">
-                <asvg:svgBlip xmlns:asvg="http://schemas.microsoft.com/office/drawing/2016/SVG/main" r:embed="rId3"/>
               </a:ext>
             </a:extLst>
           </a:blip>
@@ -8381,310 +9627,6 @@
         </p:blipFill>
         <p:spPr>
           <a:xfrm>
-            <a:off x="7373034" y="1551708"/>
-            <a:ext cx="193711" cy="193711"/>
-          </a:xfrm>
-          <a:prstGeom prst="rect">
-            <a:avLst/>
-          </a:prstGeom>
-        </p:spPr>
-      </p:pic>
-      <p:pic>
-        <p:nvPicPr>
-          <p:cNvPr id="37" name="Graphique 36" descr="Cœur">
-            <a:extLst>
-              <a:ext uri="{FF2B5EF4-FFF2-40B4-BE49-F238E27FC236}">
-                <a16:creationId xmlns:a16="http://schemas.microsoft.com/office/drawing/2014/main" id="{CF7F132F-8F28-4B84-919F-B417A0BAE31D}"/>
-              </a:ext>
-            </a:extLst>
-          </p:cNvPr>
-          <p:cNvPicPr>
-            <a:picLocks noChangeAspect="1"/>
-          </p:cNvPicPr>
-          <p:nvPr/>
-        </p:nvPicPr>
-        <p:blipFill>
-          <a:blip r:embed="rId4">
-            <a:extLst>
-              <a:ext uri="{28A0092B-C50C-407E-A947-70E740481C1C}">
-                <a14:useLocalDpi xmlns:a14="http://schemas.microsoft.com/office/drawing/2010/main" val="0"/>
-              </a:ext>
-              <a:ext uri="{96DAC541-7B7A-43D3-8B79-37D633B846F1}">
-                <asvg:svgBlip xmlns:asvg="http://schemas.microsoft.com/office/drawing/2016/SVG/main" r:embed="rId5"/>
-              </a:ext>
-            </a:extLst>
-          </a:blip>
-          <a:stretch>
-            <a:fillRect/>
-          </a:stretch>
-        </p:blipFill>
-        <p:spPr>
-          <a:xfrm>
-            <a:off x="7802658" y="1551708"/>
-            <a:ext cx="193711" cy="193711"/>
-          </a:xfrm>
-          <a:prstGeom prst="rect">
-            <a:avLst/>
-          </a:prstGeom>
-        </p:spPr>
-      </p:pic>
-      <p:pic>
-        <p:nvPicPr>
-          <p:cNvPr id="38" name="Graphique 37" descr="Cœur">
-            <a:extLst>
-              <a:ext uri="{FF2B5EF4-FFF2-40B4-BE49-F238E27FC236}">
-                <a16:creationId xmlns:a16="http://schemas.microsoft.com/office/drawing/2014/main" id="{484A1DFF-967A-4313-A867-8C942B7C019D}"/>
-              </a:ext>
-            </a:extLst>
-          </p:cNvPr>
-          <p:cNvPicPr>
-            <a:picLocks noChangeAspect="1"/>
-          </p:cNvPicPr>
-          <p:nvPr/>
-        </p:nvPicPr>
-        <p:blipFill>
-          <a:blip r:embed="rId2">
-            <a:extLst>
-              <a:ext uri="{28A0092B-C50C-407E-A947-70E740481C1C}">
-                <a14:useLocalDpi xmlns:a14="http://schemas.microsoft.com/office/drawing/2010/main" val="0"/>
-              </a:ext>
-              <a:ext uri="{96DAC541-7B7A-43D3-8B79-37D633B846F1}">
-                <asvg:svgBlip xmlns:asvg="http://schemas.microsoft.com/office/drawing/2016/SVG/main" r:embed="rId3"/>
-              </a:ext>
-            </a:extLst>
-          </a:blip>
-          <a:stretch>
-            <a:fillRect/>
-          </a:stretch>
-        </p:blipFill>
-        <p:spPr>
-          <a:xfrm>
-            <a:off x="7583228" y="1551708"/>
-            <a:ext cx="193711" cy="193711"/>
-          </a:xfrm>
-          <a:prstGeom prst="rect">
-            <a:avLst/>
-          </a:prstGeom>
-        </p:spPr>
-      </p:pic>
-      <p:pic>
-        <p:nvPicPr>
-          <p:cNvPr id="39" name="Graphique 38" descr="Cœur">
-            <a:extLst>
-              <a:ext uri="{FF2B5EF4-FFF2-40B4-BE49-F238E27FC236}">
-                <a16:creationId xmlns:a16="http://schemas.microsoft.com/office/drawing/2014/main" id="{422C1BC6-C9C7-44C2-92A9-79CCED6663B5}"/>
-              </a:ext>
-            </a:extLst>
-          </p:cNvPr>
-          <p:cNvPicPr>
-            <a:picLocks noChangeAspect="1"/>
-          </p:cNvPicPr>
-          <p:nvPr/>
-        </p:nvPicPr>
-        <p:blipFill>
-          <a:blip r:embed="rId6">
-            <a:extLst>
-              <a:ext uri="{28A0092B-C50C-407E-A947-70E740481C1C}">
-                <a14:useLocalDpi xmlns:a14="http://schemas.microsoft.com/office/drawing/2010/main" val="0"/>
-              </a:ext>
-              <a:ext uri="{96DAC541-7B7A-43D3-8B79-37D633B846F1}">
-                <asvg:svgBlip xmlns:asvg="http://schemas.microsoft.com/office/drawing/2016/SVG/main" r:embed="rId7"/>
-              </a:ext>
-            </a:extLst>
-          </a:blip>
-          <a:stretch>
-            <a:fillRect/>
-          </a:stretch>
-        </p:blipFill>
-        <p:spPr>
-          <a:xfrm>
-            <a:off x="8017422" y="1551708"/>
-            <a:ext cx="193711" cy="193711"/>
-          </a:xfrm>
-          <a:prstGeom prst="rect">
-            <a:avLst/>
-          </a:prstGeom>
-        </p:spPr>
-      </p:pic>
-      <p:pic>
-        <p:nvPicPr>
-          <p:cNvPr id="41" name="Image 40">
-            <a:extLst>
-              <a:ext uri="{FF2B5EF4-FFF2-40B4-BE49-F238E27FC236}">
-                <a16:creationId xmlns:a16="http://schemas.microsoft.com/office/drawing/2014/main" id="{5735FC15-2EEE-4273-9597-4E16C7304F6B}"/>
-              </a:ext>
-            </a:extLst>
-          </p:cNvPr>
-          <p:cNvPicPr>
-            <a:picLocks noChangeAspect="1"/>
-          </p:cNvPicPr>
-          <p:nvPr/>
-        </p:nvPicPr>
-        <p:blipFill>
-          <a:blip r:embed="rId8"/>
-          <a:stretch>
-            <a:fillRect/>
-          </a:stretch>
-        </p:blipFill>
-        <p:spPr>
-          <a:xfrm>
-            <a:off x="4448227" y="6238323"/>
-            <a:ext cx="447470" cy="447470"/>
-          </a:xfrm>
-          <a:prstGeom prst="rect">
-            <a:avLst/>
-          </a:prstGeom>
-        </p:spPr>
-      </p:pic>
-      <p:pic>
-        <p:nvPicPr>
-          <p:cNvPr id="42" name="Image 41">
-            <a:extLst>
-              <a:ext uri="{FF2B5EF4-FFF2-40B4-BE49-F238E27FC236}">
-                <a16:creationId xmlns:a16="http://schemas.microsoft.com/office/drawing/2014/main" id="{D4DC15FF-BB0C-4779-9D0C-D9F21E8FC5E0}"/>
-              </a:ext>
-            </a:extLst>
-          </p:cNvPr>
-          <p:cNvPicPr>
-            <a:picLocks noChangeAspect="1"/>
-          </p:cNvPicPr>
-          <p:nvPr/>
-        </p:nvPicPr>
-        <p:blipFill>
-          <a:blip r:embed="rId9"/>
-          <a:stretch>
-            <a:fillRect/>
-          </a:stretch>
-        </p:blipFill>
-        <p:spPr>
-          <a:xfrm>
-            <a:off x="5134495" y="6240632"/>
-            <a:ext cx="447470" cy="447470"/>
-          </a:xfrm>
-          <a:prstGeom prst="rect">
-            <a:avLst/>
-          </a:prstGeom>
-        </p:spPr>
-      </p:pic>
-      <p:pic>
-        <p:nvPicPr>
-          <p:cNvPr id="43" name="Image 42">
-            <a:extLst>
-              <a:ext uri="{FF2B5EF4-FFF2-40B4-BE49-F238E27FC236}">
-                <a16:creationId xmlns:a16="http://schemas.microsoft.com/office/drawing/2014/main" id="{86588978-7A4B-4D0A-9FBD-277FC902E7E8}"/>
-              </a:ext>
-            </a:extLst>
-          </p:cNvPr>
-          <p:cNvPicPr>
-            <a:picLocks noChangeAspect="1"/>
-          </p:cNvPicPr>
-          <p:nvPr/>
-        </p:nvPicPr>
-        <p:blipFill>
-          <a:blip r:embed="rId10"/>
-          <a:stretch>
-            <a:fillRect/>
-          </a:stretch>
-        </p:blipFill>
-        <p:spPr>
-          <a:xfrm>
-            <a:off x="5876934" y="6252662"/>
-            <a:ext cx="447470" cy="447470"/>
-          </a:xfrm>
-          <a:prstGeom prst="rect">
-            <a:avLst/>
-          </a:prstGeom>
-        </p:spPr>
-      </p:pic>
-      <p:pic>
-        <p:nvPicPr>
-          <p:cNvPr id="44" name="Image 43">
-            <a:extLst>
-              <a:ext uri="{FF2B5EF4-FFF2-40B4-BE49-F238E27FC236}">
-                <a16:creationId xmlns:a16="http://schemas.microsoft.com/office/drawing/2014/main" id="{E21ABFAD-9E60-4155-92EB-3B9765712D6A}"/>
-              </a:ext>
-            </a:extLst>
-          </p:cNvPr>
-          <p:cNvPicPr>
-            <a:picLocks noChangeAspect="1"/>
-          </p:cNvPicPr>
-          <p:nvPr/>
-        </p:nvPicPr>
-        <p:blipFill>
-          <a:blip r:embed="rId11"/>
-          <a:stretch>
-            <a:fillRect/>
-          </a:stretch>
-        </p:blipFill>
-        <p:spPr>
-          <a:xfrm>
-            <a:off x="6588407" y="6256657"/>
-            <a:ext cx="447470" cy="447470"/>
-          </a:xfrm>
-          <a:prstGeom prst="rect">
-            <a:avLst/>
-          </a:prstGeom>
-        </p:spPr>
-      </p:pic>
-      <p:pic>
-        <p:nvPicPr>
-          <p:cNvPr id="45" name="Image 44">
-            <a:extLst>
-              <a:ext uri="{FF2B5EF4-FFF2-40B4-BE49-F238E27FC236}">
-                <a16:creationId xmlns:a16="http://schemas.microsoft.com/office/drawing/2014/main" id="{0E054CF7-87CD-41AB-B1E6-880622BC8455}"/>
-              </a:ext>
-            </a:extLst>
-          </p:cNvPr>
-          <p:cNvPicPr>
-            <a:picLocks noChangeAspect="1"/>
-          </p:cNvPicPr>
-          <p:nvPr/>
-        </p:nvPicPr>
-        <p:blipFill>
-          <a:blip r:embed="rId12"/>
-          <a:stretch>
-            <a:fillRect/>
-          </a:stretch>
-        </p:blipFill>
-        <p:spPr>
-          <a:xfrm>
-            <a:off x="7327158" y="6250133"/>
-            <a:ext cx="416610" cy="416610"/>
-          </a:xfrm>
-          <a:prstGeom prst="rect">
-            <a:avLst/>
-          </a:prstGeom>
-        </p:spPr>
-      </p:pic>
-      <p:pic>
-        <p:nvPicPr>
-          <p:cNvPr id="46" name="Image 45">
-            <a:hlinkClick r:id="rId13" action="ppaction://hlinksldjump"/>
-            <a:extLst>
-              <a:ext uri="{FF2B5EF4-FFF2-40B4-BE49-F238E27FC236}">
-                <a16:creationId xmlns:a16="http://schemas.microsoft.com/office/drawing/2014/main" id="{135CDA03-C506-4443-B83A-FA2DE234B6E3}"/>
-              </a:ext>
-            </a:extLst>
-          </p:cNvPr>
-          <p:cNvPicPr>
-            <a:picLocks noChangeAspect="1"/>
-          </p:cNvPicPr>
-          <p:nvPr/>
-        </p:nvPicPr>
-        <p:blipFill>
-          <a:blip r:embed="rId14">
-            <a:extLst>
-              <a:ext uri="{28A0092B-C50C-407E-A947-70E740481C1C}">
-                <a14:useLocalDpi xmlns:a14="http://schemas.microsoft.com/office/drawing/2010/main" val="0"/>
-              </a:ext>
-            </a:extLst>
-          </a:blip>
-          <a:stretch>
-            <a:fillRect/>
-          </a:stretch>
-        </p:blipFill>
-        <p:spPr>
-          <a:xfrm>
             <a:off x="353545" y="0"/>
             <a:ext cx="2031746" cy="914286"/>
           </a:xfrm>
@@ -8708,7 +9650,7 @@
           <p:nvPr/>
         </p:nvPicPr>
         <p:blipFill>
-          <a:blip r:embed="rId15">
+          <a:blip r:embed="rId9">
             <a:extLst>
               <a:ext uri="{28A0092B-C50C-407E-A947-70E740481C1C}">
                 <a14:useLocalDpi xmlns:a14="http://schemas.microsoft.com/office/drawing/2010/main" val="0"/>
@@ -8880,7 +9822,7 @@
       <p:sp>
         <p:nvSpPr>
           <p:cNvPr id="25" name="ZoneTexte 24">
-            <a:hlinkClick r:id="rId13" action="ppaction://hlinksldjump"/>
+            <a:hlinkClick r:id="rId7" action="ppaction://hlinksldjump"/>
             <a:extLst>
               <a:ext uri="{FF2B5EF4-FFF2-40B4-BE49-F238E27FC236}">
                 <a16:creationId xmlns:a16="http://schemas.microsoft.com/office/drawing/2014/main" id="{58966E28-51C8-416D-9E69-82D23A92D4E3}"/>
@@ -8934,7 +9876,7 @@
       <p:sp>
         <p:nvSpPr>
           <p:cNvPr id="47" name="ZoneTexte 46">
-            <a:hlinkClick r:id="rId13" action="ppaction://hlinksldjump"/>
+            <a:hlinkClick r:id="rId7" action="ppaction://hlinksldjump"/>
             <a:extLst>
               <a:ext uri="{FF2B5EF4-FFF2-40B4-BE49-F238E27FC236}">
                 <a16:creationId xmlns:a16="http://schemas.microsoft.com/office/drawing/2014/main" id="{F11CA474-1ECA-43F7-8A3E-B5D139696330}"/>
@@ -8977,7 +9919,7 @@
       <p:sp>
         <p:nvSpPr>
           <p:cNvPr id="48" name="ZoneTexte 47">
-            <a:hlinkClick r:id="rId16" action="ppaction://hlinksldjump"/>
+            <a:hlinkClick r:id="rId10" action="ppaction://hlinksldjump"/>
             <a:extLst>
               <a:ext uri="{FF2B5EF4-FFF2-40B4-BE49-F238E27FC236}">
                 <a16:creationId xmlns:a16="http://schemas.microsoft.com/office/drawing/2014/main" id="{70BBBDC6-BFE7-4DB2-A071-E4FC45C047D8}"/>
@@ -9013,6 +9955,378 @@
                 </a:solidFill>
               </a:rPr>
               <a:t>Panier</a:t>
+            </a:r>
+          </a:p>
+        </p:txBody>
+      </p:sp>
+      <p:sp>
+        <p:nvSpPr>
+          <p:cNvPr id="35" name="ZoneTexte 34">
+            <a:extLst>
+              <a:ext uri="{FF2B5EF4-FFF2-40B4-BE49-F238E27FC236}">
+                <a16:creationId xmlns:a16="http://schemas.microsoft.com/office/drawing/2014/main" id="{50DD6397-6B5F-4EDB-A5AB-CA408CC88F84}"/>
+              </a:ext>
+            </a:extLst>
+          </p:cNvPr>
+          <p:cNvSpPr txBox="1"/>
+          <p:nvPr/>
+        </p:nvSpPr>
+        <p:spPr>
+          <a:xfrm>
+            <a:off x="6195462" y="1485913"/>
+            <a:ext cx="1459015" cy="400110"/>
+          </a:xfrm>
+          <a:prstGeom prst="rect">
+            <a:avLst/>
+          </a:prstGeom>
+          <a:noFill/>
+        </p:spPr>
+        <p:txBody>
+          <a:bodyPr wrap="square" rtlCol="0">
+            <a:spAutoFit/>
+          </a:bodyPr>
+          <a:lstStyle/>
+          <a:p>
+            <a:r>
+              <a:rPr lang="fr-FR" sz="2000" b="1" dirty="0">
+                <a:solidFill>
+                  <a:srgbClr val="7030A0"/>
+                </a:solidFill>
+              </a:rPr>
+              <a:t>Garfunkel</a:t>
+            </a:r>
+          </a:p>
+        </p:txBody>
+      </p:sp>
+      <p:sp>
+        <p:nvSpPr>
+          <p:cNvPr id="49" name="ZoneTexte 48">
+            <a:extLst>
+              <a:ext uri="{FF2B5EF4-FFF2-40B4-BE49-F238E27FC236}">
+                <a16:creationId xmlns:a16="http://schemas.microsoft.com/office/drawing/2014/main" id="{CB56D802-732C-4143-A715-2BBFD8582BAF}"/>
+              </a:ext>
+            </a:extLst>
+          </p:cNvPr>
+          <p:cNvSpPr txBox="1"/>
+          <p:nvPr/>
+        </p:nvSpPr>
+        <p:spPr>
+          <a:xfrm>
+            <a:off x="6192988" y="1886023"/>
+            <a:ext cx="2849519" cy="954107"/>
+          </a:xfrm>
+          <a:prstGeom prst="rect">
+            <a:avLst/>
+          </a:prstGeom>
+          <a:noFill/>
+        </p:spPr>
+        <p:txBody>
+          <a:bodyPr wrap="square">
+            <a:spAutoFit/>
+          </a:bodyPr>
+          <a:lstStyle/>
+          <a:p>
+            <a:r>
+              <a:rPr lang="fr-FR" sz="1400" dirty="0">
+                <a:solidFill>
+                  <a:srgbClr val="7030A0"/>
+                </a:solidFill>
+              </a:rPr>
+              <a:t>Lorem ipsum </a:t>
+            </a:r>
+            <a:r>
+              <a:rPr lang="fr-FR" sz="1400" dirty="0" err="1">
+                <a:solidFill>
+                  <a:srgbClr val="7030A0"/>
+                </a:solidFill>
+              </a:rPr>
+              <a:t>dolor</a:t>
+            </a:r>
+            <a:r>
+              <a:rPr lang="fr-FR" sz="1400" dirty="0">
+                <a:solidFill>
+                  <a:srgbClr val="7030A0"/>
+                </a:solidFill>
+              </a:rPr>
+              <a:t> </a:t>
+            </a:r>
+            <a:r>
+              <a:rPr lang="fr-FR" sz="1400" dirty="0" err="1">
+                <a:solidFill>
+                  <a:srgbClr val="7030A0"/>
+                </a:solidFill>
+              </a:rPr>
+              <a:t>sit</a:t>
+            </a:r>
+            <a:r>
+              <a:rPr lang="fr-FR" sz="1400" dirty="0">
+                <a:solidFill>
+                  <a:srgbClr val="7030A0"/>
+                </a:solidFill>
+              </a:rPr>
+              <a:t> </a:t>
+            </a:r>
+            <a:r>
+              <a:rPr lang="fr-FR" sz="1400" dirty="0" err="1">
+                <a:solidFill>
+                  <a:srgbClr val="7030A0"/>
+                </a:solidFill>
+              </a:rPr>
+              <a:t>amet</a:t>
+            </a:r>
+            <a:r>
+              <a:rPr lang="fr-FR" sz="1400" dirty="0">
+                <a:solidFill>
+                  <a:srgbClr val="7030A0"/>
+                </a:solidFill>
+              </a:rPr>
+              <a:t>, </a:t>
+            </a:r>
+            <a:r>
+              <a:rPr lang="fr-FR" sz="1400" dirty="0" err="1">
+                <a:solidFill>
+                  <a:srgbClr val="7030A0"/>
+                </a:solidFill>
+              </a:rPr>
+              <a:t>consectetur</a:t>
+            </a:r>
+            <a:r>
+              <a:rPr lang="fr-FR" sz="1400" dirty="0">
+                <a:solidFill>
+                  <a:srgbClr val="7030A0"/>
+                </a:solidFill>
+              </a:rPr>
+              <a:t> </a:t>
+            </a:r>
+            <a:r>
+              <a:rPr lang="fr-FR" sz="1400" dirty="0" err="1">
+                <a:solidFill>
+                  <a:srgbClr val="7030A0"/>
+                </a:solidFill>
+              </a:rPr>
+              <a:t>adipisicing</a:t>
+            </a:r>
+            <a:r>
+              <a:rPr lang="fr-FR" sz="1400" dirty="0">
+                <a:solidFill>
+                  <a:srgbClr val="7030A0"/>
+                </a:solidFill>
+              </a:rPr>
+              <a:t> </a:t>
+            </a:r>
+            <a:r>
+              <a:rPr lang="fr-FR" sz="1400" dirty="0" err="1">
+                <a:solidFill>
+                  <a:srgbClr val="7030A0"/>
+                </a:solidFill>
+              </a:rPr>
+              <a:t>elit</a:t>
+            </a:r>
+            <a:r>
+              <a:rPr lang="fr-FR" sz="1400" dirty="0">
+                <a:solidFill>
+                  <a:srgbClr val="7030A0"/>
+                </a:solidFill>
+              </a:rPr>
+              <a:t>, </a:t>
+            </a:r>
+            <a:r>
+              <a:rPr lang="fr-FR" sz="1400" dirty="0" err="1">
+                <a:solidFill>
+                  <a:srgbClr val="7030A0"/>
+                </a:solidFill>
+              </a:rPr>
+              <a:t>sed</a:t>
+            </a:r>
+            <a:r>
+              <a:rPr lang="fr-FR" sz="1400" dirty="0">
+                <a:solidFill>
+                  <a:srgbClr val="7030A0"/>
+                </a:solidFill>
+              </a:rPr>
+              <a:t> do </a:t>
+            </a:r>
+            <a:r>
+              <a:rPr lang="fr-FR" sz="1400" dirty="0" err="1">
+                <a:solidFill>
+                  <a:srgbClr val="7030A0"/>
+                </a:solidFill>
+              </a:rPr>
+              <a:t>eiusmod</a:t>
+            </a:r>
+            <a:r>
+              <a:rPr lang="fr-FR" sz="1400" dirty="0">
+                <a:solidFill>
+                  <a:srgbClr val="7030A0"/>
+                </a:solidFill>
+              </a:rPr>
+              <a:t> </a:t>
+            </a:r>
+            <a:r>
+              <a:rPr lang="fr-FR" sz="1400" dirty="0" err="1">
+                <a:solidFill>
+                  <a:srgbClr val="7030A0"/>
+                </a:solidFill>
+              </a:rPr>
+              <a:t>tempor</a:t>
+            </a:r>
+            <a:r>
+              <a:rPr lang="fr-FR" sz="1400" dirty="0">
+                <a:solidFill>
+                  <a:srgbClr val="7030A0"/>
+                </a:solidFill>
+              </a:rPr>
+              <a:t> </a:t>
+            </a:r>
+            <a:r>
+              <a:rPr lang="fr-FR" sz="1400" dirty="0" err="1">
+                <a:solidFill>
+                  <a:srgbClr val="7030A0"/>
+                </a:solidFill>
+              </a:rPr>
+              <a:t>incididunt</a:t>
+            </a:r>
+            <a:r>
+              <a:rPr lang="fr-FR" sz="1400" dirty="0">
+                <a:solidFill>
+                  <a:srgbClr val="7030A0"/>
+                </a:solidFill>
+              </a:rPr>
+              <a:t> ut </a:t>
+            </a:r>
+            <a:r>
+              <a:rPr lang="fr-FR" sz="1400" dirty="0" err="1">
+                <a:solidFill>
+                  <a:srgbClr val="7030A0"/>
+                </a:solidFill>
+              </a:rPr>
+              <a:t>labore</a:t>
+            </a:r>
+            <a:r>
+              <a:rPr lang="fr-FR" sz="1400" dirty="0">
+                <a:solidFill>
+                  <a:srgbClr val="7030A0"/>
+                </a:solidFill>
+              </a:rPr>
+              <a:t> et </a:t>
+            </a:r>
+            <a:r>
+              <a:rPr lang="fr-FR" sz="1400" dirty="0" err="1">
+                <a:solidFill>
+                  <a:srgbClr val="7030A0"/>
+                </a:solidFill>
+              </a:rPr>
+              <a:t>dolore</a:t>
+            </a:r>
+            <a:r>
+              <a:rPr lang="fr-FR" sz="1400" dirty="0">
+                <a:solidFill>
+                  <a:srgbClr val="7030A0"/>
+                </a:solidFill>
+              </a:rPr>
+              <a:t> magna </a:t>
+            </a:r>
+            <a:r>
+              <a:rPr lang="fr-FR" sz="1400" dirty="0" err="1">
+                <a:solidFill>
+                  <a:srgbClr val="7030A0"/>
+                </a:solidFill>
+              </a:rPr>
+              <a:t>aliqua</a:t>
+            </a:r>
+            <a:r>
+              <a:rPr lang="fr-FR" sz="1400" dirty="0">
+                <a:solidFill>
+                  <a:srgbClr val="7030A0"/>
+                </a:solidFill>
+              </a:rPr>
+              <a:t>.</a:t>
+            </a:r>
+          </a:p>
+        </p:txBody>
+      </p:sp>
+      <p:sp>
+        <p:nvSpPr>
+          <p:cNvPr id="50" name="ZoneTexte 49">
+            <a:extLst>
+              <a:ext uri="{FF2B5EF4-FFF2-40B4-BE49-F238E27FC236}">
+                <a16:creationId xmlns:a16="http://schemas.microsoft.com/office/drawing/2014/main" id="{4663ED7D-542F-4601-8A58-50883F2F5385}"/>
+              </a:ext>
+            </a:extLst>
+          </p:cNvPr>
+          <p:cNvSpPr txBox="1"/>
+          <p:nvPr/>
+        </p:nvSpPr>
+        <p:spPr>
+          <a:xfrm>
+            <a:off x="6195461" y="3111560"/>
+            <a:ext cx="1459015" cy="400110"/>
+          </a:xfrm>
+          <a:prstGeom prst="rect">
+            <a:avLst/>
+          </a:prstGeom>
+          <a:noFill/>
+        </p:spPr>
+        <p:txBody>
+          <a:bodyPr wrap="square" rtlCol="0">
+            <a:spAutoFit/>
+          </a:bodyPr>
+          <a:lstStyle/>
+          <a:p>
+            <a:r>
+              <a:rPr lang="fr-FR" sz="2000" b="1" dirty="0">
+                <a:solidFill>
+                  <a:srgbClr val="7030A0"/>
+                </a:solidFill>
+              </a:rPr>
+              <a:t>55 € </a:t>
+            </a:r>
+            <a:r>
+              <a:rPr lang="fr-FR" sz="2000" b="1" baseline="30000" dirty="0">
+                <a:solidFill>
+                  <a:srgbClr val="7030A0"/>
+                </a:solidFill>
+              </a:rPr>
+              <a:t>00</a:t>
+            </a:r>
+          </a:p>
+        </p:txBody>
+      </p:sp>
+      <p:sp>
+        <p:nvSpPr>
+          <p:cNvPr id="51" name="ZoneTexte 50">
+            <a:extLst>
+              <a:ext uri="{FF2B5EF4-FFF2-40B4-BE49-F238E27FC236}">
+                <a16:creationId xmlns:a16="http://schemas.microsoft.com/office/drawing/2014/main" id="{A374BE14-027F-46B5-9E6F-DD8FA67C1D09}"/>
+              </a:ext>
+            </a:extLst>
+          </p:cNvPr>
+          <p:cNvSpPr txBox="1"/>
+          <p:nvPr/>
+        </p:nvSpPr>
+        <p:spPr>
+          <a:xfrm>
+            <a:off x="6224120" y="2840400"/>
+            <a:ext cx="2849519" cy="307777"/>
+          </a:xfrm>
+          <a:prstGeom prst="rect">
+            <a:avLst/>
+          </a:prstGeom>
+          <a:noFill/>
+        </p:spPr>
+        <p:txBody>
+          <a:bodyPr wrap="square">
+            <a:spAutoFit/>
+          </a:bodyPr>
+          <a:lstStyle/>
+          <a:p>
+            <a:r>
+              <a:rPr lang="fr-FR" sz="1400" dirty="0">
+                <a:solidFill>
+                  <a:srgbClr val="7030A0"/>
+                </a:solidFill>
+              </a:rPr>
+              <a:t>5beaacd41c9d440000a57d97</a:t>
             </a:r>
           </a:p>
         </p:txBody>
@@ -9142,7 +10456,7 @@
                   <a:srgbClr val="7030A0"/>
                 </a:solidFill>
               </a:rPr>
-              <a:t>64 € 00</a:t>
+              <a:t>58 € 00</a:t>
             </a:r>
           </a:p>
         </p:txBody>
@@ -9232,18 +10546,13 @@
           <a:lstStyle/>
           <a:p>
             <a:r>
-              <a:rPr lang="fr-FR" b="1" dirty="0" err="1">
-                <a:solidFill>
-                  <a:srgbClr val="7030A0"/>
-                </a:solidFill>
-              </a:rPr>
-              <a:t>Touseul</a:t>
-            </a:r>
-            <a:endParaRPr lang="fr-FR" b="1" dirty="0">
-              <a:solidFill>
-                <a:srgbClr val="7030A0"/>
-              </a:solidFill>
-            </a:endParaRPr>
+              <a:rPr lang="fr-FR" b="1" dirty="0">
+                <a:solidFill>
+                  <a:srgbClr val="7030A0"/>
+                </a:solidFill>
+              </a:rPr>
+              <a:t>Norbert</a:t>
+            </a:r>
           </a:p>
         </p:txBody>
       </p:sp>
@@ -9281,7 +10590,7 @@
                   <a:srgbClr val="7030A0"/>
                 </a:solidFill>
               </a:rPr>
-              <a:t>Mon panier d’oursons</a:t>
+              <a:t>Mon panier prêt</a:t>
             </a:r>
           </a:p>
         </p:txBody>
@@ -9581,7 +10890,7 @@
                   <a:srgbClr val="7030A0"/>
                 </a:solidFill>
               </a:rPr>
-              <a:t>32</a:t>
+              <a:t>39</a:t>
             </a:r>
             <a:r>
               <a:rPr lang="fr-FR" sz="1800" dirty="0">
@@ -9623,18 +10932,13 @@
           <a:lstStyle/>
           <a:p>
             <a:r>
-              <a:rPr lang="fr-FR" b="1" dirty="0" err="1">
-                <a:solidFill>
-                  <a:srgbClr val="7030A0"/>
-                </a:solidFill>
-              </a:rPr>
-              <a:t>Toumignon</a:t>
-            </a:r>
-            <a:endParaRPr lang="fr-FR" b="1" dirty="0">
-              <a:solidFill>
-                <a:srgbClr val="7030A0"/>
-              </a:solidFill>
-            </a:endParaRPr>
+              <a:rPr lang="fr-FR" b="1" dirty="0">
+                <a:solidFill>
+                  <a:srgbClr val="7030A0"/>
+                </a:solidFill>
+              </a:rPr>
+              <a:t>Arnold</a:t>
+            </a:r>
           </a:p>
         </p:txBody>
       </p:sp>
@@ -9745,7 +11049,7 @@
                   <a:srgbClr val="7030A0"/>
                 </a:solidFill>
               </a:rPr>
-              <a:t>35 € 00</a:t>
+              <a:t>29 € 00</a:t>
             </a:r>
           </a:p>
         </p:txBody>
@@ -9801,7 +11105,7 @@
                   <a:srgbClr val="7030A0"/>
                 </a:solidFill>
               </a:rPr>
-              <a:t>32</a:t>
+              <a:t>39</a:t>
             </a:r>
             <a:r>
               <a:rPr lang="fr-FR" sz="1800" dirty="0">
@@ -9865,7 +11169,7 @@
                   <a:srgbClr val="7030A0"/>
                 </a:solidFill>
               </a:rPr>
-              <a:t>96 € 00</a:t>
+              <a:t>97 € 00</a:t>
             </a:r>
           </a:p>
         </p:txBody>
@@ -9937,8 +11241,8 @@
         </p:nvSpPr>
         <p:spPr>
           <a:xfrm>
-            <a:off x="3071133" y="2615534"/>
-            <a:ext cx="1377094" cy="369332"/>
+            <a:off x="3071132" y="2615534"/>
+            <a:ext cx="1481893" cy="369332"/>
           </a:xfrm>
           <a:prstGeom prst="rect">
             <a:avLst/>
@@ -9957,13 +11261,16 @@
                   <a:srgbClr val="7030A0"/>
                 </a:solidFill>
               </a:rPr>
-              <a:t>Toucalin</a:t>
-            </a:r>
-            <a:endParaRPr lang="fr-FR" b="1" dirty="0">
-              <a:solidFill>
-                <a:srgbClr val="7030A0"/>
-              </a:solidFill>
-            </a:endParaRPr>
+              <a:t>Lenna</a:t>
+            </a:r>
+            <a:r>
+              <a:rPr lang="fr-FR" b="1" dirty="0">
+                <a:solidFill>
+                  <a:srgbClr val="7030A0"/>
+                </a:solidFill>
+              </a:rPr>
+              <a:t> &amp; Carl</a:t>
+            </a:r>
           </a:p>
         </p:txBody>
       </p:sp>
@@ -10158,18 +11465,13 @@
           <a:lstStyle/>
           <a:p>
             <a:r>
-              <a:rPr lang="fr-FR" b="1" dirty="0" err="1">
-                <a:solidFill>
-                  <a:srgbClr val="7030A0"/>
-                </a:solidFill>
-              </a:rPr>
-              <a:t>Tougentil</a:t>
-            </a:r>
-            <a:endParaRPr lang="fr-FR" b="1" dirty="0">
-              <a:solidFill>
-                <a:srgbClr val="7030A0"/>
-              </a:solidFill>
-            </a:endParaRPr>
+              <a:rPr lang="fr-FR" b="1" dirty="0">
+                <a:solidFill>
+                  <a:srgbClr val="7030A0"/>
+                </a:solidFill>
+              </a:rPr>
+              <a:t>Gustav</a:t>
+            </a:r>
           </a:p>
         </p:txBody>
       </p:sp>
@@ -10277,7 +11579,7 @@
                   <a:srgbClr val="7030A0"/>
                 </a:solidFill>
               </a:rPr>
-              <a:t>40</a:t>
+              <a:t>45</a:t>
             </a:r>
             <a:r>
               <a:rPr lang="fr-FR" sz="1800" dirty="0">
@@ -10372,18 +11674,13 @@
           <a:lstStyle/>
           <a:p>
             <a:r>
-              <a:rPr lang="fr-FR" b="1" dirty="0" err="1">
-                <a:solidFill>
-                  <a:srgbClr val="7030A0"/>
-                </a:solidFill>
-              </a:rPr>
-              <a:t>Touseul</a:t>
-            </a:r>
-            <a:endParaRPr lang="fr-FR" b="1" dirty="0">
-              <a:solidFill>
-                <a:srgbClr val="7030A0"/>
-              </a:solidFill>
-            </a:endParaRPr>
+              <a:rPr lang="fr-FR" b="1" dirty="0">
+                <a:solidFill>
+                  <a:srgbClr val="7030A0"/>
+                </a:solidFill>
+              </a:rPr>
+              <a:t>Garfunkel</a:t>
+            </a:r>
           </a:p>
         </p:txBody>
       </p:sp>
@@ -10491,7 +11788,7 @@
                   <a:srgbClr val="7030A0"/>
                 </a:solidFill>
               </a:rPr>
-              <a:t>32 € 00</a:t>
+              <a:t>55 € 00</a:t>
             </a:r>
           </a:p>
         </p:txBody>
@@ -10642,7 +11939,7 @@
                   <a:srgbClr val="7030A0"/>
                 </a:solidFill>
               </a:rPr>
-              <a:t>Je valide ma commande</a:t>
+              <a:t>Je confirme ma commande</a:t>
             </a:r>
           </a:p>
         </p:txBody>
@@ -11655,7 +12952,7 @@
                   <a:srgbClr val="7030A0"/>
                 </a:solidFill>
               </a:rPr>
-              <a:t>Je confirme ma commande</a:t>
+              <a:t>Je valide mes coordonnées</a:t>
             </a:r>
           </a:p>
         </p:txBody>
@@ -11924,50 +13221,6 @@
       </p:grpSpPr>
       <p:sp>
         <p:nvSpPr>
-          <p:cNvPr id="2" name="Rectangle 1">
-            <a:extLst>
-              <a:ext uri="{FF2B5EF4-FFF2-40B4-BE49-F238E27FC236}">
-                <a16:creationId xmlns:a16="http://schemas.microsoft.com/office/drawing/2014/main" id="{7D6E41AE-F383-46A4-8BC2-4499A9B9FB39}"/>
-              </a:ext>
-            </a:extLst>
-          </p:cNvPr>
-          <p:cNvSpPr/>
-          <p:nvPr/>
-        </p:nvSpPr>
-        <p:spPr>
-          <a:xfrm>
-            <a:off x="3061853" y="1249078"/>
-            <a:ext cx="6086765" cy="3752910"/>
-          </a:xfrm>
-          <a:prstGeom prst="rect">
-            <a:avLst/>
-          </a:prstGeom>
-        </p:spPr>
-        <p:style>
-          <a:lnRef idx="2">
-            <a:schemeClr val="accent6"/>
-          </a:lnRef>
-          <a:fillRef idx="1">
-            <a:schemeClr val="lt1"/>
-          </a:fillRef>
-          <a:effectRef idx="0">
-            <a:schemeClr val="accent6"/>
-          </a:effectRef>
-          <a:fontRef idx="minor">
-            <a:schemeClr val="dk1"/>
-          </a:fontRef>
-        </p:style>
-        <p:txBody>
-          <a:bodyPr rtlCol="0" anchor="ctr"/>
-          <a:lstStyle/>
-          <a:p>
-            <a:pPr algn="ctr"/>
-            <a:endParaRPr lang="fr-FR" dirty="0"/>
-          </a:p>
-        </p:txBody>
-      </p:sp>
-      <p:sp>
-        <p:nvSpPr>
           <p:cNvPr id="40" name="Rectangle 39">
             <a:extLst>
               <a:ext uri="{FF2B5EF4-FFF2-40B4-BE49-F238E27FC236}">
@@ -12024,10 +13277,10 @@
       </p:sp>
       <p:sp>
         <p:nvSpPr>
-          <p:cNvPr id="27" name="ZoneTexte 26">
-            <a:extLst>
-              <a:ext uri="{FF2B5EF4-FFF2-40B4-BE49-F238E27FC236}">
-                <a16:creationId xmlns:a16="http://schemas.microsoft.com/office/drawing/2014/main" id="{321E3CD1-81EF-4064-89CE-8B7FD518F03C}"/>
+          <p:cNvPr id="30" name="ZoneTexte 29">
+            <a:extLst>
+              <a:ext uri="{FF2B5EF4-FFF2-40B4-BE49-F238E27FC236}">
+                <a16:creationId xmlns:a16="http://schemas.microsoft.com/office/drawing/2014/main" id="{07739315-19F8-4DF1-A47C-6237FE19F71B}"/>
               </a:ext>
             </a:extLst>
           </p:cNvPr>
@@ -12036,47 +13289,8 @@
         </p:nvSpPr>
         <p:spPr>
           <a:xfrm>
-            <a:off x="3071134" y="1553738"/>
-            <a:ext cx="1377094" cy="369332"/>
-          </a:xfrm>
-          <a:prstGeom prst="rect">
-            <a:avLst/>
-          </a:prstGeom>
-          <a:noFill/>
-        </p:spPr>
-        <p:txBody>
-          <a:bodyPr wrap="square" rtlCol="0">
-            <a:spAutoFit/>
-          </a:bodyPr>
-          <a:lstStyle/>
-          <a:p>
-            <a:r>
-              <a:rPr lang="fr-FR" b="1" dirty="0">
-                <a:solidFill>
-                  <a:srgbClr val="7030A0"/>
-                </a:solidFill>
-              </a:rPr>
-              <a:t>Civilité</a:t>
-            </a:r>
-          </a:p>
-        </p:txBody>
-      </p:sp>
-      <p:sp>
-        <p:nvSpPr>
-          <p:cNvPr id="30" name="ZoneTexte 29">
-            <a:extLst>
-              <a:ext uri="{FF2B5EF4-FFF2-40B4-BE49-F238E27FC236}">
-                <a16:creationId xmlns:a16="http://schemas.microsoft.com/office/drawing/2014/main" id="{07739315-19F8-4DF1-A47C-6237FE19F71B}"/>
-              </a:ext>
-            </a:extLst>
-          </p:cNvPr>
-          <p:cNvSpPr txBox="1"/>
-          <p:nvPr/>
-        </p:nvSpPr>
-        <p:spPr>
-          <a:xfrm>
             <a:off x="3077456" y="882008"/>
-            <a:ext cx="6071162" cy="369332"/>
+            <a:ext cx="6659211" cy="369332"/>
           </a:xfrm>
           <a:prstGeom prst="rect">
             <a:avLst/>
@@ -12095,8 +13309,22 @@
                   <a:srgbClr val="7030A0"/>
                 </a:solidFill>
               </a:rPr>
-              <a:t>Pour nous contacter</a:t>
-            </a:r>
+              <a:t>Nous vous remercions pour votre confiance </a:t>
+            </a:r>
+            <a:r>
+              <a:rPr lang="fr-FR" b="1" dirty="0">
+                <a:solidFill>
+                  <a:srgbClr val="7030A0"/>
+                </a:solidFill>
+                <a:sym typeface="Wingdings" panose="05000000000000000000" pitchFamily="2" charset="2"/>
+              </a:rPr>
+              <a:t></a:t>
+            </a:r>
+            <a:endParaRPr lang="fr-FR" b="1" dirty="0">
+              <a:solidFill>
+                <a:srgbClr val="7030A0"/>
+              </a:solidFill>
+            </a:endParaRPr>
           </a:p>
         </p:txBody>
       </p:sp>
@@ -12290,49 +13518,10 @@
       </p:pic>
       <p:sp>
         <p:nvSpPr>
-          <p:cNvPr id="34" name="ZoneTexte 33">
-            <a:extLst>
-              <a:ext uri="{FF2B5EF4-FFF2-40B4-BE49-F238E27FC236}">
-                <a16:creationId xmlns:a16="http://schemas.microsoft.com/office/drawing/2014/main" id="{845F84F2-8D77-4F8B-B24F-0204AD5F76F8}"/>
-              </a:ext>
-            </a:extLst>
-          </p:cNvPr>
-          <p:cNvSpPr txBox="1"/>
-          <p:nvPr/>
-        </p:nvSpPr>
-        <p:spPr>
-          <a:xfrm>
-            <a:off x="3071134" y="2070382"/>
-            <a:ext cx="1377094" cy="369332"/>
-          </a:xfrm>
-          <a:prstGeom prst="rect">
-            <a:avLst/>
-          </a:prstGeom>
-          <a:noFill/>
-        </p:spPr>
-        <p:txBody>
-          <a:bodyPr wrap="square" rtlCol="0">
-            <a:spAutoFit/>
-          </a:bodyPr>
-          <a:lstStyle/>
-          <a:p>
-            <a:r>
-              <a:rPr lang="fr-FR" b="1" dirty="0">
-                <a:solidFill>
-                  <a:srgbClr val="7030A0"/>
-                </a:solidFill>
-              </a:rPr>
-              <a:t>Nom</a:t>
-            </a:r>
-          </a:p>
-        </p:txBody>
-      </p:sp>
-      <p:sp>
-        <p:nvSpPr>
-          <p:cNvPr id="47" name="Rectangle : coins arrondis 46">
-            <a:extLst>
-              <a:ext uri="{FF2B5EF4-FFF2-40B4-BE49-F238E27FC236}">
-                <a16:creationId xmlns:a16="http://schemas.microsoft.com/office/drawing/2014/main" id="{8E702D2E-6809-4438-9543-08EDF6C065A0}"/>
+          <p:cNvPr id="38" name="Rectangle : coins arrondis 37">
+            <a:extLst>
+              <a:ext uri="{FF2B5EF4-FFF2-40B4-BE49-F238E27FC236}">
+                <a16:creationId xmlns:a16="http://schemas.microsoft.com/office/drawing/2014/main" id="{01F7892D-17C7-46C8-A9D8-E1C96DFEFC75}"/>
               </a:ext>
             </a:extLst>
           </p:cNvPr>
@@ -12341,8 +13530,8 @@
         </p:nvSpPr>
         <p:spPr>
           <a:xfrm>
-            <a:off x="4556727" y="1572319"/>
-            <a:ext cx="4393310" cy="418117"/>
+            <a:off x="4572000" y="5184938"/>
+            <a:ext cx="3001818" cy="436589"/>
           </a:xfrm>
           <a:prstGeom prst="roundRect">
             <a:avLst/>
@@ -12372,20 +13561,163 @@
           <a:lstStyle/>
           <a:p>
             <a:pPr algn="ctr"/>
-            <a:endParaRPr lang="fr-FR" sz="1800" dirty="0">
-              <a:solidFill>
-                <a:srgbClr val="7030A0"/>
-              </a:solidFill>
-            </a:endParaRPr>
-          </a:p>
-        </p:txBody>
-      </p:sp>
-      <p:sp>
-        <p:nvSpPr>
-          <p:cNvPr id="48" name="Rectangle : coins arrondis 47">
-            <a:extLst>
-              <a:ext uri="{FF2B5EF4-FFF2-40B4-BE49-F238E27FC236}">
-                <a16:creationId xmlns:a16="http://schemas.microsoft.com/office/drawing/2014/main" id="{40EBB870-F753-4ED9-83FA-57F14BB08F2E}"/>
+            <a:r>
+              <a:rPr lang="fr-FR" b="1" dirty="0">
+                <a:solidFill>
+                  <a:srgbClr val="7030A0"/>
+                </a:solidFill>
+              </a:rPr>
+              <a:t>Commande confirmée</a:t>
+            </a:r>
+          </a:p>
+        </p:txBody>
+      </p:sp>
+      <p:sp>
+        <p:nvSpPr>
+          <p:cNvPr id="39" name="ZoneTexte 38">
+            <a:hlinkClick r:id="rId8" action="ppaction://hlinksldjump"/>
+            <a:extLst>
+              <a:ext uri="{FF2B5EF4-FFF2-40B4-BE49-F238E27FC236}">
+                <a16:creationId xmlns:a16="http://schemas.microsoft.com/office/drawing/2014/main" id="{588C7C31-047B-414B-9845-79137781868A}"/>
+              </a:ext>
+            </a:extLst>
+          </p:cNvPr>
+          <p:cNvSpPr txBox="1"/>
+          <p:nvPr/>
+        </p:nvSpPr>
+        <p:spPr>
+          <a:xfrm>
+            <a:off x="4240105" y="279067"/>
+            <a:ext cx="3668761" cy="369332"/>
+          </a:xfrm>
+          <a:prstGeom prst="rect">
+            <a:avLst/>
+          </a:prstGeom>
+          <a:noFill/>
+        </p:spPr>
+        <p:txBody>
+          <a:bodyPr wrap="none" rtlCol="0">
+            <a:spAutoFit/>
+          </a:bodyPr>
+          <a:lstStyle/>
+          <a:p>
+            <a:r>
+              <a:rPr lang="fr-FR" b="1" dirty="0" err="1">
+                <a:solidFill>
+                  <a:schemeClr val="tx1">
+                    <a:lumMod val="65000"/>
+                    <a:lumOff val="35000"/>
+                  </a:schemeClr>
+                </a:solidFill>
+              </a:rPr>
+              <a:t>Oribear</a:t>
+            </a:r>
+            <a:r>
+              <a:rPr lang="fr-FR" dirty="0">
+                <a:solidFill>
+                  <a:schemeClr val="tx1">
+                    <a:lumMod val="65000"/>
+                    <a:lumOff val="35000"/>
+                  </a:schemeClr>
+                </a:solidFill>
+              </a:rPr>
+              <a:t> l’univers des ours en peluche</a:t>
+            </a:r>
+          </a:p>
+        </p:txBody>
+      </p:sp>
+      <p:sp>
+        <p:nvSpPr>
+          <p:cNvPr id="50" name="ZoneTexte 49">
+            <a:hlinkClick r:id="rId8" action="ppaction://hlinksldjump"/>
+            <a:extLst>
+              <a:ext uri="{FF2B5EF4-FFF2-40B4-BE49-F238E27FC236}">
+                <a16:creationId xmlns:a16="http://schemas.microsoft.com/office/drawing/2014/main" id="{B81C9DBD-A7A7-4A8E-98DC-57E88E1F0E55}"/>
+              </a:ext>
+            </a:extLst>
+          </p:cNvPr>
+          <p:cNvSpPr txBox="1"/>
+          <p:nvPr/>
+        </p:nvSpPr>
+        <p:spPr>
+          <a:xfrm>
+            <a:off x="10116903" y="279067"/>
+            <a:ext cx="867545" cy="369332"/>
+          </a:xfrm>
+          <a:prstGeom prst="rect">
+            <a:avLst/>
+          </a:prstGeom>
+          <a:noFill/>
+        </p:spPr>
+        <p:txBody>
+          <a:bodyPr wrap="none" rtlCol="0">
+            <a:spAutoFit/>
+          </a:bodyPr>
+          <a:lstStyle/>
+          <a:p>
+            <a:r>
+              <a:rPr lang="fr-FR" dirty="0">
+                <a:solidFill>
+                  <a:schemeClr val="tx1">
+                    <a:lumMod val="65000"/>
+                    <a:lumOff val="35000"/>
+                  </a:schemeClr>
+                </a:solidFill>
+              </a:rPr>
+              <a:t>Accueil</a:t>
+            </a:r>
+          </a:p>
+        </p:txBody>
+      </p:sp>
+      <p:sp>
+        <p:nvSpPr>
+          <p:cNvPr id="51" name="ZoneTexte 50">
+            <a:hlinkClick r:id="rId10" action="ppaction://hlinksldjump"/>
+            <a:extLst>
+              <a:ext uri="{FF2B5EF4-FFF2-40B4-BE49-F238E27FC236}">
+                <a16:creationId xmlns:a16="http://schemas.microsoft.com/office/drawing/2014/main" id="{8E2BA8F2-9B85-4A9C-8F65-B5F53F3BA6C7}"/>
+              </a:ext>
+            </a:extLst>
+          </p:cNvPr>
+          <p:cNvSpPr txBox="1"/>
+          <p:nvPr/>
+        </p:nvSpPr>
+        <p:spPr>
+          <a:xfrm>
+            <a:off x="11108051" y="279703"/>
+            <a:ext cx="794128" cy="369332"/>
+          </a:xfrm>
+          <a:prstGeom prst="rect">
+            <a:avLst/>
+          </a:prstGeom>
+          <a:noFill/>
+        </p:spPr>
+        <p:txBody>
+          <a:bodyPr wrap="none" rtlCol="0">
+            <a:spAutoFit/>
+          </a:bodyPr>
+          <a:lstStyle/>
+          <a:p>
+            <a:r>
+              <a:rPr lang="fr-FR" dirty="0">
+                <a:solidFill>
+                  <a:schemeClr val="tx1">
+                    <a:lumMod val="65000"/>
+                    <a:lumOff val="35000"/>
+                  </a:schemeClr>
+                </a:solidFill>
+              </a:rPr>
+              <a:t>Panier</a:t>
+            </a:r>
+          </a:p>
+        </p:txBody>
+      </p:sp>
+      <p:sp>
+        <p:nvSpPr>
+          <p:cNvPr id="52" name="Rectangle 51">
+            <a:extLst>
+              <a:ext uri="{FF2B5EF4-FFF2-40B4-BE49-F238E27FC236}">
+                <a16:creationId xmlns:a16="http://schemas.microsoft.com/office/drawing/2014/main" id="{DBF8394B-70E9-4E9C-BFEB-91EB3A7EF268}"/>
               </a:ext>
             </a:extLst>
           </p:cNvPr>
@@ -12394,8 +13726,52 @@
         </p:nvSpPr>
         <p:spPr>
           <a:xfrm>
-            <a:off x="4556727" y="2082024"/>
-            <a:ext cx="4393310" cy="436589"/>
+            <a:off x="3061853" y="1249078"/>
+            <a:ext cx="6086765" cy="3752910"/>
+          </a:xfrm>
+          <a:prstGeom prst="rect">
+            <a:avLst/>
+          </a:prstGeom>
+        </p:spPr>
+        <p:style>
+          <a:lnRef idx="2">
+            <a:schemeClr val="accent6"/>
+          </a:lnRef>
+          <a:fillRef idx="1">
+            <a:schemeClr val="lt1"/>
+          </a:fillRef>
+          <a:effectRef idx="0">
+            <a:schemeClr val="accent6"/>
+          </a:effectRef>
+          <a:fontRef idx="minor">
+            <a:schemeClr val="dk1"/>
+          </a:fontRef>
+        </p:style>
+        <p:txBody>
+          <a:bodyPr rtlCol="0" anchor="ctr"/>
+          <a:lstStyle/>
+          <a:p>
+            <a:pPr algn="ctr"/>
+            <a:endParaRPr lang="fr-FR" dirty="0"/>
+          </a:p>
+        </p:txBody>
+      </p:sp>
+      <p:sp>
+        <p:nvSpPr>
+          <p:cNvPr id="53" name="Rectangle : coins arrondis 52">
+            <a:extLst>
+              <a:ext uri="{FF2B5EF4-FFF2-40B4-BE49-F238E27FC236}">
+                <a16:creationId xmlns:a16="http://schemas.microsoft.com/office/drawing/2014/main" id="{4B4815AD-5DE5-46B3-A5EE-50A2B7407F23}"/>
+              </a:ext>
+            </a:extLst>
+          </p:cNvPr>
+          <p:cNvSpPr/>
+          <p:nvPr/>
+        </p:nvSpPr>
+        <p:spPr>
+          <a:xfrm>
+            <a:off x="7121236" y="1558465"/>
+            <a:ext cx="1352201" cy="418117"/>
           </a:xfrm>
           <a:prstGeom prst="roundRect">
             <a:avLst/>
@@ -12424,21 +13800,24 @@
           <a:bodyPr rtlCol="0" anchor="ctr"/>
           <a:lstStyle/>
           <a:p>
-            <a:pPr algn="ctr"/>
-            <a:endParaRPr lang="fr-FR" sz="1800" dirty="0">
-              <a:solidFill>
-                <a:srgbClr val="7030A0"/>
-              </a:solidFill>
-            </a:endParaRPr>
-          </a:p>
-        </p:txBody>
-      </p:sp>
-      <p:sp>
-        <p:nvSpPr>
-          <p:cNvPr id="55" name="ZoneTexte 54">
-            <a:extLst>
-              <a:ext uri="{FF2B5EF4-FFF2-40B4-BE49-F238E27FC236}">
-                <a16:creationId xmlns:a16="http://schemas.microsoft.com/office/drawing/2014/main" id="{89ADEBD4-34B2-4960-8960-6D53CF3DFCB6}"/>
+            <a:pPr algn="r"/>
+            <a:r>
+              <a:rPr lang="fr-FR" sz="1800" dirty="0">
+                <a:solidFill>
+                  <a:srgbClr val="7030A0"/>
+                </a:solidFill>
+              </a:rPr>
+              <a:t>58 € 00</a:t>
+            </a:r>
+          </a:p>
+        </p:txBody>
+      </p:sp>
+      <p:sp>
+        <p:nvSpPr>
+          <p:cNvPr id="58" name="ZoneTexte 57">
+            <a:extLst>
+              <a:ext uri="{FF2B5EF4-FFF2-40B4-BE49-F238E27FC236}">
+                <a16:creationId xmlns:a16="http://schemas.microsoft.com/office/drawing/2014/main" id="{7E4D4460-B5F3-4424-9A17-CCFE31B6CEE4}"/>
               </a:ext>
             </a:extLst>
           </p:cNvPr>
@@ -12447,7 +13826,7 @@
         </p:nvSpPr>
         <p:spPr>
           <a:xfrm>
-            <a:off x="3071133" y="2615534"/>
+            <a:off x="3071134" y="1553738"/>
             <a:ext cx="1377094" cy="369332"/>
           </a:xfrm>
           <a:prstGeom prst="rect">
@@ -12467,17 +13846,17 @@
                   <a:srgbClr val="7030A0"/>
                 </a:solidFill>
               </a:rPr>
-              <a:t>Prénom</a:t>
-            </a:r>
-          </a:p>
-        </p:txBody>
-      </p:sp>
-      <p:sp>
-        <p:nvSpPr>
-          <p:cNvPr id="57" name="Rectangle : coins arrondis 56">
-            <a:extLst>
-              <a:ext uri="{FF2B5EF4-FFF2-40B4-BE49-F238E27FC236}">
-                <a16:creationId xmlns:a16="http://schemas.microsoft.com/office/drawing/2014/main" id="{8C3B7871-EF3A-4B64-AE68-C118C50C1FC4}"/>
+              <a:t>Norbert</a:t>
+            </a:r>
+          </a:p>
+        </p:txBody>
+      </p:sp>
+      <p:sp>
+        <p:nvSpPr>
+          <p:cNvPr id="59" name="Rectangle : coins arrondis 58">
+            <a:extLst>
+              <a:ext uri="{FF2B5EF4-FFF2-40B4-BE49-F238E27FC236}">
+                <a16:creationId xmlns:a16="http://schemas.microsoft.com/office/drawing/2014/main" id="{1898C1BC-7117-4185-B4F4-C09C55E789A3}"/>
               </a:ext>
             </a:extLst>
           </p:cNvPr>
@@ -12486,8 +13865,8 @@
         </p:nvSpPr>
         <p:spPr>
           <a:xfrm>
-            <a:off x="4556726" y="2627176"/>
-            <a:ext cx="4393310" cy="436589"/>
+            <a:off x="6096008" y="1572319"/>
+            <a:ext cx="675016" cy="413499"/>
           </a:xfrm>
           <a:prstGeom prst="roundRect">
             <a:avLst/>
@@ -12517,59 +13896,23 @@
           <a:lstStyle/>
           <a:p>
             <a:pPr algn="ctr"/>
-            <a:endParaRPr lang="fr-FR" sz="1800" dirty="0">
-              <a:solidFill>
-                <a:srgbClr val="7030A0"/>
-              </a:solidFill>
-            </a:endParaRPr>
-          </a:p>
-        </p:txBody>
-      </p:sp>
-      <p:sp>
-        <p:nvSpPr>
-          <p:cNvPr id="67" name="ZoneTexte 66">
-            <a:extLst>
-              <a:ext uri="{FF2B5EF4-FFF2-40B4-BE49-F238E27FC236}">
-                <a16:creationId xmlns:a16="http://schemas.microsoft.com/office/drawing/2014/main" id="{AE902DF0-A42B-4A82-9F35-0F3E7C9AB6AC}"/>
-              </a:ext>
-            </a:extLst>
-          </p:cNvPr>
-          <p:cNvSpPr txBox="1"/>
-          <p:nvPr/>
-        </p:nvSpPr>
-        <p:spPr>
-          <a:xfrm>
-            <a:off x="3071133" y="3166281"/>
-            <a:ext cx="1377094" cy="369332"/>
-          </a:xfrm>
-          <a:prstGeom prst="rect">
-            <a:avLst/>
-          </a:prstGeom>
-          <a:noFill/>
-        </p:spPr>
-        <p:txBody>
-          <a:bodyPr wrap="square" rtlCol="0">
-            <a:spAutoFit/>
-          </a:bodyPr>
-          <a:lstStyle/>
-          <a:p>
-            <a:r>
-              <a:rPr lang="fr-FR" b="1" dirty="0">
-                <a:solidFill>
-                  <a:srgbClr val="7030A0"/>
-                </a:solidFill>
-              </a:rPr>
-              <a:t>Email</a:t>
-            </a:r>
-          </a:p>
-        </p:txBody>
-      </p:sp>
-      <p:sp>
-        <p:nvSpPr>
-          <p:cNvPr id="69" name="Rectangle : coins arrondis 68">
-            <a:extLst>
-              <a:ext uri="{FF2B5EF4-FFF2-40B4-BE49-F238E27FC236}">
-                <a16:creationId xmlns:a16="http://schemas.microsoft.com/office/drawing/2014/main" id="{EBCED5C4-454D-4E76-9610-FA9287B44C44}"/>
+            <a:r>
+              <a:rPr lang="fr-FR" sz="1800" dirty="0">
+                <a:solidFill>
+                  <a:srgbClr val="7030A0"/>
+                </a:solidFill>
+              </a:rPr>
+              <a:t>2</a:t>
+            </a:r>
+          </a:p>
+        </p:txBody>
+      </p:sp>
+      <p:sp>
+        <p:nvSpPr>
+          <p:cNvPr id="60" name="Rectangle : coins arrondis 59">
+            <a:extLst>
+              <a:ext uri="{FF2B5EF4-FFF2-40B4-BE49-F238E27FC236}">
+                <a16:creationId xmlns:a16="http://schemas.microsoft.com/office/drawing/2014/main" id="{07715CB1-D74E-43A9-B0D0-D68A0FA3164C}"/>
               </a:ext>
             </a:extLst>
           </p:cNvPr>
@@ -12578,8 +13921,8 @@
         </p:nvSpPr>
         <p:spPr>
           <a:xfrm>
-            <a:off x="4556726" y="3177923"/>
-            <a:ext cx="4393310" cy="436589"/>
+            <a:off x="7121236" y="2075109"/>
+            <a:ext cx="1352201" cy="436589"/>
           </a:xfrm>
           <a:prstGeom prst="roundRect">
             <a:avLst/>
@@ -12608,21 +13951,32 @@
           <a:bodyPr rtlCol="0" anchor="ctr"/>
           <a:lstStyle/>
           <a:p>
-            <a:pPr algn="ctr"/>
-            <a:endParaRPr lang="fr-FR" sz="1800" dirty="0">
-              <a:solidFill>
-                <a:srgbClr val="7030A0"/>
-              </a:solidFill>
-            </a:endParaRPr>
-          </a:p>
-        </p:txBody>
-      </p:sp>
-      <p:sp>
-        <p:nvSpPr>
-          <p:cNvPr id="79" name="ZoneTexte 78">
-            <a:extLst>
-              <a:ext uri="{FF2B5EF4-FFF2-40B4-BE49-F238E27FC236}">
-                <a16:creationId xmlns:a16="http://schemas.microsoft.com/office/drawing/2014/main" id="{8F6D4638-BF84-4DD6-A596-3F8F9A0CAF5A}"/>
+            <a:pPr algn="r"/>
+            <a:r>
+              <a:rPr lang="fr-FR" dirty="0">
+                <a:solidFill>
+                  <a:srgbClr val="7030A0"/>
+                </a:solidFill>
+              </a:rPr>
+              <a:t>39</a:t>
+            </a:r>
+            <a:r>
+              <a:rPr lang="fr-FR" sz="1800" dirty="0">
+                <a:solidFill>
+                  <a:srgbClr val="7030A0"/>
+                </a:solidFill>
+              </a:rPr>
+              <a:t> € 00</a:t>
+            </a:r>
+          </a:p>
+        </p:txBody>
+      </p:sp>
+      <p:sp>
+        <p:nvSpPr>
+          <p:cNvPr id="61" name="ZoneTexte 60">
+            <a:extLst>
+              <a:ext uri="{FF2B5EF4-FFF2-40B4-BE49-F238E27FC236}">
+                <a16:creationId xmlns:a16="http://schemas.microsoft.com/office/drawing/2014/main" id="{FF2B4147-AE8B-4659-A440-E3970AE9A722}"/>
               </a:ext>
             </a:extLst>
           </p:cNvPr>
@@ -12631,7 +13985,7 @@
         </p:nvSpPr>
         <p:spPr>
           <a:xfrm>
-            <a:off x="3067433" y="3718934"/>
+            <a:off x="3071134" y="2070382"/>
             <a:ext cx="1377094" cy="369332"/>
           </a:xfrm>
           <a:prstGeom prst="rect">
@@ -12651,17 +14005,17 @@
                   <a:srgbClr val="7030A0"/>
                 </a:solidFill>
               </a:rPr>
-              <a:t>Message</a:t>
-            </a:r>
-          </a:p>
-        </p:txBody>
-      </p:sp>
-      <p:sp>
-        <p:nvSpPr>
-          <p:cNvPr id="81" name="Rectangle : coins arrondis 80">
-            <a:extLst>
-              <a:ext uri="{FF2B5EF4-FFF2-40B4-BE49-F238E27FC236}">
-                <a16:creationId xmlns:a16="http://schemas.microsoft.com/office/drawing/2014/main" id="{E7A91C03-8900-45CE-92D4-9799CA8635C7}"/>
+              <a:t>Arnold</a:t>
+            </a:r>
+          </a:p>
+        </p:txBody>
+      </p:sp>
+      <p:sp>
+        <p:nvSpPr>
+          <p:cNvPr id="62" name="Rectangle : coins arrondis 61">
+            <a:extLst>
+              <a:ext uri="{FF2B5EF4-FFF2-40B4-BE49-F238E27FC236}">
+                <a16:creationId xmlns:a16="http://schemas.microsoft.com/office/drawing/2014/main" id="{E2617960-2B71-4455-B3C4-1F35560436B9}"/>
               </a:ext>
             </a:extLst>
           </p:cNvPr>
@@ -12670,8 +14024,8 @@
         </p:nvSpPr>
         <p:spPr>
           <a:xfrm>
-            <a:off x="4553026" y="3730576"/>
-            <a:ext cx="4393310" cy="1130868"/>
+            <a:off x="6096008" y="2088963"/>
+            <a:ext cx="675016" cy="413499"/>
           </a:xfrm>
           <a:prstGeom prst="roundRect">
             <a:avLst/>
@@ -12701,20 +14055,23 @@
           <a:lstStyle/>
           <a:p>
             <a:pPr algn="ctr"/>
-            <a:endParaRPr lang="fr-FR" sz="1800" dirty="0">
-              <a:solidFill>
-                <a:srgbClr val="7030A0"/>
-              </a:solidFill>
-            </a:endParaRPr>
-          </a:p>
-        </p:txBody>
-      </p:sp>
-      <p:sp>
-        <p:nvSpPr>
-          <p:cNvPr id="38" name="Rectangle : coins arrondis 37">
-            <a:extLst>
-              <a:ext uri="{FF2B5EF4-FFF2-40B4-BE49-F238E27FC236}">
-                <a16:creationId xmlns:a16="http://schemas.microsoft.com/office/drawing/2014/main" id="{01F7892D-17C7-46C8-A9D8-E1C96DFEFC75}"/>
+            <a:r>
+              <a:rPr lang="fr-FR" sz="1800" dirty="0">
+                <a:solidFill>
+                  <a:srgbClr val="7030A0"/>
+                </a:solidFill>
+              </a:rPr>
+              <a:t>1</a:t>
+            </a:r>
+          </a:p>
+        </p:txBody>
+      </p:sp>
+      <p:sp>
+        <p:nvSpPr>
+          <p:cNvPr id="63" name="Rectangle : coins arrondis 62">
+            <a:extLst>
+              <a:ext uri="{FF2B5EF4-FFF2-40B4-BE49-F238E27FC236}">
+                <a16:creationId xmlns:a16="http://schemas.microsoft.com/office/drawing/2014/main" id="{6267EA8D-BBEC-4B1C-9ACB-B356856324E8}"/>
               </a:ext>
             </a:extLst>
           </p:cNvPr>
@@ -12723,8 +14080,8 @@
         </p:nvSpPr>
         <p:spPr>
           <a:xfrm>
-            <a:off x="4572000" y="5184938"/>
-            <a:ext cx="3001818" cy="436589"/>
+            <a:off x="4556727" y="1572319"/>
+            <a:ext cx="1056041" cy="418117"/>
           </a:xfrm>
           <a:prstGeom prst="roundRect">
             <a:avLst/>
@@ -12755,23 +14112,195 @@
           <a:p>
             <a:pPr algn="ctr"/>
             <a:r>
+              <a:rPr lang="fr-FR" sz="1800" dirty="0">
+                <a:solidFill>
+                  <a:srgbClr val="7030A0"/>
+                </a:solidFill>
+              </a:rPr>
+              <a:t>29 € 00</a:t>
+            </a:r>
+          </a:p>
+        </p:txBody>
+      </p:sp>
+      <p:sp>
+        <p:nvSpPr>
+          <p:cNvPr id="64" name="Rectangle : coins arrondis 63">
+            <a:extLst>
+              <a:ext uri="{FF2B5EF4-FFF2-40B4-BE49-F238E27FC236}">
+                <a16:creationId xmlns:a16="http://schemas.microsoft.com/office/drawing/2014/main" id="{389B866E-30CE-4F42-BD03-3AE8D835C74C}"/>
+              </a:ext>
+            </a:extLst>
+          </p:cNvPr>
+          <p:cNvSpPr/>
+          <p:nvPr/>
+        </p:nvSpPr>
+        <p:spPr>
+          <a:xfrm>
+            <a:off x="4556727" y="2082024"/>
+            <a:ext cx="1056041" cy="436589"/>
+          </a:xfrm>
+          <a:prstGeom prst="roundRect">
+            <a:avLst/>
+          </a:prstGeom>
+          <a:solidFill>
+            <a:srgbClr val="F3E9F1"/>
+          </a:solidFill>
+        </p:spPr>
+        <p:style>
+          <a:lnRef idx="2">
+            <a:schemeClr val="accent1">
+              <a:shade val="50000"/>
+            </a:schemeClr>
+          </a:lnRef>
+          <a:fillRef idx="1">
+            <a:schemeClr val="accent1"/>
+          </a:fillRef>
+          <a:effectRef idx="0">
+            <a:schemeClr val="accent1"/>
+          </a:effectRef>
+          <a:fontRef idx="minor">
+            <a:schemeClr val="lt1"/>
+          </a:fontRef>
+        </p:style>
+        <p:txBody>
+          <a:bodyPr rtlCol="0" anchor="ctr"/>
+          <a:lstStyle/>
+          <a:p>
+            <a:pPr algn="ctr"/>
+            <a:r>
+              <a:rPr lang="fr-FR" dirty="0">
+                <a:solidFill>
+                  <a:srgbClr val="7030A0"/>
+                </a:solidFill>
+              </a:rPr>
+              <a:t>39</a:t>
+            </a:r>
+            <a:r>
+              <a:rPr lang="fr-FR" sz="1800" dirty="0">
+                <a:solidFill>
+                  <a:srgbClr val="7030A0"/>
+                </a:solidFill>
+              </a:rPr>
+              <a:t> € 00</a:t>
+            </a:r>
+          </a:p>
+        </p:txBody>
+      </p:sp>
+      <p:sp>
+        <p:nvSpPr>
+          <p:cNvPr id="65" name="Rectangle : coins arrondis 64">
+            <a:extLst>
+              <a:ext uri="{FF2B5EF4-FFF2-40B4-BE49-F238E27FC236}">
+                <a16:creationId xmlns:a16="http://schemas.microsoft.com/office/drawing/2014/main" id="{B3E7E9CF-0EBE-4BA6-AC1B-7B11892576FD}"/>
+              </a:ext>
+            </a:extLst>
+          </p:cNvPr>
+          <p:cNvSpPr/>
+          <p:nvPr/>
+        </p:nvSpPr>
+        <p:spPr>
+          <a:xfrm>
+            <a:off x="7117535" y="4369503"/>
+            <a:ext cx="1363612" cy="436589"/>
+          </a:xfrm>
+          <a:prstGeom prst="roundRect">
+            <a:avLst/>
+          </a:prstGeom>
+          <a:solidFill>
+            <a:srgbClr val="F3E9F1"/>
+          </a:solidFill>
+        </p:spPr>
+        <p:style>
+          <a:lnRef idx="2">
+            <a:schemeClr val="accent1">
+              <a:shade val="50000"/>
+            </a:schemeClr>
+          </a:lnRef>
+          <a:fillRef idx="1">
+            <a:schemeClr val="accent1"/>
+          </a:fillRef>
+          <a:effectRef idx="0">
+            <a:schemeClr val="accent1"/>
+          </a:effectRef>
+          <a:fontRef idx="minor">
+            <a:schemeClr val="lt1"/>
+          </a:fontRef>
+        </p:style>
+        <p:txBody>
+          <a:bodyPr rtlCol="0" anchor="ctr"/>
+          <a:lstStyle/>
+          <a:p>
+            <a:pPr algn="r"/>
+            <a:r>
               <a:rPr lang="fr-FR" b="1" dirty="0">
                 <a:solidFill>
                   <a:srgbClr val="7030A0"/>
                 </a:solidFill>
               </a:rPr>
-              <a:t>J’envoie</a:t>
-            </a:r>
-          </a:p>
-        </p:txBody>
-      </p:sp>
-      <p:sp>
-        <p:nvSpPr>
-          <p:cNvPr id="24" name="ZoneTexte 23">
-            <a:hlinkClick r:id="rId8" action="ppaction://hlinksldjump"/>
-            <a:extLst>
-              <a:ext uri="{FF2B5EF4-FFF2-40B4-BE49-F238E27FC236}">
-                <a16:creationId xmlns:a16="http://schemas.microsoft.com/office/drawing/2014/main" id="{B1262C9C-CAF9-4D70-96A0-0B4C22137D17}"/>
+              <a:t>97 € 00</a:t>
+            </a:r>
+          </a:p>
+        </p:txBody>
+      </p:sp>
+      <p:sp>
+        <p:nvSpPr>
+          <p:cNvPr id="70" name="Rectangle : coins arrondis 69">
+            <a:extLst>
+              <a:ext uri="{FF2B5EF4-FFF2-40B4-BE49-F238E27FC236}">
+                <a16:creationId xmlns:a16="http://schemas.microsoft.com/office/drawing/2014/main" id="{A669500C-6B1F-42C9-B394-1E846DC6B743}"/>
+              </a:ext>
+            </a:extLst>
+          </p:cNvPr>
+          <p:cNvSpPr/>
+          <p:nvPr/>
+        </p:nvSpPr>
+        <p:spPr>
+          <a:xfrm>
+            <a:off x="7121235" y="2620261"/>
+            <a:ext cx="1352201" cy="436589"/>
+          </a:xfrm>
+          <a:prstGeom prst="roundRect">
+            <a:avLst/>
+          </a:prstGeom>
+          <a:solidFill>
+            <a:srgbClr val="F3E9F1"/>
+          </a:solidFill>
+        </p:spPr>
+        <p:style>
+          <a:lnRef idx="2">
+            <a:schemeClr val="accent1">
+              <a:shade val="50000"/>
+            </a:schemeClr>
+          </a:lnRef>
+          <a:fillRef idx="1">
+            <a:schemeClr val="accent1"/>
+          </a:fillRef>
+          <a:effectRef idx="0">
+            <a:schemeClr val="accent1"/>
+          </a:effectRef>
+          <a:fontRef idx="minor">
+            <a:schemeClr val="lt1"/>
+          </a:fontRef>
+        </p:style>
+        <p:txBody>
+          <a:bodyPr rtlCol="0" anchor="ctr"/>
+          <a:lstStyle/>
+          <a:p>
+            <a:pPr algn="r"/>
+            <a:endParaRPr lang="fr-FR" sz="1800" dirty="0">
+              <a:solidFill>
+                <a:srgbClr val="7030A0"/>
+              </a:solidFill>
+            </a:endParaRPr>
+          </a:p>
+        </p:txBody>
+      </p:sp>
+      <p:sp>
+        <p:nvSpPr>
+          <p:cNvPr id="71" name="ZoneTexte 70">
+            <a:extLst>
+              <a:ext uri="{FF2B5EF4-FFF2-40B4-BE49-F238E27FC236}">
+                <a16:creationId xmlns:a16="http://schemas.microsoft.com/office/drawing/2014/main" id="{2945A1FD-998C-4380-BD90-8F439947CFF5}"/>
               </a:ext>
             </a:extLst>
           </p:cNvPr>
@@ -12780,8 +14309,8 @@
         </p:nvSpPr>
         <p:spPr>
           <a:xfrm>
-            <a:off x="4240105" y="279067"/>
-            <a:ext cx="3668761" cy="369332"/>
+            <a:off x="3071132" y="2615534"/>
+            <a:ext cx="1481893" cy="369332"/>
           </a:xfrm>
           <a:prstGeom prst="rect">
             <a:avLst/>
@@ -12789,7 +14318,7 @@
           <a:noFill/>
         </p:spPr>
         <p:txBody>
-          <a:bodyPr wrap="none" rtlCol="0">
+          <a:bodyPr wrap="square" rtlCol="0">
             <a:spAutoFit/>
           </a:bodyPr>
           <a:lstStyle/>
@@ -12797,35 +14326,190 @@
             <a:r>
               <a:rPr lang="fr-FR" b="1" dirty="0" err="1">
                 <a:solidFill>
-                  <a:schemeClr val="tx1">
-                    <a:lumMod val="65000"/>
-                    <a:lumOff val="35000"/>
-                  </a:schemeClr>
-                </a:solidFill>
-              </a:rPr>
-              <a:t>Oribear</a:t>
-            </a:r>
-            <a:r>
-              <a:rPr lang="fr-FR" dirty="0">
-                <a:solidFill>
-                  <a:schemeClr val="tx1">
-                    <a:lumMod val="65000"/>
-                    <a:lumOff val="35000"/>
-                  </a:schemeClr>
-                </a:solidFill>
-              </a:rPr>
-              <a:t> l’univers des ours en peluche</a:t>
-            </a:r>
-          </a:p>
-        </p:txBody>
-      </p:sp>
-      <p:sp>
-        <p:nvSpPr>
-          <p:cNvPr id="28" name="ZoneTexte 27">
-            <a:hlinkClick r:id="rId8" action="ppaction://hlinksldjump"/>
-            <a:extLst>
-              <a:ext uri="{FF2B5EF4-FFF2-40B4-BE49-F238E27FC236}">
-                <a16:creationId xmlns:a16="http://schemas.microsoft.com/office/drawing/2014/main" id="{DDF92D9C-8C9E-4DC8-BDB6-3F5732B89280}"/>
+                  <a:srgbClr val="7030A0"/>
+                </a:solidFill>
+              </a:rPr>
+              <a:t>Lenna</a:t>
+            </a:r>
+            <a:r>
+              <a:rPr lang="fr-FR" b="1" dirty="0">
+                <a:solidFill>
+                  <a:srgbClr val="7030A0"/>
+                </a:solidFill>
+              </a:rPr>
+              <a:t> &amp; Carl</a:t>
+            </a:r>
+          </a:p>
+        </p:txBody>
+      </p:sp>
+      <p:sp>
+        <p:nvSpPr>
+          <p:cNvPr id="72" name="Rectangle : coins arrondis 71">
+            <a:extLst>
+              <a:ext uri="{FF2B5EF4-FFF2-40B4-BE49-F238E27FC236}">
+                <a16:creationId xmlns:a16="http://schemas.microsoft.com/office/drawing/2014/main" id="{636FFD29-989E-4819-978A-4C51AAA97019}"/>
+              </a:ext>
+            </a:extLst>
+          </p:cNvPr>
+          <p:cNvSpPr/>
+          <p:nvPr/>
+        </p:nvSpPr>
+        <p:spPr>
+          <a:xfrm>
+            <a:off x="6096007" y="2634115"/>
+            <a:ext cx="675016" cy="413499"/>
+          </a:xfrm>
+          <a:prstGeom prst="roundRect">
+            <a:avLst/>
+          </a:prstGeom>
+          <a:solidFill>
+            <a:srgbClr val="F3E9F1"/>
+          </a:solidFill>
+        </p:spPr>
+        <p:style>
+          <a:lnRef idx="2">
+            <a:schemeClr val="accent1">
+              <a:shade val="50000"/>
+            </a:schemeClr>
+          </a:lnRef>
+          <a:fillRef idx="1">
+            <a:schemeClr val="accent1"/>
+          </a:fillRef>
+          <a:effectRef idx="0">
+            <a:schemeClr val="accent1"/>
+          </a:effectRef>
+          <a:fontRef idx="minor">
+            <a:schemeClr val="lt1"/>
+          </a:fontRef>
+        </p:style>
+        <p:txBody>
+          <a:bodyPr rtlCol="0" anchor="ctr"/>
+          <a:lstStyle/>
+          <a:p>
+            <a:pPr algn="ctr"/>
+            <a:endParaRPr lang="fr-FR" sz="1800" dirty="0">
+              <a:solidFill>
+                <a:srgbClr val="7030A0"/>
+              </a:solidFill>
+            </a:endParaRPr>
+          </a:p>
+        </p:txBody>
+      </p:sp>
+      <p:sp>
+        <p:nvSpPr>
+          <p:cNvPr id="73" name="Rectangle : coins arrondis 72">
+            <a:extLst>
+              <a:ext uri="{FF2B5EF4-FFF2-40B4-BE49-F238E27FC236}">
+                <a16:creationId xmlns:a16="http://schemas.microsoft.com/office/drawing/2014/main" id="{2882D2D1-8019-4427-ADB9-8B5EC6417456}"/>
+              </a:ext>
+            </a:extLst>
+          </p:cNvPr>
+          <p:cNvSpPr/>
+          <p:nvPr/>
+        </p:nvSpPr>
+        <p:spPr>
+          <a:xfrm>
+            <a:off x="4556726" y="2627176"/>
+            <a:ext cx="1056041" cy="436589"/>
+          </a:xfrm>
+          <a:prstGeom prst="roundRect">
+            <a:avLst/>
+          </a:prstGeom>
+          <a:solidFill>
+            <a:srgbClr val="F3E9F1"/>
+          </a:solidFill>
+        </p:spPr>
+        <p:style>
+          <a:lnRef idx="2">
+            <a:schemeClr val="accent1">
+              <a:shade val="50000"/>
+            </a:schemeClr>
+          </a:lnRef>
+          <a:fillRef idx="1">
+            <a:schemeClr val="accent1"/>
+          </a:fillRef>
+          <a:effectRef idx="0">
+            <a:schemeClr val="accent1"/>
+          </a:effectRef>
+          <a:fontRef idx="minor">
+            <a:schemeClr val="lt1"/>
+          </a:fontRef>
+        </p:style>
+        <p:txBody>
+          <a:bodyPr rtlCol="0" anchor="ctr"/>
+          <a:lstStyle/>
+          <a:p>
+            <a:pPr algn="ctr"/>
+            <a:r>
+              <a:rPr lang="fr-FR" sz="1800" dirty="0">
+                <a:solidFill>
+                  <a:srgbClr val="7030A0"/>
+                </a:solidFill>
+              </a:rPr>
+              <a:t>59 € 00</a:t>
+            </a:r>
+          </a:p>
+        </p:txBody>
+      </p:sp>
+      <p:sp>
+        <p:nvSpPr>
+          <p:cNvPr id="74" name="Rectangle : coins arrondis 73">
+            <a:extLst>
+              <a:ext uri="{FF2B5EF4-FFF2-40B4-BE49-F238E27FC236}">
+                <a16:creationId xmlns:a16="http://schemas.microsoft.com/office/drawing/2014/main" id="{BC2C0BBA-A31F-41D9-9AB9-36DC9B96520B}"/>
+              </a:ext>
+            </a:extLst>
+          </p:cNvPr>
+          <p:cNvSpPr/>
+          <p:nvPr/>
+        </p:nvSpPr>
+        <p:spPr>
+          <a:xfrm>
+            <a:off x="7121235" y="3171008"/>
+            <a:ext cx="1352201" cy="436589"/>
+          </a:xfrm>
+          <a:prstGeom prst="roundRect">
+            <a:avLst/>
+          </a:prstGeom>
+          <a:solidFill>
+            <a:srgbClr val="F3E9F1"/>
+          </a:solidFill>
+        </p:spPr>
+        <p:style>
+          <a:lnRef idx="2">
+            <a:schemeClr val="accent1">
+              <a:shade val="50000"/>
+            </a:schemeClr>
+          </a:lnRef>
+          <a:fillRef idx="1">
+            <a:schemeClr val="accent1"/>
+          </a:fillRef>
+          <a:effectRef idx="0">
+            <a:schemeClr val="accent1"/>
+          </a:effectRef>
+          <a:fontRef idx="minor">
+            <a:schemeClr val="lt1"/>
+          </a:fontRef>
+        </p:style>
+        <p:txBody>
+          <a:bodyPr rtlCol="0" anchor="ctr"/>
+          <a:lstStyle/>
+          <a:p>
+            <a:pPr algn="r"/>
+            <a:endParaRPr lang="fr-FR" sz="1800" dirty="0">
+              <a:solidFill>
+                <a:srgbClr val="7030A0"/>
+              </a:solidFill>
+            </a:endParaRPr>
+          </a:p>
+        </p:txBody>
+      </p:sp>
+      <p:sp>
+        <p:nvSpPr>
+          <p:cNvPr id="75" name="ZoneTexte 74">
+            <a:extLst>
+              <a:ext uri="{FF2B5EF4-FFF2-40B4-BE49-F238E27FC236}">
+                <a16:creationId xmlns:a16="http://schemas.microsoft.com/office/drawing/2014/main" id="{ED494390-4B5E-4903-BC49-93320B8EA727}"/>
               </a:ext>
             </a:extLst>
           </p:cNvPr>
@@ -12834,8 +14518,8 @@
         </p:nvSpPr>
         <p:spPr>
           <a:xfrm>
-            <a:off x="10116903" y="279067"/>
-            <a:ext cx="867545" cy="369332"/>
+            <a:off x="3071133" y="3166281"/>
+            <a:ext cx="1377094" cy="369332"/>
           </a:xfrm>
           <a:prstGeom prst="rect">
             <a:avLst/>
@@ -12843,32 +14527,198 @@
           <a:noFill/>
         </p:spPr>
         <p:txBody>
-          <a:bodyPr wrap="none" rtlCol="0">
+          <a:bodyPr wrap="square" rtlCol="0">
             <a:spAutoFit/>
           </a:bodyPr>
           <a:lstStyle/>
           <a:p>
             <a:r>
+              <a:rPr lang="fr-FR" b="1" dirty="0">
+                <a:solidFill>
+                  <a:srgbClr val="7030A0"/>
+                </a:solidFill>
+              </a:rPr>
+              <a:t>Gustav</a:t>
+            </a:r>
+          </a:p>
+        </p:txBody>
+      </p:sp>
+      <p:sp>
+        <p:nvSpPr>
+          <p:cNvPr id="76" name="Rectangle : coins arrondis 75">
+            <a:extLst>
+              <a:ext uri="{FF2B5EF4-FFF2-40B4-BE49-F238E27FC236}">
+                <a16:creationId xmlns:a16="http://schemas.microsoft.com/office/drawing/2014/main" id="{03478EEE-F5BC-49DD-8BA9-017A973C3E53}"/>
+              </a:ext>
+            </a:extLst>
+          </p:cNvPr>
+          <p:cNvSpPr/>
+          <p:nvPr/>
+        </p:nvSpPr>
+        <p:spPr>
+          <a:xfrm>
+            <a:off x="6096007" y="3184862"/>
+            <a:ext cx="675016" cy="413499"/>
+          </a:xfrm>
+          <a:prstGeom prst="roundRect">
+            <a:avLst/>
+          </a:prstGeom>
+          <a:solidFill>
+            <a:srgbClr val="F3E9F1"/>
+          </a:solidFill>
+        </p:spPr>
+        <p:style>
+          <a:lnRef idx="2">
+            <a:schemeClr val="accent1">
+              <a:shade val="50000"/>
+            </a:schemeClr>
+          </a:lnRef>
+          <a:fillRef idx="1">
+            <a:schemeClr val="accent1"/>
+          </a:fillRef>
+          <a:effectRef idx="0">
+            <a:schemeClr val="accent1"/>
+          </a:effectRef>
+          <a:fontRef idx="minor">
+            <a:schemeClr val="lt1"/>
+          </a:fontRef>
+        </p:style>
+        <p:txBody>
+          <a:bodyPr rtlCol="0" anchor="ctr"/>
+          <a:lstStyle/>
+          <a:p>
+            <a:pPr algn="ctr"/>
+            <a:endParaRPr lang="fr-FR" sz="1800" dirty="0">
+              <a:solidFill>
+                <a:srgbClr val="7030A0"/>
+              </a:solidFill>
+            </a:endParaRPr>
+          </a:p>
+        </p:txBody>
+      </p:sp>
+      <p:sp>
+        <p:nvSpPr>
+          <p:cNvPr id="77" name="Rectangle : coins arrondis 76">
+            <a:extLst>
+              <a:ext uri="{FF2B5EF4-FFF2-40B4-BE49-F238E27FC236}">
+                <a16:creationId xmlns:a16="http://schemas.microsoft.com/office/drawing/2014/main" id="{2F6E6BA3-0327-4AC9-B504-7DF34762291C}"/>
+              </a:ext>
+            </a:extLst>
+          </p:cNvPr>
+          <p:cNvSpPr/>
+          <p:nvPr/>
+        </p:nvSpPr>
+        <p:spPr>
+          <a:xfrm>
+            <a:off x="4556726" y="3177923"/>
+            <a:ext cx="1056041" cy="436589"/>
+          </a:xfrm>
+          <a:prstGeom prst="roundRect">
+            <a:avLst/>
+          </a:prstGeom>
+          <a:solidFill>
+            <a:srgbClr val="F3E9F1"/>
+          </a:solidFill>
+        </p:spPr>
+        <p:style>
+          <a:lnRef idx="2">
+            <a:schemeClr val="accent1">
+              <a:shade val="50000"/>
+            </a:schemeClr>
+          </a:lnRef>
+          <a:fillRef idx="1">
+            <a:schemeClr val="accent1"/>
+          </a:fillRef>
+          <a:effectRef idx="0">
+            <a:schemeClr val="accent1"/>
+          </a:effectRef>
+          <a:fontRef idx="minor">
+            <a:schemeClr val="lt1"/>
+          </a:fontRef>
+        </p:style>
+        <p:txBody>
+          <a:bodyPr rtlCol="0" anchor="ctr"/>
+          <a:lstStyle/>
+          <a:p>
+            <a:pPr algn="ctr"/>
+            <a:r>
               <a:rPr lang="fr-FR" dirty="0">
                 <a:solidFill>
-                  <a:schemeClr val="tx1">
-                    <a:lumMod val="65000"/>
-                    <a:lumOff val="35000"/>
-                  </a:schemeClr>
-                </a:solidFill>
-              </a:rPr>
-              <a:t>Accueil</a:t>
-            </a:r>
-          </a:p>
-        </p:txBody>
-      </p:sp>
-      <p:sp>
-        <p:nvSpPr>
-          <p:cNvPr id="29" name="ZoneTexte 28">
-            <a:hlinkClick r:id="rId10" action="ppaction://hlinksldjump"/>
-            <a:extLst>
-              <a:ext uri="{FF2B5EF4-FFF2-40B4-BE49-F238E27FC236}">
-                <a16:creationId xmlns:a16="http://schemas.microsoft.com/office/drawing/2014/main" id="{2212D2F1-4164-43A8-8DC4-BB8256EBD172}"/>
+                  <a:srgbClr val="7030A0"/>
+                </a:solidFill>
+              </a:rPr>
+              <a:t>45</a:t>
+            </a:r>
+            <a:r>
+              <a:rPr lang="fr-FR" sz="1800" dirty="0">
+                <a:solidFill>
+                  <a:srgbClr val="7030A0"/>
+                </a:solidFill>
+              </a:rPr>
+              <a:t> € 00</a:t>
+            </a:r>
+          </a:p>
+        </p:txBody>
+      </p:sp>
+      <p:sp>
+        <p:nvSpPr>
+          <p:cNvPr id="82" name="Rectangle : coins arrondis 81">
+            <a:extLst>
+              <a:ext uri="{FF2B5EF4-FFF2-40B4-BE49-F238E27FC236}">
+                <a16:creationId xmlns:a16="http://schemas.microsoft.com/office/drawing/2014/main" id="{37EA5AF9-A035-4395-AA0E-41AE2B001A1D}"/>
+              </a:ext>
+            </a:extLst>
+          </p:cNvPr>
+          <p:cNvSpPr/>
+          <p:nvPr/>
+        </p:nvSpPr>
+        <p:spPr>
+          <a:xfrm>
+            <a:off x="7117535" y="3723661"/>
+            <a:ext cx="1352201" cy="436589"/>
+          </a:xfrm>
+          <a:prstGeom prst="roundRect">
+            <a:avLst/>
+          </a:prstGeom>
+          <a:solidFill>
+            <a:srgbClr val="F3E9F1"/>
+          </a:solidFill>
+        </p:spPr>
+        <p:style>
+          <a:lnRef idx="2">
+            <a:schemeClr val="accent1">
+              <a:shade val="50000"/>
+            </a:schemeClr>
+          </a:lnRef>
+          <a:fillRef idx="1">
+            <a:schemeClr val="accent1"/>
+          </a:fillRef>
+          <a:effectRef idx="0">
+            <a:schemeClr val="accent1"/>
+          </a:effectRef>
+          <a:fontRef idx="minor">
+            <a:schemeClr val="lt1"/>
+          </a:fontRef>
+        </p:style>
+        <p:txBody>
+          <a:bodyPr rtlCol="0" anchor="ctr"/>
+          <a:lstStyle/>
+          <a:p>
+            <a:pPr algn="r"/>
+            <a:endParaRPr lang="fr-FR" sz="1800" dirty="0">
+              <a:solidFill>
+                <a:srgbClr val="7030A0"/>
+              </a:solidFill>
+            </a:endParaRPr>
+          </a:p>
+        </p:txBody>
+      </p:sp>
+      <p:sp>
+        <p:nvSpPr>
+          <p:cNvPr id="84" name="ZoneTexte 83">
+            <a:extLst>
+              <a:ext uri="{FF2B5EF4-FFF2-40B4-BE49-F238E27FC236}">
+                <a16:creationId xmlns:a16="http://schemas.microsoft.com/office/drawing/2014/main" id="{73B1DFC6-74B1-46E2-997D-353FA4C94AE9}"/>
               </a:ext>
             </a:extLst>
           </p:cNvPr>
@@ -12877,8 +14727,8 @@
         </p:nvSpPr>
         <p:spPr>
           <a:xfrm>
-            <a:off x="11108051" y="279703"/>
-            <a:ext cx="794128" cy="369332"/>
+            <a:off x="3067433" y="3718934"/>
+            <a:ext cx="1377094" cy="369332"/>
           </a:xfrm>
           <a:prstGeom prst="rect">
             <a:avLst/>
@@ -12886,21 +14736,222 @@
           <a:noFill/>
         </p:spPr>
         <p:txBody>
-          <a:bodyPr wrap="none" rtlCol="0">
+          <a:bodyPr wrap="square" rtlCol="0">
             <a:spAutoFit/>
           </a:bodyPr>
           <a:lstStyle/>
           <a:p>
             <a:r>
-              <a:rPr lang="fr-FR" dirty="0">
-                <a:solidFill>
-                  <a:schemeClr val="tx1">
-                    <a:lumMod val="65000"/>
-                    <a:lumOff val="35000"/>
-                  </a:schemeClr>
-                </a:solidFill>
-              </a:rPr>
-              <a:t>Panier</a:t>
+              <a:rPr lang="fr-FR" b="1" dirty="0">
+                <a:solidFill>
+                  <a:srgbClr val="7030A0"/>
+                </a:solidFill>
+              </a:rPr>
+              <a:t>Garfunkel</a:t>
+            </a:r>
+          </a:p>
+        </p:txBody>
+      </p:sp>
+      <p:sp>
+        <p:nvSpPr>
+          <p:cNvPr id="85" name="Rectangle : coins arrondis 84">
+            <a:extLst>
+              <a:ext uri="{FF2B5EF4-FFF2-40B4-BE49-F238E27FC236}">
+                <a16:creationId xmlns:a16="http://schemas.microsoft.com/office/drawing/2014/main" id="{F7FAFA76-F4BB-49E5-B938-017BB8168DC7}"/>
+              </a:ext>
+            </a:extLst>
+          </p:cNvPr>
+          <p:cNvSpPr/>
+          <p:nvPr/>
+        </p:nvSpPr>
+        <p:spPr>
+          <a:xfrm>
+            <a:off x="6092307" y="3737515"/>
+            <a:ext cx="675016" cy="413499"/>
+          </a:xfrm>
+          <a:prstGeom prst="roundRect">
+            <a:avLst/>
+          </a:prstGeom>
+          <a:solidFill>
+            <a:srgbClr val="F3E9F1"/>
+          </a:solidFill>
+        </p:spPr>
+        <p:style>
+          <a:lnRef idx="2">
+            <a:schemeClr val="accent1">
+              <a:shade val="50000"/>
+            </a:schemeClr>
+          </a:lnRef>
+          <a:fillRef idx="1">
+            <a:schemeClr val="accent1"/>
+          </a:fillRef>
+          <a:effectRef idx="0">
+            <a:schemeClr val="accent1"/>
+          </a:effectRef>
+          <a:fontRef idx="minor">
+            <a:schemeClr val="lt1"/>
+          </a:fontRef>
+        </p:style>
+        <p:txBody>
+          <a:bodyPr rtlCol="0" anchor="ctr"/>
+          <a:lstStyle/>
+          <a:p>
+            <a:pPr algn="ctr"/>
+            <a:endParaRPr lang="fr-FR" sz="1800" dirty="0">
+              <a:solidFill>
+                <a:srgbClr val="7030A0"/>
+              </a:solidFill>
+            </a:endParaRPr>
+          </a:p>
+        </p:txBody>
+      </p:sp>
+      <p:sp>
+        <p:nvSpPr>
+          <p:cNvPr id="86" name="Rectangle : coins arrondis 85">
+            <a:extLst>
+              <a:ext uri="{FF2B5EF4-FFF2-40B4-BE49-F238E27FC236}">
+                <a16:creationId xmlns:a16="http://schemas.microsoft.com/office/drawing/2014/main" id="{13B285C8-C0D9-441D-9A98-ADBBB7FD2821}"/>
+              </a:ext>
+            </a:extLst>
+          </p:cNvPr>
+          <p:cNvSpPr/>
+          <p:nvPr/>
+        </p:nvSpPr>
+        <p:spPr>
+          <a:xfrm>
+            <a:off x="4553026" y="3730576"/>
+            <a:ext cx="1056041" cy="436589"/>
+          </a:xfrm>
+          <a:prstGeom prst="roundRect">
+            <a:avLst/>
+          </a:prstGeom>
+          <a:solidFill>
+            <a:srgbClr val="F3E9F1"/>
+          </a:solidFill>
+        </p:spPr>
+        <p:style>
+          <a:lnRef idx="2">
+            <a:schemeClr val="accent1">
+              <a:shade val="50000"/>
+            </a:schemeClr>
+          </a:lnRef>
+          <a:fillRef idx="1">
+            <a:schemeClr val="accent1"/>
+          </a:fillRef>
+          <a:effectRef idx="0">
+            <a:schemeClr val="accent1"/>
+          </a:effectRef>
+          <a:fontRef idx="minor">
+            <a:schemeClr val="lt1"/>
+          </a:fontRef>
+        </p:style>
+        <p:txBody>
+          <a:bodyPr rtlCol="0" anchor="ctr"/>
+          <a:lstStyle/>
+          <a:p>
+            <a:pPr algn="ctr"/>
+            <a:r>
+              <a:rPr lang="fr-FR" sz="1800" dirty="0">
+                <a:solidFill>
+                  <a:srgbClr val="7030A0"/>
+                </a:solidFill>
+              </a:rPr>
+              <a:t>55 € 00</a:t>
+            </a:r>
+          </a:p>
+        </p:txBody>
+      </p:sp>
+      <p:sp>
+        <p:nvSpPr>
+          <p:cNvPr id="87" name="ZoneTexte 86">
+            <a:extLst>
+              <a:ext uri="{FF2B5EF4-FFF2-40B4-BE49-F238E27FC236}">
+                <a16:creationId xmlns:a16="http://schemas.microsoft.com/office/drawing/2014/main" id="{7FCACDC2-7CFB-44E0-BEA1-17EEBE45D6D2}"/>
+              </a:ext>
+            </a:extLst>
+          </p:cNvPr>
+          <p:cNvSpPr txBox="1"/>
+          <p:nvPr/>
+        </p:nvSpPr>
+        <p:spPr>
+          <a:xfrm>
+            <a:off x="4572012" y="4357639"/>
+            <a:ext cx="1007528" cy="461665"/>
+          </a:xfrm>
+          <a:prstGeom prst="rect">
+            <a:avLst/>
+          </a:prstGeom>
+          <a:noFill/>
+        </p:spPr>
+        <p:txBody>
+          <a:bodyPr wrap="square" rtlCol="0">
+            <a:spAutoFit/>
+          </a:bodyPr>
+          <a:lstStyle/>
+          <a:p>
+            <a:r>
+              <a:rPr lang="fr-FR" sz="2400" b="1" dirty="0">
+                <a:solidFill>
+                  <a:srgbClr val="7030A0"/>
+                </a:solidFill>
+              </a:rPr>
+              <a:t>Total :</a:t>
+            </a:r>
+          </a:p>
+        </p:txBody>
+      </p:sp>
+      <p:sp>
+        <p:nvSpPr>
+          <p:cNvPr id="88" name="Rectangle : coins arrondis 87">
+            <a:extLst>
+              <a:ext uri="{FF2B5EF4-FFF2-40B4-BE49-F238E27FC236}">
+                <a16:creationId xmlns:a16="http://schemas.microsoft.com/office/drawing/2014/main" id="{C7E20677-3EB0-4656-9E62-17715836F640}"/>
+              </a:ext>
+            </a:extLst>
+          </p:cNvPr>
+          <p:cNvSpPr/>
+          <p:nvPr/>
+        </p:nvSpPr>
+        <p:spPr>
+          <a:xfrm>
+            <a:off x="6112556" y="4385812"/>
+            <a:ext cx="675016" cy="413499"/>
+          </a:xfrm>
+          <a:prstGeom prst="roundRect">
+            <a:avLst/>
+          </a:prstGeom>
+          <a:solidFill>
+            <a:srgbClr val="F3E9F1"/>
+          </a:solidFill>
+        </p:spPr>
+        <p:style>
+          <a:lnRef idx="2">
+            <a:schemeClr val="accent1">
+              <a:shade val="50000"/>
+            </a:schemeClr>
+          </a:lnRef>
+          <a:fillRef idx="1">
+            <a:schemeClr val="accent1"/>
+          </a:fillRef>
+          <a:effectRef idx="0">
+            <a:schemeClr val="accent1"/>
+          </a:effectRef>
+          <a:fontRef idx="minor">
+            <a:schemeClr val="lt1"/>
+          </a:fontRef>
+        </p:style>
+        <p:txBody>
+          <a:bodyPr rtlCol="0" anchor="ctr"/>
+          <a:lstStyle/>
+          <a:p>
+            <a:pPr algn="ctr"/>
+            <a:r>
+              <a:rPr lang="fr-FR" sz="1800" b="1" dirty="0">
+                <a:solidFill>
+                  <a:srgbClr val="7030A0"/>
+                </a:solidFill>
+              </a:rPr>
+              <a:t>3</a:t>
             </a:r>
           </a:p>
         </p:txBody>
@@ -12908,7 +14959,7 @@
     </p:spTree>
     <p:extLst>
       <p:ext uri="{BB962C8B-B14F-4D97-AF65-F5344CB8AC3E}">
-        <p14:creationId xmlns:p14="http://schemas.microsoft.com/office/powerpoint/2010/main" val="1271504109"/>
+        <p14:creationId xmlns:p14="http://schemas.microsoft.com/office/powerpoint/2010/main" val="2292508588"/>
       </p:ext>
     </p:extLst>
   </p:cSld>

--- a/design marquette/orinoco_webdesign_model.pptx
+++ b/design marquette/orinoco_webdesign_model.pptx
@@ -287,7 +287,7 @@
           <a:p>
             <a:fld id="{6D2C2410-16A5-4F12-823D-D10192541280}" type="datetimeFigureOut">
               <a:rPr lang="fr-FR" smtClean="0"/>
-              <a:t>28/07/2021</a:t>
+              <a:t>30/07/2021</a:t>
             </a:fld>
             <a:endParaRPr lang="fr-FR"/>
           </a:p>
@@ -485,7 +485,7 @@
           <a:p>
             <a:fld id="{6D2C2410-16A5-4F12-823D-D10192541280}" type="datetimeFigureOut">
               <a:rPr lang="fr-FR" smtClean="0"/>
-              <a:t>28/07/2021</a:t>
+              <a:t>30/07/2021</a:t>
             </a:fld>
             <a:endParaRPr lang="fr-FR"/>
           </a:p>
@@ -693,7 +693,7 @@
           <a:p>
             <a:fld id="{6D2C2410-16A5-4F12-823D-D10192541280}" type="datetimeFigureOut">
               <a:rPr lang="fr-FR" smtClean="0"/>
-              <a:t>28/07/2021</a:t>
+              <a:t>30/07/2021</a:t>
             </a:fld>
             <a:endParaRPr lang="fr-FR"/>
           </a:p>
@@ -891,7 +891,7 @@
           <a:p>
             <a:fld id="{6D2C2410-16A5-4F12-823D-D10192541280}" type="datetimeFigureOut">
               <a:rPr lang="fr-FR" smtClean="0"/>
-              <a:t>28/07/2021</a:t>
+              <a:t>30/07/2021</a:t>
             </a:fld>
             <a:endParaRPr lang="fr-FR"/>
           </a:p>
@@ -1166,7 +1166,7 @@
           <a:p>
             <a:fld id="{6D2C2410-16A5-4F12-823D-D10192541280}" type="datetimeFigureOut">
               <a:rPr lang="fr-FR" smtClean="0"/>
-              <a:t>28/07/2021</a:t>
+              <a:t>30/07/2021</a:t>
             </a:fld>
             <a:endParaRPr lang="fr-FR"/>
           </a:p>
@@ -1431,7 +1431,7 @@
           <a:p>
             <a:fld id="{6D2C2410-16A5-4F12-823D-D10192541280}" type="datetimeFigureOut">
               <a:rPr lang="fr-FR" smtClean="0"/>
-              <a:t>28/07/2021</a:t>
+              <a:t>30/07/2021</a:t>
             </a:fld>
             <a:endParaRPr lang="fr-FR"/>
           </a:p>
@@ -1843,7 +1843,7 @@
           <a:p>
             <a:fld id="{6D2C2410-16A5-4F12-823D-D10192541280}" type="datetimeFigureOut">
               <a:rPr lang="fr-FR" smtClean="0"/>
-              <a:t>28/07/2021</a:t>
+              <a:t>30/07/2021</a:t>
             </a:fld>
             <a:endParaRPr lang="fr-FR"/>
           </a:p>
@@ -1984,7 +1984,7 @@
           <a:p>
             <a:fld id="{6D2C2410-16A5-4F12-823D-D10192541280}" type="datetimeFigureOut">
               <a:rPr lang="fr-FR" smtClean="0"/>
-              <a:t>28/07/2021</a:t>
+              <a:t>30/07/2021</a:t>
             </a:fld>
             <a:endParaRPr lang="fr-FR"/>
           </a:p>
@@ -2097,7 +2097,7 @@
           <a:p>
             <a:fld id="{6D2C2410-16A5-4F12-823D-D10192541280}" type="datetimeFigureOut">
               <a:rPr lang="fr-FR" smtClean="0"/>
-              <a:t>28/07/2021</a:t>
+              <a:t>30/07/2021</a:t>
             </a:fld>
             <a:endParaRPr lang="fr-FR"/>
           </a:p>
@@ -2408,7 +2408,7 @@
           <a:p>
             <a:fld id="{6D2C2410-16A5-4F12-823D-D10192541280}" type="datetimeFigureOut">
               <a:rPr lang="fr-FR" smtClean="0"/>
-              <a:t>28/07/2021</a:t>
+              <a:t>30/07/2021</a:t>
             </a:fld>
             <a:endParaRPr lang="fr-FR"/>
           </a:p>
@@ -2696,7 +2696,7 @@
           <a:p>
             <a:fld id="{6D2C2410-16A5-4F12-823D-D10192541280}" type="datetimeFigureOut">
               <a:rPr lang="fr-FR" smtClean="0"/>
-              <a:t>28/07/2021</a:t>
+              <a:t>30/07/2021</a:t>
             </a:fld>
             <a:endParaRPr lang="fr-FR"/>
           </a:p>
@@ -2937,7 +2937,7 @@
           <a:p>
             <a:fld id="{6D2C2410-16A5-4F12-823D-D10192541280}" type="datetimeFigureOut">
               <a:rPr lang="fr-FR" smtClean="0"/>
-              <a:t>28/07/2021</a:t>
+              <a:t>30/07/2021</a:t>
             </a:fld>
             <a:endParaRPr lang="fr-FR"/>
           </a:p>
@@ -4350,7 +4350,7 @@
                   <a:srgbClr val="7030A0"/>
                 </a:solidFill>
               </a:rPr>
-              <a:t>Civilité</a:t>
+              <a:t>Nom</a:t>
             </a:r>
           </a:p>
         </p:txBody>
@@ -4616,7 +4616,7 @@
                   <a:srgbClr val="7030A0"/>
                 </a:solidFill>
               </a:rPr>
-              <a:t>Nom</a:t>
+              <a:t>Prénom</a:t>
             </a:r>
           </a:p>
         </p:txBody>
@@ -4761,7 +4761,7 @@
                   <a:srgbClr val="7030A0"/>
                 </a:solidFill>
               </a:rPr>
-              <a:t>Prénom</a:t>
+              <a:t>Email</a:t>
             </a:r>
           </a:p>
         </p:txBody>
@@ -4853,7 +4853,7 @@
                   <a:srgbClr val="7030A0"/>
                 </a:solidFill>
               </a:rPr>
-              <a:t>Email</a:t>
+              <a:t>Message</a:t>
             </a:r>
           </a:p>
         </p:txBody>
@@ -4873,99 +4873,7 @@
         <p:spPr>
           <a:xfrm>
             <a:off x="4556726" y="3177923"/>
-            <a:ext cx="4393310" cy="436589"/>
-          </a:xfrm>
-          <a:prstGeom prst="roundRect">
-            <a:avLst/>
-          </a:prstGeom>
-          <a:solidFill>
-            <a:srgbClr val="F3E9F1"/>
-          </a:solidFill>
-        </p:spPr>
-        <p:style>
-          <a:lnRef idx="2">
-            <a:schemeClr val="accent1">
-              <a:shade val="50000"/>
-            </a:schemeClr>
-          </a:lnRef>
-          <a:fillRef idx="1">
-            <a:schemeClr val="accent1"/>
-          </a:fillRef>
-          <a:effectRef idx="0">
-            <a:schemeClr val="accent1"/>
-          </a:effectRef>
-          <a:fontRef idx="minor">
-            <a:schemeClr val="lt1"/>
-          </a:fontRef>
-        </p:style>
-        <p:txBody>
-          <a:bodyPr rtlCol="0" anchor="ctr"/>
-          <a:lstStyle/>
-          <a:p>
-            <a:pPr algn="ctr"/>
-            <a:endParaRPr lang="fr-FR" sz="1800" dirty="0">
-              <a:solidFill>
-                <a:srgbClr val="7030A0"/>
-              </a:solidFill>
-            </a:endParaRPr>
-          </a:p>
-        </p:txBody>
-      </p:sp>
-      <p:sp>
-        <p:nvSpPr>
-          <p:cNvPr id="79" name="ZoneTexte 78">
-            <a:extLst>
-              <a:ext uri="{FF2B5EF4-FFF2-40B4-BE49-F238E27FC236}">
-                <a16:creationId xmlns:a16="http://schemas.microsoft.com/office/drawing/2014/main" id="{8F6D4638-BF84-4DD6-A596-3F8F9A0CAF5A}"/>
-              </a:ext>
-            </a:extLst>
-          </p:cNvPr>
-          <p:cNvSpPr txBox="1"/>
-          <p:nvPr/>
-        </p:nvSpPr>
-        <p:spPr>
-          <a:xfrm>
-            <a:off x="3067433" y="3718934"/>
-            <a:ext cx="1377094" cy="369332"/>
-          </a:xfrm>
-          <a:prstGeom prst="rect">
-            <a:avLst/>
-          </a:prstGeom>
-          <a:noFill/>
-        </p:spPr>
-        <p:txBody>
-          <a:bodyPr wrap="square" rtlCol="0">
-            <a:spAutoFit/>
-          </a:bodyPr>
-          <a:lstStyle/>
-          <a:p>
-            <a:r>
-              <a:rPr lang="fr-FR" b="1" dirty="0">
-                <a:solidFill>
-                  <a:srgbClr val="7030A0"/>
-                </a:solidFill>
-              </a:rPr>
-              <a:t>Message</a:t>
-            </a:r>
-          </a:p>
-        </p:txBody>
-      </p:sp>
-      <p:sp>
-        <p:nvSpPr>
-          <p:cNvPr id="81" name="Rectangle : coins arrondis 80">
-            <a:extLst>
-              <a:ext uri="{FF2B5EF4-FFF2-40B4-BE49-F238E27FC236}">
-                <a16:creationId xmlns:a16="http://schemas.microsoft.com/office/drawing/2014/main" id="{E7A91C03-8900-45CE-92D4-9799CA8635C7}"/>
-              </a:ext>
-            </a:extLst>
-          </p:cNvPr>
-          <p:cNvSpPr/>
-          <p:nvPr/>
-        </p:nvSpPr>
-        <p:spPr>
-          <a:xfrm>
-            <a:off x="4553026" y="3730576"/>
-            <a:ext cx="4393310" cy="1130868"/>
+            <a:ext cx="4393310" cy="1578724"/>
           </a:xfrm>
           <a:prstGeom prst="roundRect">
             <a:avLst/>
